--- a/Documentos/Opinem Bem TCC.pptx
+++ b/Documentos/Opinem Bem TCC.pptx
@@ -2,13 +2,13 @@
 <file path=ppt/presentation.xml><?xml version="1.0" encoding="utf-8"?>
 <p:presentation xmlns:a="http://schemas.openxmlformats.org/drawingml/2006/main" xmlns:r="http://schemas.openxmlformats.org/officeDocument/2006/relationships" xmlns:p="http://schemas.openxmlformats.org/presentationml/2006/main" showSpecialPlsOnTitleSld="0" saveSubsetFonts="1">
   <p:sldMasterIdLst>
-    <p:sldMasterId id="2147483745" r:id="rId1"/>
+    <p:sldMasterId id="2147483791" r:id="rId1"/>
   </p:sldMasterIdLst>
   <p:notesMasterIdLst>
-    <p:notesMasterId r:id="rId11"/>
+    <p:notesMasterId r:id="rId12"/>
   </p:notesMasterIdLst>
   <p:handoutMasterIdLst>
-    <p:handoutMasterId r:id="rId12"/>
+    <p:handoutMasterId r:id="rId13"/>
   </p:handoutMasterIdLst>
   <p:sldIdLst>
     <p:sldId id="256" r:id="rId2"/>
@@ -16,10 +16,11 @@
     <p:sldId id="257" r:id="rId4"/>
     <p:sldId id="258" r:id="rId5"/>
     <p:sldId id="261" r:id="rId6"/>
-    <p:sldId id="264" r:id="rId7"/>
-    <p:sldId id="259" r:id="rId8"/>
+    <p:sldId id="259" r:id="rId7"/>
+    <p:sldId id="266" r:id="rId8"/>
     <p:sldId id="260" r:id="rId9"/>
-    <p:sldId id="263" r:id="rId10"/>
+    <p:sldId id="265" r:id="rId10"/>
+    <p:sldId id="263" r:id="rId11"/>
   </p:sldIdLst>
   <p:sldSz cx="12192000" cy="6858000"/>
   <p:notesSz cx="6858000" cy="9144000"/>
@@ -118,6 +119,11 @@
       </a:defRPr>
     </a:lvl9pPr>
   </p:defaultTextStyle>
+  <p:extLst>
+    <p:ext uri="{EFAFB233-063F-42B5-8137-9DF3F51BA10A}">
+      <p15:sldGuideLst xmlns:p15="http://schemas.microsoft.com/office/powerpoint/2012/main"/>
+    </p:ext>
+  </p:extLst>
 </p:presentation>
 </file>
 
@@ -176,7 +182,7 @@
             </a:lvl1pPr>
           </a:lstStyle>
           <a:p>
-            <a:endParaRPr lang="pt-BR"/>
+            <a:endParaRPr lang="pt-BR" dirty="0"/>
           </a:p>
         </p:txBody>
       </p:sp>
@@ -215,9 +221,9 @@
           <a:p>
             <a:fld id="{6EDD680C-344D-4ACE-976B-A32D103A3C15}" type="datetimeFigureOut">
               <a:rPr lang="pt-BR" smtClean="0"/>
-              <a:t>23/06/2018</a:t>
+              <a:t>25/06/2018</a:t>
             </a:fld>
-            <a:endParaRPr lang="pt-BR"/>
+            <a:endParaRPr lang="pt-BR" dirty="0"/>
           </a:p>
         </p:txBody>
       </p:sp>
@@ -254,7 +260,7 @@
             </a:lvl1pPr>
           </a:lstStyle>
           <a:p>
-            <a:endParaRPr lang="pt-BR"/>
+            <a:endParaRPr lang="pt-BR" dirty="0"/>
           </a:p>
         </p:txBody>
       </p:sp>
@@ -295,7 +301,7 @@
               <a:rPr lang="pt-BR" smtClean="0"/>
               <a:t>‹nº›</a:t>
             </a:fld>
-            <a:endParaRPr lang="pt-BR"/>
+            <a:endParaRPr lang="pt-BR" dirty="0"/>
           </a:p>
         </p:txBody>
       </p:sp>
@@ -359,7 +365,7 @@
             </a:lvl1pPr>
           </a:lstStyle>
           <a:p>
-            <a:endParaRPr lang="pt-BR"/>
+            <a:endParaRPr lang="pt-BR" dirty="0"/>
           </a:p>
         </p:txBody>
       </p:sp>
@@ -392,9 +398,9 @@
           <a:p>
             <a:fld id="{1A45CAAA-E651-41A8-9BEA-79F251219685}" type="datetimeFigureOut">
               <a:rPr lang="pt-BR" smtClean="0"/>
-              <a:t>23/06/2018</a:t>
+              <a:t>25/06/2018</a:t>
             </a:fld>
-            <a:endParaRPr lang="pt-BR"/>
+            <a:endParaRPr lang="pt-BR" dirty="0"/>
           </a:p>
         </p:txBody>
       </p:sp>
@@ -427,7 +433,7 @@
           <a:bodyPr vert="horz" lIns="91440" tIns="45720" rIns="91440" bIns="45720" rtlCol="0" anchor="ctr"/>
           <a:lstStyle/>
           <a:p>
-            <a:endParaRPr lang="pt-BR"/>
+            <a:endParaRPr lang="pt-BR" dirty="0"/>
           </a:p>
         </p:txBody>
       </p:sp>
@@ -517,7 +523,7 @@
             </a:lvl1pPr>
           </a:lstStyle>
           <a:p>
-            <a:endParaRPr lang="pt-BR"/>
+            <a:endParaRPr lang="pt-BR" dirty="0"/>
           </a:p>
         </p:txBody>
       </p:sp>
@@ -552,7 +558,7 @@
               <a:rPr lang="pt-BR" smtClean="0"/>
               <a:t>‹nº›</a:t>
             </a:fld>
-            <a:endParaRPr lang="pt-BR"/>
+            <a:endParaRPr lang="pt-BR" dirty="0"/>
           </a:p>
         </p:txBody>
       </p:sp>
@@ -726,7 +732,7 @@
               <a:rPr lang="pt-BR" smtClean="0"/>
               <a:t>1</a:t>
             </a:fld>
-            <a:endParaRPr lang="pt-BR"/>
+            <a:endParaRPr lang="pt-BR" dirty="0"/>
           </a:p>
         </p:txBody>
       </p:sp>
@@ -813,7 +819,7 @@
               <a:rPr lang="pt-BR" smtClean="0"/>
               <a:t>2</a:t>
             </a:fld>
-            <a:endParaRPr lang="pt-BR"/>
+            <a:endParaRPr lang="pt-BR" dirty="0"/>
           </a:p>
         </p:txBody>
       </p:sp>
@@ -876,22 +882,10 @@
           <a:p>
             <a:r>
               <a:rPr lang="pt-BR" dirty="0"/>
-              <a:t>O PROBEMA ENCONTRADO PARA O DESENVOLVIMENTO DESSE TRABLAHO FOI O QUE OS ELEITORES MUITS VEZES NÃO POSSUEM A REPRESENTAÇAO NECESSARIA DE SEUS CANDIDATOS QUANDO ELEITOS. E FOI CHEGO </a:t>
-            </a:r>
-            <a:r>
-              <a:rPr lang="pt-BR"/>
-              <a:t>A ESSA QUESTAO A </a:t>
-            </a:r>
-            <a:r>
-              <a:rPr lang="pt-BR" dirty="0"/>
-              <a:t>PARTIR DE </a:t>
-            </a:r>
-            <a:r>
-              <a:rPr lang="pt-BR"/>
-              <a:t>PESQUISAS REALIZADAS ANO PASSADO EM</a:t>
-            </a:r>
-            <a:r>
-              <a:rPr lang="pt-BR" baseline="0"/>
+              <a:t>O PROBEMA ENCONTRADO PARA O DESENVOLVIMENTO DESSE TRABLAHO FOI O QUE OS ELEITORES MUITS VEZES NÃO POSSUEM A REPRESENTAÇAO NECESSARIA DE SEUS CANDIDATOS QUANDO ELEITOS. E FOI CHEGO A ESSA QUESTAO A PARTIR DE PESQUISAS REALIZADAS ANO PASSADO EM</a:t>
+            </a:r>
+            <a:r>
+              <a:rPr lang="pt-BR" baseline="0" dirty="0"/>
               <a:t> QUE AS PESSOAS RESPONDERA</a:t>
             </a:r>
             <a:endParaRPr lang="pt-BR" dirty="0"/>
@@ -917,7 +911,7 @@
               <a:rPr lang="pt-BR" smtClean="0"/>
               <a:t>3</a:t>
             </a:fld>
-            <a:endParaRPr lang="pt-BR"/>
+            <a:endParaRPr lang="pt-BR" dirty="0"/>
           </a:p>
         </p:txBody>
       </p:sp>
@@ -980,7 +974,7 @@
           <a:p>
             <a:r>
               <a:rPr lang="pt-BR" dirty="0"/>
-              <a:t>PRINCIPAIS PROGRAMAS UTILIZADOS PARA O DESENVOLVIMENTO DO TRABALHO</a:t>
+              <a:t>Proporciona aos usuários a chance de criar projetos de lei para tentar suprir as necessidades da população ou da sociedade em si.</a:t>
             </a:r>
           </a:p>
         </p:txBody>
@@ -1002,16 +996,100 @@
           <a:p>
             <a:fld id="{A74FCB3C-F770-4EC8-B9B4-E6AD2B2A37C0}" type="slidenum">
               <a:rPr lang="pt-BR" smtClean="0"/>
-              <a:t>6</a:t>
+              <a:t>4</a:t>
             </a:fld>
-            <a:endParaRPr lang="pt-BR"/>
+            <a:endParaRPr lang="pt-BR" dirty="0"/>
           </a:p>
         </p:txBody>
       </p:sp>
     </p:spTree>
     <p:extLst>
       <p:ext uri="{BB962C8B-B14F-4D97-AF65-F5344CB8AC3E}">
-        <p14:creationId xmlns:p14="http://schemas.microsoft.com/office/powerpoint/2010/main" val="2744997272"/>
+        <p14:creationId xmlns:p14="http://schemas.microsoft.com/office/powerpoint/2010/main" val="1860790848"/>
+      </p:ext>
+    </p:extLst>
+  </p:cSld>
+  <p:clrMapOvr>
+    <a:masterClrMapping/>
+  </p:clrMapOvr>
+</p:notes>
+</file>
+
+<file path=ppt/notesSlides/notesSlide5.xml><?xml version="1.0" encoding="utf-8"?>
+<p:notes xmlns:a="http://schemas.openxmlformats.org/drawingml/2006/main" xmlns:r="http://schemas.openxmlformats.org/officeDocument/2006/relationships" xmlns:p="http://schemas.openxmlformats.org/presentationml/2006/main">
+  <p:cSld>
+    <p:spTree>
+      <p:nvGrpSpPr>
+        <p:cNvPr id="1" name=""/>
+        <p:cNvGrpSpPr/>
+        <p:nvPr/>
+      </p:nvGrpSpPr>
+      <p:grpSpPr>
+        <a:xfrm>
+          <a:off x="0" y="0"/>
+          <a:ext cx="0" cy="0"/>
+          <a:chOff x="0" y="0"/>
+          <a:chExt cx="0" cy="0"/>
+        </a:xfrm>
+      </p:grpSpPr>
+      <p:sp>
+        <p:nvSpPr>
+          <p:cNvPr id="2" name="Espaço Reservado para Imagem de Slide 1"/>
+          <p:cNvSpPr>
+            <a:spLocks noGrp="1" noRot="1" noChangeAspect="1"/>
+          </p:cNvSpPr>
+          <p:nvPr>
+            <p:ph type="sldImg"/>
+          </p:nvPr>
+        </p:nvSpPr>
+        <p:spPr/>
+      </p:sp>
+      <p:sp>
+        <p:nvSpPr>
+          <p:cNvPr id="3" name="Espaço Reservado para Anotações 2"/>
+          <p:cNvSpPr>
+            <a:spLocks noGrp="1"/>
+          </p:cNvSpPr>
+          <p:nvPr>
+            <p:ph type="body" idx="1"/>
+          </p:nvPr>
+        </p:nvSpPr>
+        <p:spPr/>
+        <p:txBody>
+          <a:bodyPr/>
+          <a:lstStyle/>
+          <a:p>
+            <a:endParaRPr lang="pt-BR" dirty="0"/>
+          </a:p>
+        </p:txBody>
+      </p:sp>
+      <p:sp>
+        <p:nvSpPr>
+          <p:cNvPr id="4" name="Espaço Reservado para Número de Slide 3"/>
+          <p:cNvSpPr>
+            <a:spLocks noGrp="1"/>
+          </p:cNvSpPr>
+          <p:nvPr>
+            <p:ph type="sldNum" sz="quarter" idx="10"/>
+          </p:nvPr>
+        </p:nvSpPr>
+        <p:spPr/>
+        <p:txBody>
+          <a:bodyPr/>
+          <a:lstStyle/>
+          <a:p>
+            <a:fld id="{A74FCB3C-F770-4EC8-B9B4-E6AD2B2A37C0}" type="slidenum">
+              <a:rPr lang="pt-BR" smtClean="0"/>
+              <a:t>8</a:t>
+            </a:fld>
+            <a:endParaRPr lang="pt-BR" dirty="0"/>
+          </a:p>
+        </p:txBody>
+      </p:sp>
+    </p:spTree>
+    <p:extLst>
+      <p:ext uri="{BB962C8B-B14F-4D97-AF65-F5344CB8AC3E}">
+        <p14:creationId xmlns:p14="http://schemas.microsoft.com/office/powerpoint/2010/main" val="1920894109"/>
       </p:ext>
     </p:extLst>
   </p:cSld>
@@ -1022,7 +1100,7 @@
 </file>
 
 <file path=ppt/slideLayouts/slideLayout1.xml><?xml version="1.0" encoding="utf-8"?>
-<p:sldLayout xmlns:a="http://schemas.openxmlformats.org/drawingml/2006/main" xmlns:r="http://schemas.openxmlformats.org/officeDocument/2006/relationships" xmlns:p="http://schemas.openxmlformats.org/presentationml/2006/main" showMasterSp="0" type="title" preserve="1">
+<p:sldLayout xmlns:a="http://schemas.openxmlformats.org/drawingml/2006/main" xmlns:r="http://schemas.openxmlformats.org/officeDocument/2006/relationships" xmlns:p="http://schemas.openxmlformats.org/presentationml/2006/main" type="title" preserve="1">
   <p:cSld name="Slide de Título">
     <p:spTree>
       <p:nvGrpSpPr>
@@ -1038,536 +1116,6 @@
           <a:chExt cx="0" cy="0"/>
         </a:xfrm>
       </p:grpSpPr>
-      <p:grpSp>
-        <p:nvGrpSpPr>
-          <p:cNvPr id="7" name="Group 6"/>
-          <p:cNvGrpSpPr/>
-          <p:nvPr/>
-        </p:nvGrpSpPr>
-        <p:grpSpPr>
-          <a:xfrm>
-            <a:off x="0" y="-8467"/>
-            <a:ext cx="12192000" cy="6866467"/>
-            <a:chOff x="0" y="-8467"/>
-            <a:chExt cx="12192000" cy="6866467"/>
-          </a:xfrm>
-        </p:grpSpPr>
-        <p:cxnSp>
-          <p:nvCxnSpPr>
-            <p:cNvPr id="32" name="Straight Connector 31"/>
-            <p:cNvCxnSpPr/>
-            <p:nvPr/>
-          </p:nvCxnSpPr>
-          <p:spPr>
-            <a:xfrm>
-              <a:off x="9371012" y="0"/>
-              <a:ext cx="1219200" cy="6858000"/>
-            </a:xfrm>
-            <a:prstGeom prst="line">
-              <a:avLst/>
-            </a:prstGeom>
-            <a:ln w="9525">
-              <a:solidFill>
-                <a:schemeClr val="bg1">
-                  <a:lumMod val="75000"/>
-                </a:schemeClr>
-              </a:solidFill>
-            </a:ln>
-          </p:spPr>
-          <p:style>
-            <a:lnRef idx="2">
-              <a:schemeClr val="accent1"/>
-            </a:lnRef>
-            <a:fillRef idx="0">
-              <a:schemeClr val="accent1"/>
-            </a:fillRef>
-            <a:effectRef idx="1">
-              <a:schemeClr val="accent1"/>
-            </a:effectRef>
-            <a:fontRef idx="minor">
-              <a:schemeClr val="tx1"/>
-            </a:fontRef>
-          </p:style>
-        </p:cxnSp>
-        <p:cxnSp>
-          <p:nvCxnSpPr>
-            <p:cNvPr id="21" name="Straight Connector 20"/>
-            <p:cNvCxnSpPr/>
-            <p:nvPr/>
-          </p:nvCxnSpPr>
-          <p:spPr>
-            <a:xfrm flipH="1">
-              <a:off x="7425267" y="3681413"/>
-              <a:ext cx="4763558" cy="3176587"/>
-            </a:xfrm>
-            <a:prstGeom prst="line">
-              <a:avLst/>
-            </a:prstGeom>
-            <a:ln w="9525">
-              <a:solidFill>
-                <a:schemeClr val="bg1">
-                  <a:lumMod val="85000"/>
-                </a:schemeClr>
-              </a:solidFill>
-            </a:ln>
-          </p:spPr>
-          <p:style>
-            <a:lnRef idx="2">
-              <a:schemeClr val="accent1"/>
-            </a:lnRef>
-            <a:fillRef idx="0">
-              <a:schemeClr val="accent1"/>
-            </a:fillRef>
-            <a:effectRef idx="1">
-              <a:schemeClr val="accent1"/>
-            </a:effectRef>
-            <a:fontRef idx="minor">
-              <a:schemeClr val="tx1"/>
-            </a:fontRef>
-          </p:style>
-        </p:cxnSp>
-        <p:sp>
-          <p:nvSpPr>
-            <p:cNvPr id="24" name="Rectangle 23"/>
-            <p:cNvSpPr/>
-            <p:nvPr/>
-          </p:nvSpPr>
-          <p:spPr>
-            <a:xfrm>
-              <a:off x="9181476" y="-8467"/>
-              <a:ext cx="3007349" cy="6866467"/>
-            </a:xfrm>
-            <a:custGeom>
-              <a:avLst/>
-              <a:gdLst/>
-              <a:ahLst/>
-              <a:cxnLst/>
-              <a:rect l="l" t="t" r="r" b="b"/>
-              <a:pathLst>
-                <a:path w="3007349" h="6866467">
-                  <a:moveTo>
-                    <a:pt x="2045532" y="0"/>
-                  </a:moveTo>
-                  <a:lnTo>
-                    <a:pt x="3007349" y="0"/>
-                  </a:lnTo>
-                  <a:lnTo>
-                    <a:pt x="3007349" y="6866467"/>
-                  </a:lnTo>
-                  <a:lnTo>
-                    <a:pt x="0" y="6866467"/>
-                  </a:lnTo>
-                  <a:lnTo>
-                    <a:pt x="2045532" y="0"/>
-                  </a:lnTo>
-                  <a:close/>
-                </a:path>
-              </a:pathLst>
-            </a:custGeom>
-            <a:solidFill>
-              <a:schemeClr val="accent1">
-                <a:alpha val="30000"/>
-              </a:schemeClr>
-            </a:solidFill>
-            <a:ln>
-              <a:noFill/>
-            </a:ln>
-            <a:effectLst/>
-          </p:spPr>
-          <p:style>
-            <a:lnRef idx="1">
-              <a:schemeClr val="accent1"/>
-            </a:lnRef>
-            <a:fillRef idx="3">
-              <a:schemeClr val="accent1"/>
-            </a:fillRef>
-            <a:effectRef idx="2">
-              <a:schemeClr val="accent1"/>
-            </a:effectRef>
-            <a:fontRef idx="minor">
-              <a:schemeClr val="lt1"/>
-            </a:fontRef>
-          </p:style>
-        </p:sp>
-        <p:sp>
-          <p:nvSpPr>
-            <p:cNvPr id="26" name="Rectangle 25"/>
-            <p:cNvSpPr/>
-            <p:nvPr/>
-          </p:nvSpPr>
-          <p:spPr>
-            <a:xfrm>
-              <a:off x="9603442" y="-8467"/>
-              <a:ext cx="2588558" cy="6866467"/>
-            </a:xfrm>
-            <a:custGeom>
-              <a:avLst/>
-              <a:gdLst/>
-              <a:ahLst/>
-              <a:cxnLst/>
-              <a:rect l="l" t="t" r="r" b="b"/>
-              <a:pathLst>
-                <a:path w="2573311" h="6866467">
-                  <a:moveTo>
-                    <a:pt x="0" y="0"/>
-                  </a:moveTo>
-                  <a:lnTo>
-                    <a:pt x="2573311" y="0"/>
-                  </a:lnTo>
-                  <a:lnTo>
-                    <a:pt x="2573311" y="6866467"/>
-                  </a:lnTo>
-                  <a:lnTo>
-                    <a:pt x="1202336" y="6866467"/>
-                  </a:lnTo>
-                  <a:lnTo>
-                    <a:pt x="0" y="0"/>
-                  </a:lnTo>
-                  <a:close/>
-                </a:path>
-              </a:pathLst>
-            </a:custGeom>
-            <a:solidFill>
-              <a:schemeClr val="accent1">
-                <a:alpha val="20000"/>
-              </a:schemeClr>
-            </a:solidFill>
-            <a:ln>
-              <a:noFill/>
-            </a:ln>
-            <a:effectLst/>
-          </p:spPr>
-          <p:style>
-            <a:lnRef idx="1">
-              <a:schemeClr val="accent1"/>
-            </a:lnRef>
-            <a:fillRef idx="3">
-              <a:schemeClr val="accent1"/>
-            </a:fillRef>
-            <a:effectRef idx="2">
-              <a:schemeClr val="accent1"/>
-            </a:effectRef>
-            <a:fontRef idx="minor">
-              <a:schemeClr val="lt1"/>
-            </a:fontRef>
-          </p:style>
-        </p:sp>
-        <p:sp>
-          <p:nvSpPr>
-            <p:cNvPr id="27" name="Isosceles Triangle 26"/>
-            <p:cNvSpPr/>
-            <p:nvPr/>
-          </p:nvSpPr>
-          <p:spPr>
-            <a:xfrm>
-              <a:off x="8932333" y="3048000"/>
-              <a:ext cx="3259667" cy="3810000"/>
-            </a:xfrm>
-            <a:prstGeom prst="triangle">
-              <a:avLst>
-                <a:gd name="adj" fmla="val 100000"/>
-              </a:avLst>
-            </a:prstGeom>
-            <a:solidFill>
-              <a:schemeClr val="accent2">
-                <a:alpha val="72000"/>
-              </a:schemeClr>
-            </a:solidFill>
-            <a:ln>
-              <a:noFill/>
-            </a:ln>
-            <a:effectLst/>
-          </p:spPr>
-          <p:style>
-            <a:lnRef idx="1">
-              <a:schemeClr val="accent1"/>
-            </a:lnRef>
-            <a:fillRef idx="3">
-              <a:schemeClr val="accent1"/>
-            </a:fillRef>
-            <a:effectRef idx="2">
-              <a:schemeClr val="accent1"/>
-            </a:effectRef>
-            <a:fontRef idx="minor">
-              <a:schemeClr val="lt1"/>
-            </a:fontRef>
-          </p:style>
-        </p:sp>
-        <p:sp>
-          <p:nvSpPr>
-            <p:cNvPr id="28" name="Rectangle 27"/>
-            <p:cNvSpPr/>
-            <p:nvPr/>
-          </p:nvSpPr>
-          <p:spPr>
-            <a:xfrm>
-              <a:off x="9334500" y="-8467"/>
-              <a:ext cx="2854326" cy="6866467"/>
-            </a:xfrm>
-            <a:custGeom>
-              <a:avLst/>
-              <a:gdLst/>
-              <a:ahLst/>
-              <a:cxnLst/>
-              <a:rect l="l" t="t" r="r" b="b"/>
-              <a:pathLst>
-                <a:path w="2858013" h="6866467">
-                  <a:moveTo>
-                    <a:pt x="0" y="0"/>
-                  </a:moveTo>
-                  <a:lnTo>
-                    <a:pt x="2858013" y="0"/>
-                  </a:lnTo>
-                  <a:lnTo>
-                    <a:pt x="2858013" y="6866467"/>
-                  </a:lnTo>
-                  <a:lnTo>
-                    <a:pt x="2473942" y="6866467"/>
-                  </a:lnTo>
-                  <a:lnTo>
-                    <a:pt x="0" y="0"/>
-                  </a:lnTo>
-                  <a:close/>
-                </a:path>
-              </a:pathLst>
-            </a:custGeom>
-            <a:solidFill>
-              <a:schemeClr val="accent2">
-                <a:lumMod val="75000"/>
-                <a:alpha val="70000"/>
-              </a:schemeClr>
-            </a:solidFill>
-            <a:ln>
-              <a:noFill/>
-            </a:ln>
-            <a:effectLst/>
-          </p:spPr>
-          <p:style>
-            <a:lnRef idx="1">
-              <a:schemeClr val="accent1"/>
-            </a:lnRef>
-            <a:fillRef idx="3">
-              <a:schemeClr val="accent1"/>
-            </a:fillRef>
-            <a:effectRef idx="2">
-              <a:schemeClr val="accent1"/>
-            </a:effectRef>
-            <a:fontRef idx="minor">
-              <a:schemeClr val="lt1"/>
-            </a:fontRef>
-          </p:style>
-        </p:sp>
-        <p:sp>
-          <p:nvSpPr>
-            <p:cNvPr id="29" name="Rectangle 28"/>
-            <p:cNvSpPr/>
-            <p:nvPr/>
-          </p:nvSpPr>
-          <p:spPr>
-            <a:xfrm>
-              <a:off x="10898730" y="-8467"/>
-              <a:ext cx="1290094" cy="6866467"/>
-            </a:xfrm>
-            <a:custGeom>
-              <a:avLst/>
-              <a:gdLst/>
-              <a:ahLst/>
-              <a:cxnLst/>
-              <a:rect l="l" t="t" r="r" b="b"/>
-              <a:pathLst>
-                <a:path w="1290094" h="6858000">
-                  <a:moveTo>
-                    <a:pt x="1019735" y="0"/>
-                  </a:moveTo>
-                  <a:lnTo>
-                    <a:pt x="1290094" y="0"/>
-                  </a:lnTo>
-                  <a:lnTo>
-                    <a:pt x="1290094" y="6858000"/>
-                  </a:lnTo>
-                  <a:lnTo>
-                    <a:pt x="0" y="6858000"/>
-                  </a:lnTo>
-                  <a:lnTo>
-                    <a:pt x="1019735" y="0"/>
-                  </a:lnTo>
-                  <a:close/>
-                </a:path>
-              </a:pathLst>
-            </a:custGeom>
-            <a:solidFill>
-              <a:schemeClr val="accent1">
-                <a:lumMod val="60000"/>
-                <a:lumOff val="40000"/>
-                <a:alpha val="70000"/>
-              </a:schemeClr>
-            </a:solidFill>
-            <a:ln>
-              <a:noFill/>
-            </a:ln>
-            <a:effectLst/>
-          </p:spPr>
-          <p:style>
-            <a:lnRef idx="1">
-              <a:schemeClr val="accent1"/>
-            </a:lnRef>
-            <a:fillRef idx="3">
-              <a:schemeClr val="accent1"/>
-            </a:fillRef>
-            <a:effectRef idx="2">
-              <a:schemeClr val="accent1"/>
-            </a:effectRef>
-            <a:fontRef idx="minor">
-              <a:schemeClr val="lt1"/>
-            </a:fontRef>
-          </p:style>
-        </p:sp>
-        <p:sp>
-          <p:nvSpPr>
-            <p:cNvPr id="30" name="Rectangle 29"/>
-            <p:cNvSpPr/>
-            <p:nvPr/>
-          </p:nvSpPr>
-          <p:spPr>
-            <a:xfrm>
-              <a:off x="10938999" y="-8467"/>
-              <a:ext cx="1249825" cy="6866467"/>
-            </a:xfrm>
-            <a:custGeom>
-              <a:avLst/>
-              <a:gdLst/>
-              <a:ahLst/>
-              <a:cxnLst/>
-              <a:rect l="l" t="t" r="r" b="b"/>
-              <a:pathLst>
-                <a:path w="1249825" h="6858000">
-                  <a:moveTo>
-                    <a:pt x="0" y="0"/>
-                  </a:moveTo>
-                  <a:lnTo>
-                    <a:pt x="1249825" y="0"/>
-                  </a:lnTo>
-                  <a:lnTo>
-                    <a:pt x="1249825" y="6858000"/>
-                  </a:lnTo>
-                  <a:lnTo>
-                    <a:pt x="1109382" y="6858000"/>
-                  </a:lnTo>
-                  <a:lnTo>
-                    <a:pt x="0" y="0"/>
-                  </a:lnTo>
-                  <a:close/>
-                </a:path>
-              </a:pathLst>
-            </a:custGeom>
-            <a:solidFill>
-              <a:schemeClr val="accent1">
-                <a:alpha val="65000"/>
-              </a:schemeClr>
-            </a:solidFill>
-            <a:ln>
-              <a:noFill/>
-            </a:ln>
-            <a:effectLst/>
-          </p:spPr>
-          <p:style>
-            <a:lnRef idx="1">
-              <a:schemeClr val="accent1"/>
-            </a:lnRef>
-            <a:fillRef idx="3">
-              <a:schemeClr val="accent1"/>
-            </a:fillRef>
-            <a:effectRef idx="2">
-              <a:schemeClr val="accent1"/>
-            </a:effectRef>
-            <a:fontRef idx="minor">
-              <a:schemeClr val="lt1"/>
-            </a:fontRef>
-          </p:style>
-        </p:sp>
-        <p:sp>
-          <p:nvSpPr>
-            <p:cNvPr id="31" name="Isosceles Triangle 30"/>
-            <p:cNvSpPr/>
-            <p:nvPr/>
-          </p:nvSpPr>
-          <p:spPr>
-            <a:xfrm>
-              <a:off x="10371666" y="3589867"/>
-              <a:ext cx="1817159" cy="3268133"/>
-            </a:xfrm>
-            <a:prstGeom prst="triangle">
-              <a:avLst>
-                <a:gd name="adj" fmla="val 100000"/>
-              </a:avLst>
-            </a:prstGeom>
-            <a:solidFill>
-              <a:schemeClr val="accent1">
-                <a:alpha val="80000"/>
-              </a:schemeClr>
-            </a:solidFill>
-            <a:ln>
-              <a:noFill/>
-            </a:ln>
-            <a:effectLst/>
-          </p:spPr>
-          <p:style>
-            <a:lnRef idx="1">
-              <a:schemeClr val="accent1"/>
-            </a:lnRef>
-            <a:fillRef idx="3">
-              <a:schemeClr val="accent1"/>
-            </a:fillRef>
-            <a:effectRef idx="2">
-              <a:schemeClr val="accent1"/>
-            </a:effectRef>
-            <a:fontRef idx="minor">
-              <a:schemeClr val="lt1"/>
-            </a:fontRef>
-          </p:style>
-        </p:sp>
-        <p:sp>
-          <p:nvSpPr>
-            <p:cNvPr id="19" name="Isosceles Triangle 18"/>
-            <p:cNvSpPr/>
-            <p:nvPr/>
-          </p:nvSpPr>
-          <p:spPr>
-            <a:xfrm rot="10800000">
-              <a:off x="0" y="0"/>
-              <a:ext cx="842596" cy="5666154"/>
-            </a:xfrm>
-            <a:prstGeom prst="triangle">
-              <a:avLst>
-                <a:gd name="adj" fmla="val 100000"/>
-              </a:avLst>
-            </a:prstGeom>
-            <a:solidFill>
-              <a:schemeClr val="accent1">
-                <a:alpha val="85000"/>
-              </a:schemeClr>
-            </a:solidFill>
-            <a:ln>
-              <a:noFill/>
-            </a:ln>
-            <a:effectLst/>
-          </p:spPr>
-          <p:style>
-            <a:lnRef idx="1">
-              <a:schemeClr val="accent1"/>
-            </a:lnRef>
-            <a:fillRef idx="3">
-              <a:schemeClr val="accent1"/>
-            </a:fillRef>
-            <a:effectRef idx="2">
-              <a:schemeClr val="accent1"/>
-            </a:effectRef>
-            <a:fontRef idx="minor">
-              <a:schemeClr val="lt1"/>
-            </a:fontRef>
-          </p:style>
-        </p:sp>
-      </p:grpSp>
       <p:sp>
         <p:nvSpPr>
           <p:cNvPr id="2" name="Title 1"/>
@@ -1580,21 +1128,15 @@
         </p:nvSpPr>
         <p:spPr>
           <a:xfrm>
-            <a:off x="1507067" y="2404534"/>
-            <a:ext cx="7766936" cy="1646302"/>
+            <a:off x="1524000" y="1122363"/>
+            <a:ext cx="9144000" cy="2387600"/>
           </a:xfrm>
         </p:spPr>
         <p:txBody>
-          <a:bodyPr anchor="b">
-            <a:noAutofit/>
-          </a:bodyPr>
+          <a:bodyPr anchor="b"/>
           <a:lstStyle>
-            <a:lvl1pPr algn="r">
-              <a:defRPr sz="5400">
-                <a:solidFill>
-                  <a:schemeClr val="accent1"/>
-                </a:solidFill>
-              </a:defRPr>
+            <a:lvl1pPr algn="ctr">
+              <a:defRPr sz="6000"/>
             </a:lvl1pPr>
           </a:lstStyle>
           <a:p>
@@ -1618,103 +1160,48 @@
         </p:nvSpPr>
         <p:spPr>
           <a:xfrm>
-            <a:off x="1507067" y="4050833"/>
-            <a:ext cx="7766936" cy="1096899"/>
+            <a:off x="1524000" y="3602038"/>
+            <a:ext cx="9144000" cy="1655762"/>
           </a:xfrm>
         </p:spPr>
         <p:txBody>
-          <a:bodyPr anchor="t"/>
+          <a:bodyPr/>
           <a:lstStyle>
-            <a:lvl1pPr marL="0" indent="0" algn="r">
+            <a:lvl1pPr marL="0" indent="0" algn="ctr">
               <a:buNone/>
-              <a:defRPr>
-                <a:solidFill>
-                  <a:schemeClr val="tx1">
-                    <a:lumMod val="50000"/>
-                    <a:lumOff val="50000"/>
-                  </a:schemeClr>
-                </a:solidFill>
-              </a:defRPr>
+              <a:defRPr sz="2400"/>
             </a:lvl1pPr>
             <a:lvl2pPr marL="457200" indent="0" algn="ctr">
               <a:buNone/>
-              <a:defRPr>
-                <a:solidFill>
-                  <a:schemeClr val="tx1">
-                    <a:tint val="75000"/>
-                  </a:schemeClr>
-                </a:solidFill>
-              </a:defRPr>
+              <a:defRPr sz="2000"/>
             </a:lvl2pPr>
             <a:lvl3pPr marL="914400" indent="0" algn="ctr">
               <a:buNone/>
-              <a:defRPr>
-                <a:solidFill>
-                  <a:schemeClr val="tx1">
-                    <a:tint val="75000"/>
-                  </a:schemeClr>
-                </a:solidFill>
-              </a:defRPr>
+              <a:defRPr sz="1800"/>
             </a:lvl3pPr>
             <a:lvl4pPr marL="1371600" indent="0" algn="ctr">
               <a:buNone/>
-              <a:defRPr>
-                <a:solidFill>
-                  <a:schemeClr val="tx1">
-                    <a:tint val="75000"/>
-                  </a:schemeClr>
-                </a:solidFill>
-              </a:defRPr>
+              <a:defRPr sz="1600"/>
             </a:lvl4pPr>
             <a:lvl5pPr marL="1828800" indent="0" algn="ctr">
               <a:buNone/>
-              <a:defRPr>
-                <a:solidFill>
-                  <a:schemeClr val="tx1">
-                    <a:tint val="75000"/>
-                  </a:schemeClr>
-                </a:solidFill>
-              </a:defRPr>
+              <a:defRPr sz="1600"/>
             </a:lvl5pPr>
             <a:lvl6pPr marL="2286000" indent="0" algn="ctr">
               <a:buNone/>
-              <a:defRPr>
-                <a:solidFill>
-                  <a:schemeClr val="tx1">
-                    <a:tint val="75000"/>
-                  </a:schemeClr>
-                </a:solidFill>
-              </a:defRPr>
+              <a:defRPr sz="1600"/>
             </a:lvl6pPr>
             <a:lvl7pPr marL="2743200" indent="0" algn="ctr">
               <a:buNone/>
-              <a:defRPr>
-                <a:solidFill>
-                  <a:schemeClr val="tx1">
-                    <a:tint val="75000"/>
-                  </a:schemeClr>
-                </a:solidFill>
-              </a:defRPr>
+              <a:defRPr sz="1600"/>
             </a:lvl7pPr>
             <a:lvl8pPr marL="3200400" indent="0" algn="ctr">
               <a:buNone/>
-              <a:defRPr>
-                <a:solidFill>
-                  <a:schemeClr val="tx1">
-                    <a:tint val="75000"/>
-                  </a:schemeClr>
-                </a:solidFill>
-              </a:defRPr>
+              <a:defRPr sz="1600"/>
             </a:lvl8pPr>
             <a:lvl9pPr marL="3657600" indent="0" algn="ctr">
               <a:buNone/>
-              <a:defRPr>
-                <a:solidFill>
-                  <a:schemeClr val="tx1">
-                    <a:tint val="75000"/>
-                  </a:schemeClr>
-                </a:solidFill>
-              </a:defRPr>
+              <a:defRPr sz="1600"/>
             </a:lvl9pPr>
           </a:lstStyle>
           <a:p>
@@ -1743,9 +1230,9 @@
           <a:p>
             <a:fld id="{1F72A0ED-271D-46D7-8045-53DB0B6BA938}" type="datetime1">
               <a:rPr lang="pt-BR" smtClean="0"/>
-              <a:t>23/06/2018</a:t>
+              <a:t>25/06/2018</a:t>
             </a:fld>
-            <a:endParaRPr lang="pt-BR"/>
+            <a:endParaRPr lang="pt-BR" dirty="0"/>
           </a:p>
         </p:txBody>
       </p:sp>
@@ -1764,7 +1251,7 @@
           <a:bodyPr/>
           <a:lstStyle/>
           <a:p>
-            <a:endParaRPr lang="pt-BR"/>
+            <a:endParaRPr lang="pt-BR" dirty="0"/>
           </a:p>
         </p:txBody>
       </p:sp>
@@ -1787,14 +1274,14 @@
               <a:rPr lang="pt-BR" smtClean="0"/>
               <a:t>‹nº›</a:t>
             </a:fld>
-            <a:endParaRPr lang="pt-BR"/>
+            <a:endParaRPr lang="pt-BR" dirty="0"/>
           </a:p>
         </p:txBody>
       </p:sp>
     </p:spTree>
     <p:extLst>
       <p:ext uri="{BB962C8B-B14F-4D97-AF65-F5344CB8AC3E}">
-        <p14:creationId xmlns:p14="http://schemas.microsoft.com/office/powerpoint/2010/main" val="3361476449"/>
+        <p14:creationId xmlns:p14="http://schemas.microsoft.com/office/powerpoint/2010/main" val="3498996837"/>
       </p:ext>
     </p:extLst>
   </p:cSld>
@@ -1805,1619 +1292,6 @@
 </file>
 
 <file path=ppt/slideLayouts/slideLayout10.xml><?xml version="1.0" encoding="utf-8"?>
-<p:sldLayout xmlns:a="http://schemas.openxmlformats.org/drawingml/2006/main" xmlns:r="http://schemas.openxmlformats.org/officeDocument/2006/relationships" xmlns:p="http://schemas.openxmlformats.org/presentationml/2006/main" preserve="1">
-  <p:cSld name="Título e Legenda">
-    <p:spTree>
-      <p:nvGrpSpPr>
-        <p:cNvPr id="1" name=""/>
-        <p:cNvGrpSpPr/>
-        <p:nvPr/>
-      </p:nvGrpSpPr>
-      <p:grpSpPr>
-        <a:xfrm>
-          <a:off x="0" y="0"/>
-          <a:ext cx="0" cy="0"/>
-          <a:chOff x="0" y="0"/>
-          <a:chExt cx="0" cy="0"/>
-        </a:xfrm>
-      </p:grpSpPr>
-      <p:sp>
-        <p:nvSpPr>
-          <p:cNvPr id="2" name="Title 1"/>
-          <p:cNvSpPr>
-            <a:spLocks noGrp="1"/>
-          </p:cNvSpPr>
-          <p:nvPr>
-            <p:ph type="title"/>
-          </p:nvPr>
-        </p:nvSpPr>
-        <p:spPr>
-          <a:xfrm>
-            <a:off x="677335" y="609600"/>
-            <a:ext cx="8596668" cy="3403600"/>
-          </a:xfrm>
-        </p:spPr>
-        <p:txBody>
-          <a:bodyPr anchor="ctr">
-            <a:normAutofit/>
-          </a:bodyPr>
-          <a:lstStyle>
-            <a:lvl1pPr algn="l">
-              <a:defRPr sz="4400" b="0" cap="none"/>
-            </a:lvl1pPr>
-          </a:lstStyle>
-          <a:p>
-            <a:r>
-              <a:rPr lang="pt-BR"/>
-              <a:t>Clique para editar o título Mestre</a:t>
-            </a:r>
-            <a:endParaRPr lang="en-US" dirty="0"/>
-          </a:p>
-        </p:txBody>
-      </p:sp>
-      <p:sp>
-        <p:nvSpPr>
-          <p:cNvPr id="3" name="Text Placeholder 2"/>
-          <p:cNvSpPr>
-            <a:spLocks noGrp="1"/>
-          </p:cNvSpPr>
-          <p:nvPr>
-            <p:ph type="body" idx="1"/>
-          </p:nvPr>
-        </p:nvSpPr>
-        <p:spPr>
-          <a:xfrm>
-            <a:off x="677335" y="4470400"/>
-            <a:ext cx="8596668" cy="1570962"/>
-          </a:xfrm>
-        </p:spPr>
-        <p:txBody>
-          <a:bodyPr anchor="ctr">
-            <a:normAutofit/>
-          </a:bodyPr>
-          <a:lstStyle>
-            <a:lvl1pPr marL="0" indent="0" algn="l">
-              <a:buNone/>
-              <a:defRPr sz="1800">
-                <a:solidFill>
-                  <a:schemeClr val="tx1">
-                    <a:lumMod val="75000"/>
-                    <a:lumOff val="25000"/>
-                  </a:schemeClr>
-                </a:solidFill>
-              </a:defRPr>
-            </a:lvl1pPr>
-            <a:lvl2pPr marL="457200" indent="0">
-              <a:buNone/>
-              <a:defRPr sz="1800">
-                <a:solidFill>
-                  <a:schemeClr val="tx1">
-                    <a:tint val="75000"/>
-                  </a:schemeClr>
-                </a:solidFill>
-              </a:defRPr>
-            </a:lvl2pPr>
-            <a:lvl3pPr marL="914400" indent="0">
-              <a:buNone/>
-              <a:defRPr sz="1600">
-                <a:solidFill>
-                  <a:schemeClr val="tx1">
-                    <a:tint val="75000"/>
-                  </a:schemeClr>
-                </a:solidFill>
-              </a:defRPr>
-            </a:lvl3pPr>
-            <a:lvl4pPr marL="1371600" indent="0">
-              <a:buNone/>
-              <a:defRPr sz="1400">
-                <a:solidFill>
-                  <a:schemeClr val="tx1">
-                    <a:tint val="75000"/>
-                  </a:schemeClr>
-                </a:solidFill>
-              </a:defRPr>
-            </a:lvl4pPr>
-            <a:lvl5pPr marL="1828800" indent="0">
-              <a:buNone/>
-              <a:defRPr sz="1400">
-                <a:solidFill>
-                  <a:schemeClr val="tx1">
-                    <a:tint val="75000"/>
-                  </a:schemeClr>
-                </a:solidFill>
-              </a:defRPr>
-            </a:lvl5pPr>
-            <a:lvl6pPr marL="2286000" indent="0">
-              <a:buNone/>
-              <a:defRPr sz="1400">
-                <a:solidFill>
-                  <a:schemeClr val="tx1">
-                    <a:tint val="75000"/>
-                  </a:schemeClr>
-                </a:solidFill>
-              </a:defRPr>
-            </a:lvl6pPr>
-            <a:lvl7pPr marL="2743200" indent="0">
-              <a:buNone/>
-              <a:defRPr sz="1400">
-                <a:solidFill>
-                  <a:schemeClr val="tx1">
-                    <a:tint val="75000"/>
-                  </a:schemeClr>
-                </a:solidFill>
-              </a:defRPr>
-            </a:lvl7pPr>
-            <a:lvl8pPr marL="3200400" indent="0">
-              <a:buNone/>
-              <a:defRPr sz="1400">
-                <a:solidFill>
-                  <a:schemeClr val="tx1">
-                    <a:tint val="75000"/>
-                  </a:schemeClr>
-                </a:solidFill>
-              </a:defRPr>
-            </a:lvl8pPr>
-            <a:lvl9pPr marL="3657600" indent="0">
-              <a:buNone/>
-              <a:defRPr sz="1400">
-                <a:solidFill>
-                  <a:schemeClr val="tx1">
-                    <a:tint val="75000"/>
-                  </a:schemeClr>
-                </a:solidFill>
-              </a:defRPr>
-            </a:lvl9pPr>
-          </a:lstStyle>
-          <a:p>
-            <a:pPr lvl="0"/>
-            <a:r>
-              <a:rPr lang="pt-BR"/>
-              <a:t>Editar estilos de texto Mestre</a:t>
-            </a:r>
-          </a:p>
-        </p:txBody>
-      </p:sp>
-      <p:sp>
-        <p:nvSpPr>
-          <p:cNvPr id="4" name="Date Placeholder 3"/>
-          <p:cNvSpPr>
-            <a:spLocks noGrp="1"/>
-          </p:cNvSpPr>
-          <p:nvPr>
-            <p:ph type="dt" sz="half" idx="10"/>
-          </p:nvPr>
-        </p:nvSpPr>
-        <p:spPr/>
-        <p:txBody>
-          <a:bodyPr/>
-          <a:lstStyle/>
-          <a:p>
-            <a:fld id="{BA9166B6-C47B-485B-935C-DD815B0C26F3}" type="datetime1">
-              <a:rPr lang="pt-BR" smtClean="0"/>
-              <a:t>23/06/2018</a:t>
-            </a:fld>
-            <a:endParaRPr lang="pt-BR"/>
-          </a:p>
-        </p:txBody>
-      </p:sp>
-      <p:sp>
-        <p:nvSpPr>
-          <p:cNvPr id="5" name="Footer Placeholder 4"/>
-          <p:cNvSpPr>
-            <a:spLocks noGrp="1"/>
-          </p:cNvSpPr>
-          <p:nvPr>
-            <p:ph type="ftr" sz="quarter" idx="11"/>
-          </p:nvPr>
-        </p:nvSpPr>
-        <p:spPr/>
-        <p:txBody>
-          <a:bodyPr/>
-          <a:lstStyle/>
-          <a:p>
-            <a:endParaRPr lang="pt-BR"/>
-          </a:p>
-        </p:txBody>
-      </p:sp>
-      <p:sp>
-        <p:nvSpPr>
-          <p:cNvPr id="6" name="Slide Number Placeholder 5"/>
-          <p:cNvSpPr>
-            <a:spLocks noGrp="1"/>
-          </p:cNvSpPr>
-          <p:nvPr>
-            <p:ph type="sldNum" sz="quarter" idx="12"/>
-          </p:nvPr>
-        </p:nvSpPr>
-        <p:spPr/>
-        <p:txBody>
-          <a:bodyPr/>
-          <a:lstStyle/>
-          <a:p>
-            <a:fld id="{0B58B777-6F14-4B33-A736-8ADE909D690F}" type="slidenum">
-              <a:rPr lang="pt-BR" smtClean="0"/>
-              <a:t>‹nº›</a:t>
-            </a:fld>
-            <a:endParaRPr lang="pt-BR"/>
-          </a:p>
-        </p:txBody>
-      </p:sp>
-    </p:spTree>
-    <p:extLst>
-      <p:ext uri="{BB962C8B-B14F-4D97-AF65-F5344CB8AC3E}">
-        <p14:creationId xmlns:p14="http://schemas.microsoft.com/office/powerpoint/2010/main" val="2683944711"/>
-      </p:ext>
-    </p:extLst>
-  </p:cSld>
-  <p:clrMapOvr>
-    <a:masterClrMapping/>
-  </p:clrMapOvr>
-</p:sldLayout>
-</file>
-
-<file path=ppt/slideLayouts/slideLayout11.xml><?xml version="1.0" encoding="utf-8"?>
-<p:sldLayout xmlns:a="http://schemas.openxmlformats.org/drawingml/2006/main" xmlns:r="http://schemas.openxmlformats.org/officeDocument/2006/relationships" xmlns:p="http://schemas.openxmlformats.org/presentationml/2006/main" preserve="1">
-  <p:cSld name="Citação com Legenda">
-    <p:spTree>
-      <p:nvGrpSpPr>
-        <p:cNvPr id="1" name=""/>
-        <p:cNvGrpSpPr/>
-        <p:nvPr/>
-      </p:nvGrpSpPr>
-      <p:grpSpPr>
-        <a:xfrm>
-          <a:off x="0" y="0"/>
-          <a:ext cx="0" cy="0"/>
-          <a:chOff x="0" y="0"/>
-          <a:chExt cx="0" cy="0"/>
-        </a:xfrm>
-      </p:grpSpPr>
-      <p:sp>
-        <p:nvSpPr>
-          <p:cNvPr id="2" name="Title 1"/>
-          <p:cNvSpPr>
-            <a:spLocks noGrp="1"/>
-          </p:cNvSpPr>
-          <p:nvPr>
-            <p:ph type="title"/>
-          </p:nvPr>
-        </p:nvSpPr>
-        <p:spPr>
-          <a:xfrm>
-            <a:off x="931334" y="609600"/>
-            <a:ext cx="8094134" cy="3022600"/>
-          </a:xfrm>
-        </p:spPr>
-        <p:txBody>
-          <a:bodyPr anchor="ctr">
-            <a:normAutofit/>
-          </a:bodyPr>
-          <a:lstStyle>
-            <a:lvl1pPr algn="l">
-              <a:defRPr sz="4400" b="0" cap="none"/>
-            </a:lvl1pPr>
-          </a:lstStyle>
-          <a:p>
-            <a:r>
-              <a:rPr lang="pt-BR"/>
-              <a:t>Clique para editar o título Mestre</a:t>
-            </a:r>
-            <a:endParaRPr lang="en-US" dirty="0"/>
-          </a:p>
-        </p:txBody>
-      </p:sp>
-      <p:sp>
-        <p:nvSpPr>
-          <p:cNvPr id="23" name="Text Placeholder 9"/>
-          <p:cNvSpPr>
-            <a:spLocks noGrp="1"/>
-          </p:cNvSpPr>
-          <p:nvPr>
-            <p:ph type="body" sz="quarter" idx="13"/>
-          </p:nvPr>
-        </p:nvSpPr>
-        <p:spPr>
-          <a:xfrm>
-            <a:off x="1366139" y="3632200"/>
-            <a:ext cx="7224524" cy="381000"/>
-          </a:xfrm>
-        </p:spPr>
-        <p:txBody>
-          <a:bodyPr anchor="ctr">
-            <a:noAutofit/>
-          </a:bodyPr>
-          <a:lstStyle>
-            <a:lvl1pPr marL="0" indent="0">
-              <a:buFontTx/>
-              <a:buNone/>
-              <a:defRPr sz="1600">
-                <a:solidFill>
-                  <a:schemeClr val="tx1">
-                    <a:lumMod val="50000"/>
-                    <a:lumOff val="50000"/>
-                  </a:schemeClr>
-                </a:solidFill>
-              </a:defRPr>
-            </a:lvl1pPr>
-            <a:lvl2pPr marL="457200" indent="0">
-              <a:buFontTx/>
-              <a:buNone/>
-              <a:defRPr/>
-            </a:lvl2pPr>
-            <a:lvl3pPr marL="914400" indent="0">
-              <a:buFontTx/>
-              <a:buNone/>
-              <a:defRPr/>
-            </a:lvl3pPr>
-            <a:lvl4pPr marL="1371600" indent="0">
-              <a:buFontTx/>
-              <a:buNone/>
-              <a:defRPr/>
-            </a:lvl4pPr>
-            <a:lvl5pPr marL="1828800" indent="0">
-              <a:buFontTx/>
-              <a:buNone/>
-              <a:defRPr/>
-            </a:lvl5pPr>
-          </a:lstStyle>
-          <a:p>
-            <a:pPr lvl="0"/>
-            <a:r>
-              <a:rPr lang="pt-BR"/>
-              <a:t>Editar estilos de texto Mestre</a:t>
-            </a:r>
-          </a:p>
-        </p:txBody>
-      </p:sp>
-      <p:sp>
-        <p:nvSpPr>
-          <p:cNvPr id="3" name="Text Placeholder 2"/>
-          <p:cNvSpPr>
-            <a:spLocks noGrp="1"/>
-          </p:cNvSpPr>
-          <p:nvPr>
-            <p:ph type="body" idx="1"/>
-          </p:nvPr>
-        </p:nvSpPr>
-        <p:spPr>
-          <a:xfrm>
-            <a:off x="677335" y="4470400"/>
-            <a:ext cx="8596668" cy="1570962"/>
-          </a:xfrm>
-        </p:spPr>
-        <p:txBody>
-          <a:bodyPr anchor="ctr">
-            <a:normAutofit/>
-          </a:bodyPr>
-          <a:lstStyle>
-            <a:lvl1pPr marL="0" indent="0" algn="l">
-              <a:buNone/>
-              <a:defRPr sz="1800">
-                <a:solidFill>
-                  <a:schemeClr val="tx1">
-                    <a:lumMod val="75000"/>
-                    <a:lumOff val="25000"/>
-                  </a:schemeClr>
-                </a:solidFill>
-              </a:defRPr>
-            </a:lvl1pPr>
-            <a:lvl2pPr marL="457200" indent="0">
-              <a:buNone/>
-              <a:defRPr sz="1800">
-                <a:solidFill>
-                  <a:schemeClr val="tx1">
-                    <a:tint val="75000"/>
-                  </a:schemeClr>
-                </a:solidFill>
-              </a:defRPr>
-            </a:lvl2pPr>
-            <a:lvl3pPr marL="914400" indent="0">
-              <a:buNone/>
-              <a:defRPr sz="1600">
-                <a:solidFill>
-                  <a:schemeClr val="tx1">
-                    <a:tint val="75000"/>
-                  </a:schemeClr>
-                </a:solidFill>
-              </a:defRPr>
-            </a:lvl3pPr>
-            <a:lvl4pPr marL="1371600" indent="0">
-              <a:buNone/>
-              <a:defRPr sz="1400">
-                <a:solidFill>
-                  <a:schemeClr val="tx1">
-                    <a:tint val="75000"/>
-                  </a:schemeClr>
-                </a:solidFill>
-              </a:defRPr>
-            </a:lvl4pPr>
-            <a:lvl5pPr marL="1828800" indent="0">
-              <a:buNone/>
-              <a:defRPr sz="1400">
-                <a:solidFill>
-                  <a:schemeClr val="tx1">
-                    <a:tint val="75000"/>
-                  </a:schemeClr>
-                </a:solidFill>
-              </a:defRPr>
-            </a:lvl5pPr>
-            <a:lvl6pPr marL="2286000" indent="0">
-              <a:buNone/>
-              <a:defRPr sz="1400">
-                <a:solidFill>
-                  <a:schemeClr val="tx1">
-                    <a:tint val="75000"/>
-                  </a:schemeClr>
-                </a:solidFill>
-              </a:defRPr>
-            </a:lvl6pPr>
-            <a:lvl7pPr marL="2743200" indent="0">
-              <a:buNone/>
-              <a:defRPr sz="1400">
-                <a:solidFill>
-                  <a:schemeClr val="tx1">
-                    <a:tint val="75000"/>
-                  </a:schemeClr>
-                </a:solidFill>
-              </a:defRPr>
-            </a:lvl7pPr>
-            <a:lvl8pPr marL="3200400" indent="0">
-              <a:buNone/>
-              <a:defRPr sz="1400">
-                <a:solidFill>
-                  <a:schemeClr val="tx1">
-                    <a:tint val="75000"/>
-                  </a:schemeClr>
-                </a:solidFill>
-              </a:defRPr>
-            </a:lvl8pPr>
-            <a:lvl9pPr marL="3657600" indent="0">
-              <a:buNone/>
-              <a:defRPr sz="1400">
-                <a:solidFill>
-                  <a:schemeClr val="tx1">
-                    <a:tint val="75000"/>
-                  </a:schemeClr>
-                </a:solidFill>
-              </a:defRPr>
-            </a:lvl9pPr>
-          </a:lstStyle>
-          <a:p>
-            <a:pPr lvl="0"/>
-            <a:r>
-              <a:rPr lang="pt-BR"/>
-              <a:t>Editar estilos de texto Mestre</a:t>
-            </a:r>
-          </a:p>
-        </p:txBody>
-      </p:sp>
-      <p:sp>
-        <p:nvSpPr>
-          <p:cNvPr id="4" name="Date Placeholder 3"/>
-          <p:cNvSpPr>
-            <a:spLocks noGrp="1"/>
-          </p:cNvSpPr>
-          <p:nvPr>
-            <p:ph type="dt" sz="half" idx="10"/>
-          </p:nvPr>
-        </p:nvSpPr>
-        <p:spPr/>
-        <p:txBody>
-          <a:bodyPr/>
-          <a:lstStyle/>
-          <a:p>
-            <a:fld id="{DE961743-1700-4628-B114-F720DDAB0F5E}" type="datetime1">
-              <a:rPr lang="pt-BR" smtClean="0"/>
-              <a:t>23/06/2018</a:t>
-            </a:fld>
-            <a:endParaRPr lang="pt-BR"/>
-          </a:p>
-        </p:txBody>
-      </p:sp>
-      <p:sp>
-        <p:nvSpPr>
-          <p:cNvPr id="5" name="Footer Placeholder 4"/>
-          <p:cNvSpPr>
-            <a:spLocks noGrp="1"/>
-          </p:cNvSpPr>
-          <p:nvPr>
-            <p:ph type="ftr" sz="quarter" idx="11"/>
-          </p:nvPr>
-        </p:nvSpPr>
-        <p:spPr/>
-        <p:txBody>
-          <a:bodyPr/>
-          <a:lstStyle/>
-          <a:p>
-            <a:endParaRPr lang="pt-BR"/>
-          </a:p>
-        </p:txBody>
-      </p:sp>
-      <p:sp>
-        <p:nvSpPr>
-          <p:cNvPr id="6" name="Slide Number Placeholder 5"/>
-          <p:cNvSpPr>
-            <a:spLocks noGrp="1"/>
-          </p:cNvSpPr>
-          <p:nvPr>
-            <p:ph type="sldNum" sz="quarter" idx="12"/>
-          </p:nvPr>
-        </p:nvSpPr>
-        <p:spPr/>
-        <p:txBody>
-          <a:bodyPr/>
-          <a:lstStyle/>
-          <a:p>
-            <a:fld id="{0B58B777-6F14-4B33-A736-8ADE909D690F}" type="slidenum">
-              <a:rPr lang="pt-BR" smtClean="0"/>
-              <a:t>‹nº›</a:t>
-            </a:fld>
-            <a:endParaRPr lang="pt-BR"/>
-          </a:p>
-        </p:txBody>
-      </p:sp>
-      <p:sp>
-        <p:nvSpPr>
-          <p:cNvPr id="20" name="TextBox 19"/>
-          <p:cNvSpPr txBox="1"/>
-          <p:nvPr/>
-        </p:nvSpPr>
-        <p:spPr>
-          <a:xfrm>
-            <a:off x="541870" y="790378"/>
-            <a:ext cx="609600" cy="584776"/>
-          </a:xfrm>
-          <a:prstGeom prst="rect">
-            <a:avLst/>
-          </a:prstGeom>
-        </p:spPr>
-        <p:txBody>
-          <a:bodyPr vert="horz" lIns="91440" tIns="45720" rIns="91440" bIns="45720" rtlCol="0" anchor="ctr">
-            <a:noAutofit/>
-          </a:bodyPr>
-          <a:lstStyle/>
-          <a:p>
-            <a:pPr lvl="0"/>
-            <a:r>
-              <a:rPr lang="en-US" sz="8000" baseline="0" dirty="0">
-                <a:ln w="3175" cmpd="sng">
-                  <a:noFill/>
-                </a:ln>
-                <a:solidFill>
-                  <a:schemeClr val="accent1">
-                    <a:lumMod val="60000"/>
-                    <a:lumOff val="40000"/>
-                  </a:schemeClr>
-                </a:solidFill>
-                <a:effectLst/>
-                <a:latin typeface="Arial"/>
-              </a:rPr>
-              <a:t>“</a:t>
-            </a:r>
-          </a:p>
-        </p:txBody>
-      </p:sp>
-      <p:sp>
-        <p:nvSpPr>
-          <p:cNvPr id="22" name="TextBox 21"/>
-          <p:cNvSpPr txBox="1"/>
-          <p:nvPr/>
-        </p:nvSpPr>
-        <p:spPr>
-          <a:xfrm>
-            <a:off x="8893011" y="2886556"/>
-            <a:ext cx="609600" cy="584776"/>
-          </a:xfrm>
-          <a:prstGeom prst="rect">
-            <a:avLst/>
-          </a:prstGeom>
-        </p:spPr>
-        <p:txBody>
-          <a:bodyPr vert="horz" lIns="91440" tIns="45720" rIns="91440" bIns="45720" rtlCol="0" anchor="ctr">
-            <a:noAutofit/>
-          </a:bodyPr>
-          <a:lstStyle/>
-          <a:p>
-            <a:pPr lvl="0"/>
-            <a:r>
-              <a:rPr lang="en-US" sz="8000" baseline="0" dirty="0">
-                <a:ln w="3175" cmpd="sng">
-                  <a:noFill/>
-                </a:ln>
-                <a:solidFill>
-                  <a:schemeClr val="accent1">
-                    <a:lumMod val="60000"/>
-                    <a:lumOff val="40000"/>
-                  </a:schemeClr>
-                </a:solidFill>
-                <a:latin typeface="Arial"/>
-              </a:rPr>
-              <a:t>”</a:t>
-            </a:r>
-            <a:endParaRPr lang="en-US" dirty="0">
-              <a:solidFill>
-                <a:schemeClr val="accent1">
-                  <a:lumMod val="60000"/>
-                  <a:lumOff val="40000"/>
-                </a:schemeClr>
-              </a:solidFill>
-              <a:latin typeface="Arial"/>
-            </a:endParaRPr>
-          </a:p>
-        </p:txBody>
-      </p:sp>
-    </p:spTree>
-    <p:extLst>
-      <p:ext uri="{BB962C8B-B14F-4D97-AF65-F5344CB8AC3E}">
-        <p14:creationId xmlns:p14="http://schemas.microsoft.com/office/powerpoint/2010/main" val="4294114834"/>
-      </p:ext>
-    </p:extLst>
-  </p:cSld>
-  <p:clrMapOvr>
-    <a:masterClrMapping/>
-  </p:clrMapOvr>
-</p:sldLayout>
-</file>
-
-<file path=ppt/slideLayouts/slideLayout12.xml><?xml version="1.0" encoding="utf-8"?>
-<p:sldLayout xmlns:a="http://schemas.openxmlformats.org/drawingml/2006/main" xmlns:r="http://schemas.openxmlformats.org/officeDocument/2006/relationships" xmlns:p="http://schemas.openxmlformats.org/presentationml/2006/main" preserve="1">
-  <p:cSld name="Cartão de Nome">
-    <p:spTree>
-      <p:nvGrpSpPr>
-        <p:cNvPr id="1" name=""/>
-        <p:cNvGrpSpPr/>
-        <p:nvPr/>
-      </p:nvGrpSpPr>
-      <p:grpSpPr>
-        <a:xfrm>
-          <a:off x="0" y="0"/>
-          <a:ext cx="0" cy="0"/>
-          <a:chOff x="0" y="0"/>
-          <a:chExt cx="0" cy="0"/>
-        </a:xfrm>
-      </p:grpSpPr>
-      <p:sp>
-        <p:nvSpPr>
-          <p:cNvPr id="2" name="Title 1"/>
-          <p:cNvSpPr>
-            <a:spLocks noGrp="1"/>
-          </p:cNvSpPr>
-          <p:nvPr>
-            <p:ph type="title"/>
-          </p:nvPr>
-        </p:nvSpPr>
-        <p:spPr>
-          <a:xfrm>
-            <a:off x="677335" y="1931988"/>
-            <a:ext cx="8596668" cy="2595460"/>
-          </a:xfrm>
-        </p:spPr>
-        <p:txBody>
-          <a:bodyPr anchor="b">
-            <a:normAutofit/>
-          </a:bodyPr>
-          <a:lstStyle>
-            <a:lvl1pPr algn="l">
-              <a:defRPr sz="4400" b="0" cap="none"/>
-            </a:lvl1pPr>
-          </a:lstStyle>
-          <a:p>
-            <a:r>
-              <a:rPr lang="pt-BR"/>
-              <a:t>Clique para editar o título Mestre</a:t>
-            </a:r>
-            <a:endParaRPr lang="en-US" dirty="0"/>
-          </a:p>
-        </p:txBody>
-      </p:sp>
-      <p:sp>
-        <p:nvSpPr>
-          <p:cNvPr id="3" name="Text Placeholder 2"/>
-          <p:cNvSpPr>
-            <a:spLocks noGrp="1"/>
-          </p:cNvSpPr>
-          <p:nvPr>
-            <p:ph type="body" idx="1"/>
-          </p:nvPr>
-        </p:nvSpPr>
-        <p:spPr>
-          <a:xfrm>
-            <a:off x="677335" y="4527448"/>
-            <a:ext cx="8596668" cy="1513914"/>
-          </a:xfrm>
-        </p:spPr>
-        <p:txBody>
-          <a:bodyPr anchor="t">
-            <a:normAutofit/>
-          </a:bodyPr>
-          <a:lstStyle>
-            <a:lvl1pPr marL="0" indent="0" algn="l">
-              <a:buNone/>
-              <a:defRPr sz="1800">
-                <a:solidFill>
-                  <a:schemeClr val="tx1">
-                    <a:lumMod val="75000"/>
-                    <a:lumOff val="25000"/>
-                  </a:schemeClr>
-                </a:solidFill>
-              </a:defRPr>
-            </a:lvl1pPr>
-            <a:lvl2pPr marL="457200" indent="0">
-              <a:buNone/>
-              <a:defRPr sz="1800">
-                <a:solidFill>
-                  <a:schemeClr val="tx1">
-                    <a:tint val="75000"/>
-                  </a:schemeClr>
-                </a:solidFill>
-              </a:defRPr>
-            </a:lvl2pPr>
-            <a:lvl3pPr marL="914400" indent="0">
-              <a:buNone/>
-              <a:defRPr sz="1600">
-                <a:solidFill>
-                  <a:schemeClr val="tx1">
-                    <a:tint val="75000"/>
-                  </a:schemeClr>
-                </a:solidFill>
-              </a:defRPr>
-            </a:lvl3pPr>
-            <a:lvl4pPr marL="1371600" indent="0">
-              <a:buNone/>
-              <a:defRPr sz="1400">
-                <a:solidFill>
-                  <a:schemeClr val="tx1">
-                    <a:tint val="75000"/>
-                  </a:schemeClr>
-                </a:solidFill>
-              </a:defRPr>
-            </a:lvl4pPr>
-            <a:lvl5pPr marL="1828800" indent="0">
-              <a:buNone/>
-              <a:defRPr sz="1400">
-                <a:solidFill>
-                  <a:schemeClr val="tx1">
-                    <a:tint val="75000"/>
-                  </a:schemeClr>
-                </a:solidFill>
-              </a:defRPr>
-            </a:lvl5pPr>
-            <a:lvl6pPr marL="2286000" indent="0">
-              <a:buNone/>
-              <a:defRPr sz="1400">
-                <a:solidFill>
-                  <a:schemeClr val="tx1">
-                    <a:tint val="75000"/>
-                  </a:schemeClr>
-                </a:solidFill>
-              </a:defRPr>
-            </a:lvl6pPr>
-            <a:lvl7pPr marL="2743200" indent="0">
-              <a:buNone/>
-              <a:defRPr sz="1400">
-                <a:solidFill>
-                  <a:schemeClr val="tx1">
-                    <a:tint val="75000"/>
-                  </a:schemeClr>
-                </a:solidFill>
-              </a:defRPr>
-            </a:lvl7pPr>
-            <a:lvl8pPr marL="3200400" indent="0">
-              <a:buNone/>
-              <a:defRPr sz="1400">
-                <a:solidFill>
-                  <a:schemeClr val="tx1">
-                    <a:tint val="75000"/>
-                  </a:schemeClr>
-                </a:solidFill>
-              </a:defRPr>
-            </a:lvl8pPr>
-            <a:lvl9pPr marL="3657600" indent="0">
-              <a:buNone/>
-              <a:defRPr sz="1400">
-                <a:solidFill>
-                  <a:schemeClr val="tx1">
-                    <a:tint val="75000"/>
-                  </a:schemeClr>
-                </a:solidFill>
-              </a:defRPr>
-            </a:lvl9pPr>
-          </a:lstStyle>
-          <a:p>
-            <a:pPr lvl="0"/>
-            <a:r>
-              <a:rPr lang="pt-BR"/>
-              <a:t>Editar estilos de texto Mestre</a:t>
-            </a:r>
-          </a:p>
-        </p:txBody>
-      </p:sp>
-      <p:sp>
-        <p:nvSpPr>
-          <p:cNvPr id="4" name="Date Placeholder 3"/>
-          <p:cNvSpPr>
-            <a:spLocks noGrp="1"/>
-          </p:cNvSpPr>
-          <p:nvPr>
-            <p:ph type="dt" sz="half" idx="10"/>
-          </p:nvPr>
-        </p:nvSpPr>
-        <p:spPr/>
-        <p:txBody>
-          <a:bodyPr/>
-          <a:lstStyle/>
-          <a:p>
-            <a:fld id="{7382EBE9-88AD-42BA-9D7C-D9B407E10051}" type="datetime1">
-              <a:rPr lang="pt-BR" smtClean="0"/>
-              <a:t>23/06/2018</a:t>
-            </a:fld>
-            <a:endParaRPr lang="pt-BR"/>
-          </a:p>
-        </p:txBody>
-      </p:sp>
-      <p:sp>
-        <p:nvSpPr>
-          <p:cNvPr id="5" name="Footer Placeholder 4"/>
-          <p:cNvSpPr>
-            <a:spLocks noGrp="1"/>
-          </p:cNvSpPr>
-          <p:nvPr>
-            <p:ph type="ftr" sz="quarter" idx="11"/>
-          </p:nvPr>
-        </p:nvSpPr>
-        <p:spPr/>
-        <p:txBody>
-          <a:bodyPr/>
-          <a:lstStyle/>
-          <a:p>
-            <a:endParaRPr lang="pt-BR"/>
-          </a:p>
-        </p:txBody>
-      </p:sp>
-      <p:sp>
-        <p:nvSpPr>
-          <p:cNvPr id="6" name="Slide Number Placeholder 5"/>
-          <p:cNvSpPr>
-            <a:spLocks noGrp="1"/>
-          </p:cNvSpPr>
-          <p:nvPr>
-            <p:ph type="sldNum" sz="quarter" idx="12"/>
-          </p:nvPr>
-        </p:nvSpPr>
-        <p:spPr/>
-        <p:txBody>
-          <a:bodyPr/>
-          <a:lstStyle/>
-          <a:p>
-            <a:fld id="{0B58B777-6F14-4B33-A736-8ADE909D690F}" type="slidenum">
-              <a:rPr lang="pt-BR" smtClean="0"/>
-              <a:t>‹nº›</a:t>
-            </a:fld>
-            <a:endParaRPr lang="pt-BR"/>
-          </a:p>
-        </p:txBody>
-      </p:sp>
-    </p:spTree>
-    <p:extLst>
-      <p:ext uri="{BB962C8B-B14F-4D97-AF65-F5344CB8AC3E}">
-        <p14:creationId xmlns:p14="http://schemas.microsoft.com/office/powerpoint/2010/main" val="930085128"/>
-      </p:ext>
-    </p:extLst>
-  </p:cSld>
-  <p:clrMapOvr>
-    <a:masterClrMapping/>
-  </p:clrMapOvr>
-</p:sldLayout>
-</file>
-
-<file path=ppt/slideLayouts/slideLayout13.xml><?xml version="1.0" encoding="utf-8"?>
-<p:sldLayout xmlns:a="http://schemas.openxmlformats.org/drawingml/2006/main" xmlns:r="http://schemas.openxmlformats.org/officeDocument/2006/relationships" xmlns:p="http://schemas.openxmlformats.org/presentationml/2006/main" preserve="1">
-  <p:cSld name="Citar o Cartão de Nome">
-    <p:spTree>
-      <p:nvGrpSpPr>
-        <p:cNvPr id="1" name=""/>
-        <p:cNvGrpSpPr/>
-        <p:nvPr/>
-      </p:nvGrpSpPr>
-      <p:grpSpPr>
-        <a:xfrm>
-          <a:off x="0" y="0"/>
-          <a:ext cx="0" cy="0"/>
-          <a:chOff x="0" y="0"/>
-          <a:chExt cx="0" cy="0"/>
-        </a:xfrm>
-      </p:grpSpPr>
-      <p:sp>
-        <p:nvSpPr>
-          <p:cNvPr id="2" name="Title 1"/>
-          <p:cNvSpPr>
-            <a:spLocks noGrp="1"/>
-          </p:cNvSpPr>
-          <p:nvPr>
-            <p:ph type="title"/>
-          </p:nvPr>
-        </p:nvSpPr>
-        <p:spPr>
-          <a:xfrm>
-            <a:off x="931334" y="609600"/>
-            <a:ext cx="8094134" cy="3022600"/>
-          </a:xfrm>
-        </p:spPr>
-        <p:txBody>
-          <a:bodyPr anchor="ctr">
-            <a:normAutofit/>
-          </a:bodyPr>
-          <a:lstStyle>
-            <a:lvl1pPr algn="l">
-              <a:defRPr sz="4400" b="0" cap="none"/>
-            </a:lvl1pPr>
-          </a:lstStyle>
-          <a:p>
-            <a:r>
-              <a:rPr lang="pt-BR"/>
-              <a:t>Clique para editar o título Mestre</a:t>
-            </a:r>
-            <a:endParaRPr lang="en-US" dirty="0"/>
-          </a:p>
-        </p:txBody>
-      </p:sp>
-      <p:sp>
-        <p:nvSpPr>
-          <p:cNvPr id="23" name="Text Placeholder 9"/>
-          <p:cNvSpPr>
-            <a:spLocks noGrp="1"/>
-          </p:cNvSpPr>
-          <p:nvPr>
-            <p:ph type="body" sz="quarter" idx="13"/>
-          </p:nvPr>
-        </p:nvSpPr>
-        <p:spPr>
-          <a:xfrm>
-            <a:off x="677332" y="4013200"/>
-            <a:ext cx="8596669" cy="514248"/>
-          </a:xfrm>
-        </p:spPr>
-        <p:txBody>
-          <a:bodyPr anchor="b">
-            <a:noAutofit/>
-          </a:bodyPr>
-          <a:lstStyle>
-            <a:lvl1pPr marL="0" indent="0">
-              <a:buFontTx/>
-              <a:buNone/>
-              <a:defRPr sz="2400">
-                <a:solidFill>
-                  <a:schemeClr val="tx1">
-                    <a:lumMod val="75000"/>
-                    <a:lumOff val="25000"/>
-                  </a:schemeClr>
-                </a:solidFill>
-              </a:defRPr>
-            </a:lvl1pPr>
-            <a:lvl2pPr marL="457200" indent="0">
-              <a:buFontTx/>
-              <a:buNone/>
-              <a:defRPr/>
-            </a:lvl2pPr>
-            <a:lvl3pPr marL="914400" indent="0">
-              <a:buFontTx/>
-              <a:buNone/>
-              <a:defRPr/>
-            </a:lvl3pPr>
-            <a:lvl4pPr marL="1371600" indent="0">
-              <a:buFontTx/>
-              <a:buNone/>
-              <a:defRPr/>
-            </a:lvl4pPr>
-            <a:lvl5pPr marL="1828800" indent="0">
-              <a:buFontTx/>
-              <a:buNone/>
-              <a:defRPr/>
-            </a:lvl5pPr>
-          </a:lstStyle>
-          <a:p>
-            <a:pPr lvl="0"/>
-            <a:r>
-              <a:rPr lang="pt-BR"/>
-              <a:t>Editar estilos de texto Mestre</a:t>
-            </a:r>
-          </a:p>
-        </p:txBody>
-      </p:sp>
-      <p:sp>
-        <p:nvSpPr>
-          <p:cNvPr id="3" name="Text Placeholder 2"/>
-          <p:cNvSpPr>
-            <a:spLocks noGrp="1"/>
-          </p:cNvSpPr>
-          <p:nvPr>
-            <p:ph type="body" idx="1"/>
-          </p:nvPr>
-        </p:nvSpPr>
-        <p:spPr>
-          <a:xfrm>
-            <a:off x="677335" y="4527448"/>
-            <a:ext cx="8596668" cy="1513914"/>
-          </a:xfrm>
-        </p:spPr>
-        <p:txBody>
-          <a:bodyPr anchor="t">
-            <a:normAutofit/>
-          </a:bodyPr>
-          <a:lstStyle>
-            <a:lvl1pPr marL="0" indent="0" algn="l">
-              <a:buNone/>
-              <a:defRPr sz="1800">
-                <a:solidFill>
-                  <a:schemeClr val="tx1">
-                    <a:lumMod val="50000"/>
-                    <a:lumOff val="50000"/>
-                  </a:schemeClr>
-                </a:solidFill>
-              </a:defRPr>
-            </a:lvl1pPr>
-            <a:lvl2pPr marL="457200" indent="0">
-              <a:buNone/>
-              <a:defRPr sz="1800">
-                <a:solidFill>
-                  <a:schemeClr val="tx1">
-                    <a:tint val="75000"/>
-                  </a:schemeClr>
-                </a:solidFill>
-              </a:defRPr>
-            </a:lvl2pPr>
-            <a:lvl3pPr marL="914400" indent="0">
-              <a:buNone/>
-              <a:defRPr sz="1600">
-                <a:solidFill>
-                  <a:schemeClr val="tx1">
-                    <a:tint val="75000"/>
-                  </a:schemeClr>
-                </a:solidFill>
-              </a:defRPr>
-            </a:lvl3pPr>
-            <a:lvl4pPr marL="1371600" indent="0">
-              <a:buNone/>
-              <a:defRPr sz="1400">
-                <a:solidFill>
-                  <a:schemeClr val="tx1">
-                    <a:tint val="75000"/>
-                  </a:schemeClr>
-                </a:solidFill>
-              </a:defRPr>
-            </a:lvl4pPr>
-            <a:lvl5pPr marL="1828800" indent="0">
-              <a:buNone/>
-              <a:defRPr sz="1400">
-                <a:solidFill>
-                  <a:schemeClr val="tx1">
-                    <a:tint val="75000"/>
-                  </a:schemeClr>
-                </a:solidFill>
-              </a:defRPr>
-            </a:lvl5pPr>
-            <a:lvl6pPr marL="2286000" indent="0">
-              <a:buNone/>
-              <a:defRPr sz="1400">
-                <a:solidFill>
-                  <a:schemeClr val="tx1">
-                    <a:tint val="75000"/>
-                  </a:schemeClr>
-                </a:solidFill>
-              </a:defRPr>
-            </a:lvl6pPr>
-            <a:lvl7pPr marL="2743200" indent="0">
-              <a:buNone/>
-              <a:defRPr sz="1400">
-                <a:solidFill>
-                  <a:schemeClr val="tx1">
-                    <a:tint val="75000"/>
-                  </a:schemeClr>
-                </a:solidFill>
-              </a:defRPr>
-            </a:lvl7pPr>
-            <a:lvl8pPr marL="3200400" indent="0">
-              <a:buNone/>
-              <a:defRPr sz="1400">
-                <a:solidFill>
-                  <a:schemeClr val="tx1">
-                    <a:tint val="75000"/>
-                  </a:schemeClr>
-                </a:solidFill>
-              </a:defRPr>
-            </a:lvl8pPr>
-            <a:lvl9pPr marL="3657600" indent="0">
-              <a:buNone/>
-              <a:defRPr sz="1400">
-                <a:solidFill>
-                  <a:schemeClr val="tx1">
-                    <a:tint val="75000"/>
-                  </a:schemeClr>
-                </a:solidFill>
-              </a:defRPr>
-            </a:lvl9pPr>
-          </a:lstStyle>
-          <a:p>
-            <a:pPr lvl="0"/>
-            <a:r>
-              <a:rPr lang="pt-BR"/>
-              <a:t>Editar estilos de texto Mestre</a:t>
-            </a:r>
-          </a:p>
-        </p:txBody>
-      </p:sp>
-      <p:sp>
-        <p:nvSpPr>
-          <p:cNvPr id="4" name="Date Placeholder 3"/>
-          <p:cNvSpPr>
-            <a:spLocks noGrp="1"/>
-          </p:cNvSpPr>
-          <p:nvPr>
-            <p:ph type="dt" sz="half" idx="10"/>
-          </p:nvPr>
-        </p:nvSpPr>
-        <p:spPr/>
-        <p:txBody>
-          <a:bodyPr/>
-          <a:lstStyle/>
-          <a:p>
-            <a:fld id="{5464FE93-980B-4CFD-861A-26B7C560DFA9}" type="datetime1">
-              <a:rPr lang="pt-BR" smtClean="0"/>
-              <a:t>23/06/2018</a:t>
-            </a:fld>
-            <a:endParaRPr lang="pt-BR"/>
-          </a:p>
-        </p:txBody>
-      </p:sp>
-      <p:sp>
-        <p:nvSpPr>
-          <p:cNvPr id="5" name="Footer Placeholder 4"/>
-          <p:cNvSpPr>
-            <a:spLocks noGrp="1"/>
-          </p:cNvSpPr>
-          <p:nvPr>
-            <p:ph type="ftr" sz="quarter" idx="11"/>
-          </p:nvPr>
-        </p:nvSpPr>
-        <p:spPr/>
-        <p:txBody>
-          <a:bodyPr/>
-          <a:lstStyle/>
-          <a:p>
-            <a:endParaRPr lang="pt-BR"/>
-          </a:p>
-        </p:txBody>
-      </p:sp>
-      <p:sp>
-        <p:nvSpPr>
-          <p:cNvPr id="6" name="Slide Number Placeholder 5"/>
-          <p:cNvSpPr>
-            <a:spLocks noGrp="1"/>
-          </p:cNvSpPr>
-          <p:nvPr>
-            <p:ph type="sldNum" sz="quarter" idx="12"/>
-          </p:nvPr>
-        </p:nvSpPr>
-        <p:spPr/>
-        <p:txBody>
-          <a:bodyPr/>
-          <a:lstStyle/>
-          <a:p>
-            <a:fld id="{0B58B777-6F14-4B33-A736-8ADE909D690F}" type="slidenum">
-              <a:rPr lang="pt-BR" smtClean="0"/>
-              <a:t>‹nº›</a:t>
-            </a:fld>
-            <a:endParaRPr lang="pt-BR"/>
-          </a:p>
-        </p:txBody>
-      </p:sp>
-      <p:sp>
-        <p:nvSpPr>
-          <p:cNvPr id="24" name="TextBox 23"/>
-          <p:cNvSpPr txBox="1"/>
-          <p:nvPr/>
-        </p:nvSpPr>
-        <p:spPr>
-          <a:xfrm>
-            <a:off x="541870" y="790378"/>
-            <a:ext cx="609600" cy="584776"/>
-          </a:xfrm>
-          <a:prstGeom prst="rect">
-            <a:avLst/>
-          </a:prstGeom>
-        </p:spPr>
-        <p:txBody>
-          <a:bodyPr vert="horz" lIns="91440" tIns="45720" rIns="91440" bIns="45720" rtlCol="0" anchor="ctr">
-            <a:noAutofit/>
-          </a:bodyPr>
-          <a:lstStyle/>
-          <a:p>
-            <a:pPr lvl="0"/>
-            <a:r>
-              <a:rPr lang="en-US" sz="8000" baseline="0" dirty="0">
-                <a:ln w="3175" cmpd="sng">
-                  <a:noFill/>
-                </a:ln>
-                <a:solidFill>
-                  <a:schemeClr val="accent1">
-                    <a:lumMod val="60000"/>
-                    <a:lumOff val="40000"/>
-                  </a:schemeClr>
-                </a:solidFill>
-                <a:effectLst/>
-                <a:latin typeface="Arial"/>
-              </a:rPr>
-              <a:t>“</a:t>
-            </a:r>
-          </a:p>
-        </p:txBody>
-      </p:sp>
-      <p:sp>
-        <p:nvSpPr>
-          <p:cNvPr id="25" name="TextBox 24"/>
-          <p:cNvSpPr txBox="1"/>
-          <p:nvPr/>
-        </p:nvSpPr>
-        <p:spPr>
-          <a:xfrm>
-            <a:off x="8893011" y="2886556"/>
-            <a:ext cx="609600" cy="584776"/>
-          </a:xfrm>
-          <a:prstGeom prst="rect">
-            <a:avLst/>
-          </a:prstGeom>
-        </p:spPr>
-        <p:txBody>
-          <a:bodyPr vert="horz" lIns="91440" tIns="45720" rIns="91440" bIns="45720" rtlCol="0" anchor="ctr">
-            <a:noAutofit/>
-          </a:bodyPr>
-          <a:lstStyle/>
-          <a:p>
-            <a:pPr lvl="0"/>
-            <a:r>
-              <a:rPr lang="en-US" sz="8000" baseline="0" dirty="0">
-                <a:ln w="3175" cmpd="sng">
-                  <a:noFill/>
-                </a:ln>
-                <a:solidFill>
-                  <a:schemeClr val="accent1">
-                    <a:lumMod val="60000"/>
-                    <a:lumOff val="40000"/>
-                  </a:schemeClr>
-                </a:solidFill>
-                <a:effectLst/>
-                <a:latin typeface="Arial"/>
-              </a:rPr>
-              <a:t>”</a:t>
-            </a:r>
-          </a:p>
-        </p:txBody>
-      </p:sp>
-    </p:spTree>
-    <p:extLst>
-      <p:ext uri="{BB962C8B-B14F-4D97-AF65-F5344CB8AC3E}">
-        <p14:creationId xmlns:p14="http://schemas.microsoft.com/office/powerpoint/2010/main" val="2889572627"/>
-      </p:ext>
-    </p:extLst>
-  </p:cSld>
-  <p:clrMapOvr>
-    <a:masterClrMapping/>
-  </p:clrMapOvr>
-</p:sldLayout>
-</file>
-
-<file path=ppt/slideLayouts/slideLayout14.xml><?xml version="1.0" encoding="utf-8"?>
-<p:sldLayout xmlns:a="http://schemas.openxmlformats.org/drawingml/2006/main" xmlns:r="http://schemas.openxmlformats.org/officeDocument/2006/relationships" xmlns:p="http://schemas.openxmlformats.org/presentationml/2006/main" preserve="1">
-  <p:cSld name="Verdadeiro ou Falso">
-    <p:spTree>
-      <p:nvGrpSpPr>
-        <p:cNvPr id="1" name=""/>
-        <p:cNvGrpSpPr/>
-        <p:nvPr/>
-      </p:nvGrpSpPr>
-      <p:grpSpPr>
-        <a:xfrm>
-          <a:off x="0" y="0"/>
-          <a:ext cx="0" cy="0"/>
-          <a:chOff x="0" y="0"/>
-          <a:chExt cx="0" cy="0"/>
-        </a:xfrm>
-      </p:grpSpPr>
-      <p:sp>
-        <p:nvSpPr>
-          <p:cNvPr id="2" name="Title 1"/>
-          <p:cNvSpPr>
-            <a:spLocks noGrp="1"/>
-          </p:cNvSpPr>
-          <p:nvPr>
-            <p:ph type="title"/>
-          </p:nvPr>
-        </p:nvSpPr>
-        <p:spPr>
-          <a:xfrm>
-            <a:off x="685799" y="609600"/>
-            <a:ext cx="8588203" cy="3022600"/>
-          </a:xfrm>
-        </p:spPr>
-        <p:txBody>
-          <a:bodyPr anchor="ctr">
-            <a:normAutofit/>
-          </a:bodyPr>
-          <a:lstStyle>
-            <a:lvl1pPr algn="l">
-              <a:defRPr sz="4400" b="0" cap="none"/>
-            </a:lvl1pPr>
-          </a:lstStyle>
-          <a:p>
-            <a:r>
-              <a:rPr lang="pt-BR"/>
-              <a:t>Clique para editar o título Mestre</a:t>
-            </a:r>
-            <a:endParaRPr lang="en-US" dirty="0"/>
-          </a:p>
-        </p:txBody>
-      </p:sp>
-      <p:sp>
-        <p:nvSpPr>
-          <p:cNvPr id="23" name="Text Placeholder 9"/>
-          <p:cNvSpPr>
-            <a:spLocks noGrp="1"/>
-          </p:cNvSpPr>
-          <p:nvPr>
-            <p:ph type="body" sz="quarter" idx="13"/>
-          </p:nvPr>
-        </p:nvSpPr>
-        <p:spPr>
-          <a:xfrm>
-            <a:off x="677332" y="4013200"/>
-            <a:ext cx="8596669" cy="514248"/>
-          </a:xfrm>
-        </p:spPr>
-        <p:txBody>
-          <a:bodyPr anchor="b">
-            <a:noAutofit/>
-          </a:bodyPr>
-          <a:lstStyle>
-            <a:lvl1pPr marL="0" indent="0">
-              <a:buFontTx/>
-              <a:buNone/>
-              <a:defRPr sz="2400">
-                <a:solidFill>
-                  <a:schemeClr val="accent1"/>
-                </a:solidFill>
-              </a:defRPr>
-            </a:lvl1pPr>
-            <a:lvl2pPr marL="457200" indent="0">
-              <a:buFontTx/>
-              <a:buNone/>
-              <a:defRPr/>
-            </a:lvl2pPr>
-            <a:lvl3pPr marL="914400" indent="0">
-              <a:buFontTx/>
-              <a:buNone/>
-              <a:defRPr/>
-            </a:lvl3pPr>
-            <a:lvl4pPr marL="1371600" indent="0">
-              <a:buFontTx/>
-              <a:buNone/>
-              <a:defRPr/>
-            </a:lvl4pPr>
-            <a:lvl5pPr marL="1828800" indent="0">
-              <a:buFontTx/>
-              <a:buNone/>
-              <a:defRPr/>
-            </a:lvl5pPr>
-          </a:lstStyle>
-          <a:p>
-            <a:pPr lvl="0"/>
-            <a:r>
-              <a:rPr lang="pt-BR"/>
-              <a:t>Editar estilos de texto Mestre</a:t>
-            </a:r>
-          </a:p>
-        </p:txBody>
-      </p:sp>
-      <p:sp>
-        <p:nvSpPr>
-          <p:cNvPr id="3" name="Text Placeholder 2"/>
-          <p:cNvSpPr>
-            <a:spLocks noGrp="1"/>
-          </p:cNvSpPr>
-          <p:nvPr>
-            <p:ph type="body" idx="1"/>
-          </p:nvPr>
-        </p:nvSpPr>
-        <p:spPr>
-          <a:xfrm>
-            <a:off x="677335" y="4527448"/>
-            <a:ext cx="8596668" cy="1513914"/>
-          </a:xfrm>
-        </p:spPr>
-        <p:txBody>
-          <a:bodyPr anchor="t">
-            <a:normAutofit/>
-          </a:bodyPr>
-          <a:lstStyle>
-            <a:lvl1pPr marL="0" indent="0" algn="l">
-              <a:buNone/>
-              <a:defRPr sz="1800">
-                <a:solidFill>
-                  <a:schemeClr val="tx1">
-                    <a:lumMod val="50000"/>
-                    <a:lumOff val="50000"/>
-                  </a:schemeClr>
-                </a:solidFill>
-              </a:defRPr>
-            </a:lvl1pPr>
-            <a:lvl2pPr marL="457200" indent="0">
-              <a:buNone/>
-              <a:defRPr sz="1800">
-                <a:solidFill>
-                  <a:schemeClr val="tx1">
-                    <a:tint val="75000"/>
-                  </a:schemeClr>
-                </a:solidFill>
-              </a:defRPr>
-            </a:lvl2pPr>
-            <a:lvl3pPr marL="914400" indent="0">
-              <a:buNone/>
-              <a:defRPr sz="1600">
-                <a:solidFill>
-                  <a:schemeClr val="tx1">
-                    <a:tint val="75000"/>
-                  </a:schemeClr>
-                </a:solidFill>
-              </a:defRPr>
-            </a:lvl3pPr>
-            <a:lvl4pPr marL="1371600" indent="0">
-              <a:buNone/>
-              <a:defRPr sz="1400">
-                <a:solidFill>
-                  <a:schemeClr val="tx1">
-                    <a:tint val="75000"/>
-                  </a:schemeClr>
-                </a:solidFill>
-              </a:defRPr>
-            </a:lvl4pPr>
-            <a:lvl5pPr marL="1828800" indent="0">
-              <a:buNone/>
-              <a:defRPr sz="1400">
-                <a:solidFill>
-                  <a:schemeClr val="tx1">
-                    <a:tint val="75000"/>
-                  </a:schemeClr>
-                </a:solidFill>
-              </a:defRPr>
-            </a:lvl5pPr>
-            <a:lvl6pPr marL="2286000" indent="0">
-              <a:buNone/>
-              <a:defRPr sz="1400">
-                <a:solidFill>
-                  <a:schemeClr val="tx1">
-                    <a:tint val="75000"/>
-                  </a:schemeClr>
-                </a:solidFill>
-              </a:defRPr>
-            </a:lvl6pPr>
-            <a:lvl7pPr marL="2743200" indent="0">
-              <a:buNone/>
-              <a:defRPr sz="1400">
-                <a:solidFill>
-                  <a:schemeClr val="tx1">
-                    <a:tint val="75000"/>
-                  </a:schemeClr>
-                </a:solidFill>
-              </a:defRPr>
-            </a:lvl7pPr>
-            <a:lvl8pPr marL="3200400" indent="0">
-              <a:buNone/>
-              <a:defRPr sz="1400">
-                <a:solidFill>
-                  <a:schemeClr val="tx1">
-                    <a:tint val="75000"/>
-                  </a:schemeClr>
-                </a:solidFill>
-              </a:defRPr>
-            </a:lvl8pPr>
-            <a:lvl9pPr marL="3657600" indent="0">
-              <a:buNone/>
-              <a:defRPr sz="1400">
-                <a:solidFill>
-                  <a:schemeClr val="tx1">
-                    <a:tint val="75000"/>
-                  </a:schemeClr>
-                </a:solidFill>
-              </a:defRPr>
-            </a:lvl9pPr>
-          </a:lstStyle>
-          <a:p>
-            <a:pPr lvl="0"/>
-            <a:r>
-              <a:rPr lang="pt-BR"/>
-              <a:t>Editar estilos de texto Mestre</a:t>
-            </a:r>
-          </a:p>
-        </p:txBody>
-      </p:sp>
-      <p:sp>
-        <p:nvSpPr>
-          <p:cNvPr id="4" name="Date Placeholder 3"/>
-          <p:cNvSpPr>
-            <a:spLocks noGrp="1"/>
-          </p:cNvSpPr>
-          <p:nvPr>
-            <p:ph type="dt" sz="half" idx="10"/>
-          </p:nvPr>
-        </p:nvSpPr>
-        <p:spPr/>
-        <p:txBody>
-          <a:bodyPr/>
-          <a:lstStyle/>
-          <a:p>
-            <a:fld id="{7A063F63-770D-41F7-A0CF-FCEF475D488F}" type="datetime1">
-              <a:rPr lang="pt-BR" smtClean="0"/>
-              <a:t>23/06/2018</a:t>
-            </a:fld>
-            <a:endParaRPr lang="pt-BR"/>
-          </a:p>
-        </p:txBody>
-      </p:sp>
-      <p:sp>
-        <p:nvSpPr>
-          <p:cNvPr id="5" name="Footer Placeholder 4"/>
-          <p:cNvSpPr>
-            <a:spLocks noGrp="1"/>
-          </p:cNvSpPr>
-          <p:nvPr>
-            <p:ph type="ftr" sz="quarter" idx="11"/>
-          </p:nvPr>
-        </p:nvSpPr>
-        <p:spPr/>
-        <p:txBody>
-          <a:bodyPr/>
-          <a:lstStyle/>
-          <a:p>
-            <a:endParaRPr lang="pt-BR"/>
-          </a:p>
-        </p:txBody>
-      </p:sp>
-      <p:sp>
-        <p:nvSpPr>
-          <p:cNvPr id="6" name="Slide Number Placeholder 5"/>
-          <p:cNvSpPr>
-            <a:spLocks noGrp="1"/>
-          </p:cNvSpPr>
-          <p:nvPr>
-            <p:ph type="sldNum" sz="quarter" idx="12"/>
-          </p:nvPr>
-        </p:nvSpPr>
-        <p:spPr/>
-        <p:txBody>
-          <a:bodyPr/>
-          <a:lstStyle/>
-          <a:p>
-            <a:fld id="{0B58B777-6F14-4B33-A736-8ADE909D690F}" type="slidenum">
-              <a:rPr lang="pt-BR" smtClean="0"/>
-              <a:t>‹nº›</a:t>
-            </a:fld>
-            <a:endParaRPr lang="pt-BR"/>
-          </a:p>
-        </p:txBody>
-      </p:sp>
-    </p:spTree>
-    <p:extLst>
-      <p:ext uri="{BB962C8B-B14F-4D97-AF65-F5344CB8AC3E}">
-        <p14:creationId xmlns:p14="http://schemas.microsoft.com/office/powerpoint/2010/main" val="2330630381"/>
-      </p:ext>
-    </p:extLst>
-  </p:cSld>
-  <p:clrMapOvr>
-    <a:masterClrMapping/>
-  </p:clrMapOvr>
-</p:sldLayout>
-</file>
-
-<file path=ppt/slideLayouts/slideLayout15.xml><?xml version="1.0" encoding="utf-8"?>
 <p:sldLayout xmlns:a="http://schemas.openxmlformats.org/drawingml/2006/main" xmlns:r="http://schemas.openxmlformats.org/officeDocument/2006/relationships" xmlns:p="http://schemas.openxmlformats.org/presentationml/2006/main" type="vertTx" preserve="1">
   <p:cSld name="Título e Texto Vertical">
     <p:spTree>
@@ -3526,9 +1400,9 @@
           <a:p>
             <a:fld id="{18DF0B78-AE6A-4864-8877-DC2FC3F9A6D4}" type="datetime1">
               <a:rPr lang="pt-BR" smtClean="0"/>
-              <a:t>23/06/2018</a:t>
+              <a:t>25/06/2018</a:t>
             </a:fld>
-            <a:endParaRPr lang="pt-BR"/>
+            <a:endParaRPr lang="pt-BR" dirty="0"/>
           </a:p>
         </p:txBody>
       </p:sp>
@@ -3547,7 +1421,7 @@
           <a:bodyPr/>
           <a:lstStyle/>
           <a:p>
-            <a:endParaRPr lang="pt-BR"/>
+            <a:endParaRPr lang="pt-BR" dirty="0"/>
           </a:p>
         </p:txBody>
       </p:sp>
@@ -3570,14 +1444,14 @@
               <a:rPr lang="pt-BR" smtClean="0"/>
               <a:t>‹nº›</a:t>
             </a:fld>
-            <a:endParaRPr lang="pt-BR"/>
+            <a:endParaRPr lang="pt-BR" dirty="0"/>
           </a:p>
         </p:txBody>
       </p:sp>
     </p:spTree>
     <p:extLst>
       <p:ext uri="{BB962C8B-B14F-4D97-AF65-F5344CB8AC3E}">
-        <p14:creationId xmlns:p14="http://schemas.microsoft.com/office/powerpoint/2010/main" val="2598080540"/>
+        <p14:creationId xmlns:p14="http://schemas.microsoft.com/office/powerpoint/2010/main" val="492940525"/>
       </p:ext>
     </p:extLst>
   </p:cSld>
@@ -3587,7 +1461,7 @@
 </p:sldLayout>
 </file>
 
-<file path=ppt/slideLayouts/slideLayout16.xml><?xml version="1.0" encoding="utf-8"?>
+<file path=ppt/slideLayouts/slideLayout11.xml><?xml version="1.0" encoding="utf-8"?>
 <p:sldLayout xmlns:a="http://schemas.openxmlformats.org/drawingml/2006/main" xmlns:r="http://schemas.openxmlformats.org/officeDocument/2006/relationships" xmlns:p="http://schemas.openxmlformats.org/presentationml/2006/main" type="vertTitleAndTx" preserve="1">
   <p:cSld name="Texto e Título Vertical">
     <p:spTree>
@@ -3616,12 +1490,12 @@
         </p:nvSpPr>
         <p:spPr>
           <a:xfrm>
-            <a:off x="7967673" y="609599"/>
-            <a:ext cx="1304743" cy="5251451"/>
+            <a:off x="8724900" y="365125"/>
+            <a:ext cx="2628900" cy="5811838"/>
           </a:xfrm>
         </p:spPr>
         <p:txBody>
-          <a:bodyPr vert="eaVert" anchor="ctr"/>
+          <a:bodyPr vert="eaVert"/>
           <a:lstStyle/>
           <a:p>
             <a:r>
@@ -3644,8 +1518,8 @@
         </p:nvSpPr>
         <p:spPr>
           <a:xfrm>
-            <a:off x="677335" y="609600"/>
-            <a:ext cx="7060150" cy="5251450"/>
+            <a:off x="838200" y="365125"/>
+            <a:ext cx="7734300" cy="5811838"/>
           </a:xfrm>
         </p:spPr>
         <p:txBody>
@@ -3706,9 +1580,9 @@
           <a:p>
             <a:fld id="{F598E306-F361-491B-ABB6-A4BD50A7E2A8}" type="datetime1">
               <a:rPr lang="pt-BR" smtClean="0"/>
-              <a:t>23/06/2018</a:t>
+              <a:t>25/06/2018</a:t>
             </a:fld>
-            <a:endParaRPr lang="pt-BR"/>
+            <a:endParaRPr lang="pt-BR" dirty="0"/>
           </a:p>
         </p:txBody>
       </p:sp>
@@ -3727,7 +1601,7 @@
           <a:bodyPr/>
           <a:lstStyle/>
           <a:p>
-            <a:endParaRPr lang="pt-BR"/>
+            <a:endParaRPr lang="pt-BR" dirty="0"/>
           </a:p>
         </p:txBody>
       </p:sp>
@@ -3750,14 +1624,14 @@
               <a:rPr lang="pt-BR" smtClean="0"/>
               <a:t>‹nº›</a:t>
             </a:fld>
-            <a:endParaRPr lang="pt-BR"/>
+            <a:endParaRPr lang="pt-BR" dirty="0"/>
           </a:p>
         </p:txBody>
       </p:sp>
     </p:spTree>
     <p:extLst>
       <p:ext uri="{BB962C8B-B14F-4D97-AF65-F5344CB8AC3E}">
-        <p14:creationId xmlns:p14="http://schemas.microsoft.com/office/powerpoint/2010/main" val="1248444342"/>
+        <p14:creationId xmlns:p14="http://schemas.microsoft.com/office/powerpoint/2010/main" val="943588023"/>
       </p:ext>
     </p:extLst>
   </p:cSld>
@@ -3796,14 +1670,8 @@
         </p:nvSpPr>
         <p:spPr/>
         <p:txBody>
-          <a:bodyPr>
-            <a:normAutofit/>
-          </a:bodyPr>
-          <a:lstStyle>
-            <a:lvl1pPr>
-              <a:defRPr sz="3600"/>
-            </a:lvl1pPr>
-          </a:lstStyle>
+          <a:bodyPr/>
+          <a:lstStyle/>
           <a:p>
             <a:r>
               <a:rPr lang="pt-BR"/>
@@ -3882,9 +1750,9 @@
           <a:p>
             <a:fld id="{F2523CF8-F0F0-46F4-9FF8-828E21161942}" type="datetime1">
               <a:rPr lang="pt-BR" smtClean="0"/>
-              <a:t>23/06/2018</a:t>
+              <a:t>25/06/2018</a:t>
             </a:fld>
-            <a:endParaRPr lang="pt-BR"/>
+            <a:endParaRPr lang="pt-BR" dirty="0"/>
           </a:p>
         </p:txBody>
       </p:sp>
@@ -3903,7 +1771,7 @@
           <a:bodyPr/>
           <a:lstStyle/>
           <a:p>
-            <a:endParaRPr lang="pt-BR"/>
+            <a:endParaRPr lang="pt-BR" dirty="0"/>
           </a:p>
         </p:txBody>
       </p:sp>
@@ -3926,14 +1794,14 @@
               <a:rPr lang="pt-BR" smtClean="0"/>
               <a:t>‹nº›</a:t>
             </a:fld>
-            <a:endParaRPr lang="pt-BR"/>
+            <a:endParaRPr lang="pt-BR" dirty="0"/>
           </a:p>
         </p:txBody>
       </p:sp>
     </p:spTree>
     <p:extLst>
       <p:ext uri="{BB962C8B-B14F-4D97-AF65-F5344CB8AC3E}">
-        <p14:creationId xmlns:p14="http://schemas.microsoft.com/office/powerpoint/2010/main" val="1759945634"/>
+        <p14:creationId xmlns:p14="http://schemas.microsoft.com/office/powerpoint/2010/main" val="799776736"/>
       </p:ext>
     </p:extLst>
   </p:cSld>
@@ -3972,15 +1840,15 @@
         </p:nvSpPr>
         <p:spPr>
           <a:xfrm>
-            <a:off x="677335" y="2700867"/>
-            <a:ext cx="8596668" cy="1826581"/>
+            <a:off x="831850" y="1709738"/>
+            <a:ext cx="10515600" cy="2852737"/>
           </a:xfrm>
         </p:spPr>
         <p:txBody>
           <a:bodyPr anchor="b"/>
           <a:lstStyle>
-            <a:lvl1pPr algn="l">
-              <a:defRPr sz="4000" b="0" cap="none"/>
+            <a:lvl1pPr>
+              <a:defRPr sz="6000"/>
             </a:lvl1pPr>
           </a:lstStyle>
           <a:p>
@@ -4004,27 +1872,26 @@
         </p:nvSpPr>
         <p:spPr>
           <a:xfrm>
-            <a:off x="677335" y="4527448"/>
-            <a:ext cx="8596668" cy="860400"/>
+            <a:off x="831850" y="4589463"/>
+            <a:ext cx="10515600" cy="1500187"/>
           </a:xfrm>
         </p:spPr>
         <p:txBody>
-          <a:bodyPr anchor="t"/>
+          <a:bodyPr/>
           <a:lstStyle>
-            <a:lvl1pPr marL="0" indent="0" algn="l">
+            <a:lvl1pPr marL="0" indent="0">
               <a:buNone/>
-              <a:defRPr sz="2000">
+              <a:defRPr sz="2400">
                 <a:solidFill>
                   <a:schemeClr val="tx1">
-                    <a:lumMod val="50000"/>
-                    <a:lumOff val="50000"/>
+                    <a:tint val="75000"/>
                   </a:schemeClr>
                 </a:solidFill>
               </a:defRPr>
             </a:lvl1pPr>
             <a:lvl2pPr marL="457200" indent="0">
               <a:buNone/>
-              <a:defRPr sz="1800">
+              <a:defRPr sz="2000">
                 <a:solidFill>
                   <a:schemeClr val="tx1">
                     <a:tint val="75000"/>
@@ -4034,7 +1901,7 @@
             </a:lvl2pPr>
             <a:lvl3pPr marL="914400" indent="0">
               <a:buNone/>
-              <a:defRPr sz="1600">
+              <a:defRPr sz="1800">
                 <a:solidFill>
                   <a:schemeClr val="tx1">
                     <a:tint val="75000"/>
@@ -4044,7 +1911,7 @@
             </a:lvl3pPr>
             <a:lvl4pPr marL="1371600" indent="0">
               <a:buNone/>
-              <a:defRPr sz="1400">
+              <a:defRPr sz="1600">
                 <a:solidFill>
                   <a:schemeClr val="tx1">
                     <a:tint val="75000"/>
@@ -4054,7 +1921,7 @@
             </a:lvl4pPr>
             <a:lvl5pPr marL="1828800" indent="0">
               <a:buNone/>
-              <a:defRPr sz="1400">
+              <a:defRPr sz="1600">
                 <a:solidFill>
                   <a:schemeClr val="tx1">
                     <a:tint val="75000"/>
@@ -4064,7 +1931,7 @@
             </a:lvl5pPr>
             <a:lvl6pPr marL="2286000" indent="0">
               <a:buNone/>
-              <a:defRPr sz="1400">
+              <a:defRPr sz="1600">
                 <a:solidFill>
                   <a:schemeClr val="tx1">
                     <a:tint val="75000"/>
@@ -4074,7 +1941,7 @@
             </a:lvl6pPr>
             <a:lvl7pPr marL="2743200" indent="0">
               <a:buNone/>
-              <a:defRPr sz="1400">
+              <a:defRPr sz="1600">
                 <a:solidFill>
                   <a:schemeClr val="tx1">
                     <a:tint val="75000"/>
@@ -4084,7 +1951,7 @@
             </a:lvl7pPr>
             <a:lvl8pPr marL="3200400" indent="0">
               <a:buNone/>
-              <a:defRPr sz="1400">
+              <a:defRPr sz="1600">
                 <a:solidFill>
                   <a:schemeClr val="tx1">
                     <a:tint val="75000"/>
@@ -4094,7 +1961,7 @@
             </a:lvl8pPr>
             <a:lvl9pPr marL="3657600" indent="0">
               <a:buNone/>
-              <a:defRPr sz="1400">
+              <a:defRPr sz="1600">
                 <a:solidFill>
                   <a:schemeClr val="tx1">
                     <a:tint val="75000"/>
@@ -4129,9 +1996,9 @@
           <a:p>
             <a:fld id="{1CABFB2A-4904-42EA-9777-C9478F6806F0}" type="datetime1">
               <a:rPr lang="pt-BR" smtClean="0"/>
-              <a:t>23/06/2018</a:t>
+              <a:t>25/06/2018</a:t>
             </a:fld>
-            <a:endParaRPr lang="pt-BR"/>
+            <a:endParaRPr lang="pt-BR" dirty="0"/>
           </a:p>
         </p:txBody>
       </p:sp>
@@ -4150,7 +2017,7 @@
           <a:bodyPr/>
           <a:lstStyle/>
           <a:p>
-            <a:endParaRPr lang="pt-BR"/>
+            <a:endParaRPr lang="pt-BR" dirty="0"/>
           </a:p>
         </p:txBody>
       </p:sp>
@@ -4173,14 +2040,14 @@
               <a:rPr lang="pt-BR" smtClean="0"/>
               <a:t>‹nº›</a:t>
             </a:fld>
-            <a:endParaRPr lang="pt-BR"/>
+            <a:endParaRPr lang="pt-BR" dirty="0"/>
           </a:p>
         </p:txBody>
       </p:sp>
     </p:spTree>
     <p:extLst>
       <p:ext uri="{BB962C8B-B14F-4D97-AF65-F5344CB8AC3E}">
-        <p14:creationId xmlns:p14="http://schemas.microsoft.com/office/powerpoint/2010/main" val="622727955"/>
+        <p14:creationId xmlns:p14="http://schemas.microsoft.com/office/powerpoint/2010/main" val="3278804121"/>
       </p:ext>
     </p:extLst>
   </p:cSld>
@@ -4242,8 +2109,8 @@
         </p:nvSpPr>
         <p:spPr>
           <a:xfrm>
-            <a:off x="677334" y="2160589"/>
-            <a:ext cx="4184035" cy="3880772"/>
+            <a:off x="838200" y="1825625"/>
+            <a:ext cx="5181600" cy="4351338"/>
           </a:xfrm>
         </p:spPr>
         <p:txBody>
@@ -4299,8 +2166,8 @@
         </p:nvSpPr>
         <p:spPr>
           <a:xfrm>
-            <a:off x="5089970" y="2160589"/>
-            <a:ext cx="4184034" cy="3880773"/>
+            <a:off x="6172200" y="1825625"/>
+            <a:ext cx="5181600" cy="4351338"/>
           </a:xfrm>
         </p:spPr>
         <p:txBody>
@@ -4361,9 +2228,9 @@
           <a:p>
             <a:fld id="{7BC6764F-73B5-4357-A5C0-2B4D6C0354C0}" type="datetime1">
               <a:rPr lang="pt-BR" smtClean="0"/>
-              <a:t>23/06/2018</a:t>
+              <a:t>25/06/2018</a:t>
             </a:fld>
-            <a:endParaRPr lang="pt-BR"/>
+            <a:endParaRPr lang="pt-BR" dirty="0"/>
           </a:p>
         </p:txBody>
       </p:sp>
@@ -4382,7 +2249,7 @@
           <a:bodyPr/>
           <a:lstStyle/>
           <a:p>
-            <a:endParaRPr lang="pt-BR"/>
+            <a:endParaRPr lang="pt-BR" dirty="0"/>
           </a:p>
         </p:txBody>
       </p:sp>
@@ -4405,14 +2272,14 @@
               <a:rPr lang="pt-BR" smtClean="0"/>
               <a:t>‹nº›</a:t>
             </a:fld>
-            <a:endParaRPr lang="pt-BR"/>
+            <a:endParaRPr lang="pt-BR" dirty="0"/>
           </a:p>
         </p:txBody>
       </p:sp>
     </p:spTree>
     <p:extLst>
       <p:ext uri="{BB962C8B-B14F-4D97-AF65-F5344CB8AC3E}">
-        <p14:creationId xmlns:p14="http://schemas.microsoft.com/office/powerpoint/2010/main" val="3713293846"/>
+        <p14:creationId xmlns:p14="http://schemas.microsoft.com/office/powerpoint/2010/main" val="1870461764"/>
       </p:ext>
     </p:extLst>
   </p:cSld>
@@ -4449,47 +2316,46 @@
             <p:ph type="title"/>
           </p:nvPr>
         </p:nvSpPr>
-        <p:spPr/>
-        <p:txBody>
-          <a:bodyPr/>
-          <a:lstStyle>
-            <a:lvl1pPr>
-              <a:defRPr/>
-            </a:lvl1pPr>
-          </a:lstStyle>
-          <a:p>
-            <a:r>
-              <a:rPr lang="pt-BR"/>
-              <a:t>Clique para editar o título Mestre</a:t>
-            </a:r>
-            <a:endParaRPr lang="en-US" dirty="0"/>
-          </a:p>
-        </p:txBody>
-      </p:sp>
-      <p:sp>
-        <p:nvSpPr>
-          <p:cNvPr id="3" name="Text Placeholder 2"/>
-          <p:cNvSpPr>
-            <a:spLocks noGrp="1"/>
-          </p:cNvSpPr>
-          <p:nvPr>
-            <p:ph type="body" idx="1"/>
-          </p:nvPr>
-        </p:nvSpPr>
         <p:spPr>
           <a:xfrm>
-            <a:off x="675745" y="2160983"/>
-            <a:ext cx="4185623" cy="576262"/>
+            <a:off x="839788" y="365125"/>
+            <a:ext cx="10515600" cy="1325563"/>
           </a:xfrm>
         </p:spPr>
         <p:txBody>
-          <a:bodyPr anchor="b">
-            <a:noAutofit/>
-          </a:bodyPr>
+          <a:bodyPr/>
+          <a:lstStyle/>
+          <a:p>
+            <a:r>
+              <a:rPr lang="pt-BR"/>
+              <a:t>Clique para editar o título Mestre</a:t>
+            </a:r>
+            <a:endParaRPr lang="en-US" dirty="0"/>
+          </a:p>
+        </p:txBody>
+      </p:sp>
+      <p:sp>
+        <p:nvSpPr>
+          <p:cNvPr id="3" name="Text Placeholder 2"/>
+          <p:cNvSpPr>
+            <a:spLocks noGrp="1"/>
+          </p:cNvSpPr>
+          <p:nvPr>
+            <p:ph type="body" idx="1"/>
+          </p:nvPr>
+        </p:nvSpPr>
+        <p:spPr>
+          <a:xfrm>
+            <a:off x="839788" y="1681163"/>
+            <a:ext cx="5157787" cy="823912"/>
+          </a:xfrm>
+        </p:spPr>
+        <p:txBody>
+          <a:bodyPr anchor="b"/>
           <a:lstStyle>
             <a:lvl1pPr marL="0" indent="0">
               <a:buNone/>
-              <a:defRPr sz="2400" b="0"/>
+              <a:defRPr sz="2400" b="1"/>
             </a:lvl1pPr>
             <a:lvl2pPr marL="457200" indent="0">
               <a:buNone/>
@@ -4545,14 +2411,12 @@
         </p:nvSpPr>
         <p:spPr>
           <a:xfrm>
-            <a:off x="675745" y="2737245"/>
-            <a:ext cx="4185623" cy="3304117"/>
+            <a:off x="839788" y="2505075"/>
+            <a:ext cx="5157787" cy="3684588"/>
           </a:xfrm>
         </p:spPr>
         <p:txBody>
-          <a:bodyPr>
-            <a:normAutofit/>
-          </a:bodyPr>
+          <a:bodyPr/>
           <a:lstStyle/>
           <a:p>
             <a:pPr lvl="0"/>
@@ -4604,18 +2468,16 @@
         </p:nvSpPr>
         <p:spPr>
           <a:xfrm>
-            <a:off x="5088383" y="2160983"/>
-            <a:ext cx="4185618" cy="576262"/>
+            <a:off x="6172200" y="1681163"/>
+            <a:ext cx="5183188" cy="823912"/>
           </a:xfrm>
         </p:spPr>
         <p:txBody>
-          <a:bodyPr anchor="b">
-            <a:noAutofit/>
-          </a:bodyPr>
+          <a:bodyPr anchor="b"/>
           <a:lstStyle>
             <a:lvl1pPr marL="0" indent="0">
               <a:buNone/>
-              <a:defRPr sz="2400" b="0"/>
+              <a:defRPr sz="2400" b="1"/>
             </a:lvl1pPr>
             <a:lvl2pPr marL="457200" indent="0">
               <a:buNone/>
@@ -4671,14 +2533,12 @@
         </p:nvSpPr>
         <p:spPr>
           <a:xfrm>
-            <a:off x="5088384" y="2737245"/>
-            <a:ext cx="4185617" cy="3304117"/>
+            <a:off x="6172200" y="2505075"/>
+            <a:ext cx="5183188" cy="3684588"/>
           </a:xfrm>
         </p:spPr>
         <p:txBody>
-          <a:bodyPr>
-            <a:normAutofit/>
-          </a:bodyPr>
+          <a:bodyPr/>
           <a:lstStyle/>
           <a:p>
             <a:pPr lvl="0"/>
@@ -4735,9 +2595,9 @@
           <a:p>
             <a:fld id="{72FDF4BB-0F04-47C4-98FF-4A8BCD5ACAC5}" type="datetime1">
               <a:rPr lang="pt-BR" smtClean="0"/>
-              <a:t>23/06/2018</a:t>
+              <a:t>25/06/2018</a:t>
             </a:fld>
-            <a:endParaRPr lang="pt-BR"/>
+            <a:endParaRPr lang="pt-BR" dirty="0"/>
           </a:p>
         </p:txBody>
       </p:sp>
@@ -4756,7 +2616,7 @@
           <a:bodyPr/>
           <a:lstStyle/>
           <a:p>
-            <a:endParaRPr lang="pt-BR"/>
+            <a:endParaRPr lang="pt-BR" dirty="0"/>
           </a:p>
         </p:txBody>
       </p:sp>
@@ -4779,14 +2639,14 @@
               <a:rPr lang="pt-BR" smtClean="0"/>
               <a:t>‹nº›</a:t>
             </a:fld>
-            <a:endParaRPr lang="pt-BR"/>
+            <a:endParaRPr lang="pt-BR" dirty="0"/>
           </a:p>
         </p:txBody>
       </p:sp>
     </p:spTree>
     <p:extLst>
       <p:ext uri="{BB962C8B-B14F-4D97-AF65-F5344CB8AC3E}">
-        <p14:creationId xmlns:p14="http://schemas.microsoft.com/office/powerpoint/2010/main" val="3840922931"/>
+        <p14:creationId xmlns:p14="http://schemas.microsoft.com/office/powerpoint/2010/main" val="2017564795"/>
       </p:ext>
     </p:extLst>
   </p:cSld>
@@ -4823,12 +2683,7 @@
             <p:ph type="title"/>
           </p:nvPr>
         </p:nvSpPr>
-        <p:spPr>
-          <a:xfrm>
-            <a:off x="677334" y="609600"/>
-            <a:ext cx="8596668" cy="1320800"/>
-          </a:xfrm>
-        </p:spPr>
+        <p:spPr/>
         <p:txBody>
           <a:bodyPr/>
           <a:lstStyle/>
@@ -4858,9 +2713,9 @@
           <a:p>
             <a:fld id="{8568F9FB-F9AE-4FFB-8A05-CD61CCACD48D}" type="datetime1">
               <a:rPr lang="pt-BR" smtClean="0"/>
-              <a:t>23/06/2018</a:t>
+              <a:t>25/06/2018</a:t>
             </a:fld>
-            <a:endParaRPr lang="pt-BR"/>
+            <a:endParaRPr lang="pt-BR" dirty="0"/>
           </a:p>
         </p:txBody>
       </p:sp>
@@ -4879,7 +2734,7 @@
           <a:bodyPr/>
           <a:lstStyle/>
           <a:p>
-            <a:endParaRPr lang="pt-BR"/>
+            <a:endParaRPr lang="pt-BR" dirty="0"/>
           </a:p>
         </p:txBody>
       </p:sp>
@@ -4902,14 +2757,14 @@
               <a:rPr lang="pt-BR" smtClean="0"/>
               <a:t>‹nº›</a:t>
             </a:fld>
-            <a:endParaRPr lang="pt-BR"/>
+            <a:endParaRPr lang="pt-BR" dirty="0"/>
           </a:p>
         </p:txBody>
       </p:sp>
     </p:spTree>
     <p:extLst>
       <p:ext uri="{BB962C8B-B14F-4D97-AF65-F5344CB8AC3E}">
-        <p14:creationId xmlns:p14="http://schemas.microsoft.com/office/powerpoint/2010/main" val="2838066110"/>
+        <p14:creationId xmlns:p14="http://schemas.microsoft.com/office/powerpoint/2010/main" val="1415948869"/>
       </p:ext>
     </p:extLst>
   </p:cSld>
@@ -4953,9 +2808,9 @@
           <a:p>
             <a:fld id="{48F8E3E0-8D9A-452C-A901-42058BF1BD97}" type="datetime1">
               <a:rPr lang="pt-BR" smtClean="0"/>
-              <a:t>23/06/2018</a:t>
+              <a:t>25/06/2018</a:t>
             </a:fld>
-            <a:endParaRPr lang="pt-BR"/>
+            <a:endParaRPr lang="pt-BR" dirty="0"/>
           </a:p>
         </p:txBody>
       </p:sp>
@@ -4974,7 +2829,7 @@
           <a:bodyPr/>
           <a:lstStyle/>
           <a:p>
-            <a:endParaRPr lang="pt-BR"/>
+            <a:endParaRPr lang="pt-BR" dirty="0"/>
           </a:p>
         </p:txBody>
       </p:sp>
@@ -4997,14 +2852,14 @@
               <a:rPr lang="pt-BR" smtClean="0"/>
               <a:t>‹nº›</a:t>
             </a:fld>
-            <a:endParaRPr lang="pt-BR"/>
+            <a:endParaRPr lang="pt-BR" dirty="0"/>
           </a:p>
         </p:txBody>
       </p:sp>
     </p:spTree>
     <p:extLst>
       <p:ext uri="{BB962C8B-B14F-4D97-AF65-F5344CB8AC3E}">
-        <p14:creationId xmlns:p14="http://schemas.microsoft.com/office/powerpoint/2010/main" val="975909259"/>
+        <p14:creationId xmlns:p14="http://schemas.microsoft.com/office/powerpoint/2010/main" val="50816286"/>
       </p:ext>
     </p:extLst>
   </p:cSld>
@@ -5043,17 +2898,15 @@
         </p:nvSpPr>
         <p:spPr>
           <a:xfrm>
-            <a:off x="677334" y="1498604"/>
-            <a:ext cx="3854528" cy="1278466"/>
+            <a:off x="839788" y="457200"/>
+            <a:ext cx="3932237" cy="1600200"/>
           </a:xfrm>
         </p:spPr>
         <p:txBody>
-          <a:bodyPr anchor="b">
-            <a:normAutofit/>
-          </a:bodyPr>
+          <a:bodyPr anchor="b"/>
           <a:lstStyle>
             <a:lvl1pPr>
-              <a:defRPr sz="2000"/>
+              <a:defRPr sz="3200"/>
             </a:lvl1pPr>
           </a:lstStyle>
           <a:p>
@@ -5077,15 +2930,41 @@
         </p:nvSpPr>
         <p:spPr>
           <a:xfrm>
-            <a:off x="4760461" y="514924"/>
-            <a:ext cx="4513541" cy="5526437"/>
+            <a:off x="5183188" y="987425"/>
+            <a:ext cx="6172200" cy="4873625"/>
           </a:xfrm>
         </p:spPr>
         <p:txBody>
-          <a:bodyPr>
-            <a:normAutofit/>
-          </a:bodyPr>
-          <a:lstStyle/>
+          <a:bodyPr/>
+          <a:lstStyle>
+            <a:lvl1pPr>
+              <a:defRPr sz="3200"/>
+            </a:lvl1pPr>
+            <a:lvl2pPr>
+              <a:defRPr sz="2800"/>
+            </a:lvl2pPr>
+            <a:lvl3pPr>
+              <a:defRPr sz="2400"/>
+            </a:lvl3pPr>
+            <a:lvl4pPr>
+              <a:defRPr sz="2000"/>
+            </a:lvl4pPr>
+            <a:lvl5pPr>
+              <a:defRPr sz="2000"/>
+            </a:lvl5pPr>
+            <a:lvl6pPr>
+              <a:defRPr sz="2000"/>
+            </a:lvl6pPr>
+            <a:lvl7pPr>
+              <a:defRPr sz="2000"/>
+            </a:lvl7pPr>
+            <a:lvl8pPr>
+              <a:defRPr sz="2000"/>
+            </a:lvl8pPr>
+            <a:lvl9pPr>
+              <a:defRPr sz="2000"/>
+            </a:lvl9pPr>
+          </a:lstStyle>
           <a:p>
             <a:pPr lvl="0"/>
             <a:r>
@@ -5136,48 +3015,46 @@
         </p:nvSpPr>
         <p:spPr>
           <a:xfrm>
-            <a:off x="677334" y="2777069"/>
-            <a:ext cx="3854528" cy="2584449"/>
+            <a:off x="839788" y="2057400"/>
+            <a:ext cx="3932237" cy="3811588"/>
           </a:xfrm>
         </p:spPr>
         <p:txBody>
-          <a:bodyPr>
-            <a:normAutofit/>
-          </a:bodyPr>
+          <a:bodyPr/>
           <a:lstStyle>
             <a:lvl1pPr marL="0" indent="0">
               <a:buNone/>
-              <a:defRPr sz="1400"/>
+              <a:defRPr sz="1600"/>
             </a:lvl1pPr>
-            <a:lvl2pPr marL="457063" indent="0">
+            <a:lvl2pPr marL="457200" indent="0">
               <a:buNone/>
               <a:defRPr sz="1400"/>
             </a:lvl2pPr>
-            <a:lvl3pPr marL="914126" indent="0">
+            <a:lvl3pPr marL="914400" indent="0">
               <a:buNone/>
               <a:defRPr sz="1200"/>
             </a:lvl3pPr>
-            <a:lvl4pPr marL="1371189" indent="0">
+            <a:lvl4pPr marL="1371600" indent="0">
               <a:buNone/>
               <a:defRPr sz="1000"/>
             </a:lvl4pPr>
-            <a:lvl5pPr marL="1828251" indent="0">
+            <a:lvl5pPr marL="1828800" indent="0">
               <a:buNone/>
               <a:defRPr sz="1000"/>
             </a:lvl5pPr>
-            <a:lvl6pPr marL="2285314" indent="0">
+            <a:lvl6pPr marL="2286000" indent="0">
               <a:buNone/>
               <a:defRPr sz="1000"/>
             </a:lvl6pPr>
-            <a:lvl7pPr marL="2742377" indent="0">
+            <a:lvl7pPr marL="2743200" indent="0">
               <a:buNone/>
               <a:defRPr sz="1000"/>
             </a:lvl7pPr>
-            <a:lvl8pPr marL="3199440" indent="0">
+            <a:lvl8pPr marL="3200400" indent="0">
               <a:buNone/>
               <a:defRPr sz="1000"/>
             </a:lvl8pPr>
-            <a:lvl9pPr marL="3656503" indent="0">
+            <a:lvl9pPr marL="3657600" indent="0">
               <a:buNone/>
               <a:defRPr sz="1000"/>
             </a:lvl9pPr>
@@ -5208,9 +3085,9 @@
           <a:p>
             <a:fld id="{B7CE9F23-F694-47D7-81C7-2810CE105C57}" type="datetime1">
               <a:rPr lang="pt-BR" smtClean="0"/>
-              <a:t>23/06/2018</a:t>
+              <a:t>25/06/2018</a:t>
             </a:fld>
-            <a:endParaRPr lang="pt-BR"/>
+            <a:endParaRPr lang="pt-BR" dirty="0"/>
           </a:p>
         </p:txBody>
       </p:sp>
@@ -5229,7 +3106,7 @@
           <a:bodyPr/>
           <a:lstStyle/>
           <a:p>
-            <a:endParaRPr lang="pt-BR"/>
+            <a:endParaRPr lang="pt-BR" dirty="0"/>
           </a:p>
         </p:txBody>
       </p:sp>
@@ -5252,14 +3129,14 @@
               <a:rPr lang="pt-BR" smtClean="0"/>
               <a:t>‹nº›</a:t>
             </a:fld>
-            <a:endParaRPr lang="pt-BR"/>
+            <a:endParaRPr lang="pt-BR" dirty="0"/>
           </a:p>
         </p:txBody>
       </p:sp>
     </p:spTree>
     <p:extLst>
       <p:ext uri="{BB962C8B-B14F-4D97-AF65-F5344CB8AC3E}">
-        <p14:creationId xmlns:p14="http://schemas.microsoft.com/office/powerpoint/2010/main" val="2573996819"/>
+        <p14:creationId xmlns:p14="http://schemas.microsoft.com/office/powerpoint/2010/main" val="1423322820"/>
       </p:ext>
     </p:extLst>
   </p:cSld>
@@ -5298,17 +3175,15 @@
         </p:nvSpPr>
         <p:spPr>
           <a:xfrm>
-            <a:off x="677334" y="4800600"/>
-            <a:ext cx="8596667" cy="566738"/>
+            <a:off x="839788" y="457200"/>
+            <a:ext cx="3932237" cy="1600200"/>
           </a:xfrm>
         </p:spPr>
         <p:txBody>
-          <a:bodyPr anchor="b">
-            <a:normAutofit/>
-          </a:bodyPr>
+          <a:bodyPr anchor="b"/>
           <a:lstStyle>
-            <a:lvl1pPr algn="l">
-              <a:defRPr sz="2400" b="0"/>
+            <a:lvl1pPr>
+              <a:defRPr sz="3200"/>
             </a:lvl1pPr>
           </a:lstStyle>
           <a:p>
@@ -5332,120 +3207,116 @@
         </p:nvSpPr>
         <p:spPr>
           <a:xfrm>
-            <a:off x="677334" y="609600"/>
-            <a:ext cx="8596668" cy="3845718"/>
+            <a:off x="5183188" y="987425"/>
+            <a:ext cx="6172200" cy="4873625"/>
           </a:xfrm>
         </p:spPr>
         <p:txBody>
-          <a:bodyPr anchor="t">
-            <a:normAutofit/>
-          </a:bodyPr>
+          <a:bodyPr anchor="t"/>
           <a:lstStyle>
-            <a:lvl1pPr marL="0" indent="0" algn="ctr">
+            <a:lvl1pPr marL="0" indent="0">
+              <a:buNone/>
+              <a:defRPr sz="3200"/>
+            </a:lvl1pPr>
+            <a:lvl2pPr marL="457200" indent="0">
+              <a:buNone/>
+              <a:defRPr sz="2800"/>
+            </a:lvl2pPr>
+            <a:lvl3pPr marL="914400" indent="0">
+              <a:buNone/>
+              <a:defRPr sz="2400"/>
+            </a:lvl3pPr>
+            <a:lvl4pPr marL="1371600" indent="0">
+              <a:buNone/>
+              <a:defRPr sz="2000"/>
+            </a:lvl4pPr>
+            <a:lvl5pPr marL="1828800" indent="0">
+              <a:buNone/>
+              <a:defRPr sz="2000"/>
+            </a:lvl5pPr>
+            <a:lvl6pPr marL="2286000" indent="0">
+              <a:buNone/>
+              <a:defRPr sz="2000"/>
+            </a:lvl6pPr>
+            <a:lvl7pPr marL="2743200" indent="0">
+              <a:buNone/>
+              <a:defRPr sz="2000"/>
+            </a:lvl7pPr>
+            <a:lvl8pPr marL="3200400" indent="0">
+              <a:buNone/>
+              <a:defRPr sz="2000"/>
+            </a:lvl8pPr>
+            <a:lvl9pPr marL="3657600" indent="0">
+              <a:buNone/>
+              <a:defRPr sz="2000"/>
+            </a:lvl9pPr>
+          </a:lstStyle>
+          <a:p>
+            <a:r>
+              <a:rPr lang="pt-BR"/>
+              <a:t>Clique no ícone para adicionar uma imagem</a:t>
+            </a:r>
+            <a:endParaRPr lang="en-US" dirty="0"/>
+          </a:p>
+        </p:txBody>
+      </p:sp>
+      <p:sp>
+        <p:nvSpPr>
+          <p:cNvPr id="4" name="Text Placeholder 3"/>
+          <p:cNvSpPr>
+            <a:spLocks noGrp="1"/>
+          </p:cNvSpPr>
+          <p:nvPr>
+            <p:ph type="body" sz="half" idx="2"/>
+          </p:nvPr>
+        </p:nvSpPr>
+        <p:spPr>
+          <a:xfrm>
+            <a:off x="839788" y="2057400"/>
+            <a:ext cx="3932237" cy="3811588"/>
+          </a:xfrm>
+        </p:spPr>
+        <p:txBody>
+          <a:bodyPr/>
+          <a:lstStyle>
+            <a:lvl1pPr marL="0" indent="0">
               <a:buNone/>
               <a:defRPr sz="1600"/>
             </a:lvl1pPr>
             <a:lvl2pPr marL="457200" indent="0">
               <a:buNone/>
-              <a:defRPr sz="1600"/>
+              <a:defRPr sz="1400"/>
             </a:lvl2pPr>
             <a:lvl3pPr marL="914400" indent="0">
               <a:buNone/>
-              <a:defRPr sz="1600"/>
+              <a:defRPr sz="1200"/>
             </a:lvl3pPr>
             <a:lvl4pPr marL="1371600" indent="0">
               <a:buNone/>
-              <a:defRPr sz="1600"/>
+              <a:defRPr sz="1000"/>
             </a:lvl4pPr>
             <a:lvl5pPr marL="1828800" indent="0">
               <a:buNone/>
-              <a:defRPr sz="1600"/>
+              <a:defRPr sz="1000"/>
             </a:lvl5pPr>
             <a:lvl6pPr marL="2286000" indent="0">
               <a:buNone/>
-              <a:defRPr sz="1600"/>
+              <a:defRPr sz="1000"/>
             </a:lvl6pPr>
             <a:lvl7pPr marL="2743200" indent="0">
               <a:buNone/>
-              <a:defRPr sz="1600"/>
+              <a:defRPr sz="1000"/>
             </a:lvl7pPr>
             <a:lvl8pPr marL="3200400" indent="0">
               <a:buNone/>
-              <a:defRPr sz="1600"/>
+              <a:defRPr sz="1000"/>
             </a:lvl8pPr>
             <a:lvl9pPr marL="3657600" indent="0">
               <a:buNone/>
-              <a:defRPr sz="1600"/>
+              <a:defRPr sz="1000"/>
             </a:lvl9pPr>
           </a:lstStyle>
           <a:p>
-            <a:r>
-              <a:rPr lang="pt-BR"/>
-              <a:t>Clique no ícone para adicionar uma imagem</a:t>
-            </a:r>
-            <a:endParaRPr lang="en-US" dirty="0"/>
-          </a:p>
-        </p:txBody>
-      </p:sp>
-      <p:sp>
-        <p:nvSpPr>
-          <p:cNvPr id="4" name="Text Placeholder 3"/>
-          <p:cNvSpPr>
-            <a:spLocks noGrp="1"/>
-          </p:cNvSpPr>
-          <p:nvPr>
-            <p:ph type="body" sz="half" idx="2"/>
-          </p:nvPr>
-        </p:nvSpPr>
-        <p:spPr>
-          <a:xfrm>
-            <a:off x="677334" y="5367338"/>
-            <a:ext cx="8596667" cy="674024"/>
-          </a:xfrm>
-        </p:spPr>
-        <p:txBody>
-          <a:bodyPr>
-            <a:normAutofit/>
-          </a:bodyPr>
-          <a:lstStyle>
-            <a:lvl1pPr marL="0" indent="0">
-              <a:buNone/>
-              <a:defRPr sz="1200"/>
-            </a:lvl1pPr>
-            <a:lvl2pPr marL="457200" indent="0">
-              <a:buNone/>
-              <a:defRPr sz="1200"/>
-            </a:lvl2pPr>
-            <a:lvl3pPr marL="914400" indent="0">
-              <a:buNone/>
-              <a:defRPr sz="1000"/>
-            </a:lvl3pPr>
-            <a:lvl4pPr marL="1371600" indent="0">
-              <a:buNone/>
-              <a:defRPr sz="900"/>
-            </a:lvl4pPr>
-            <a:lvl5pPr marL="1828800" indent="0">
-              <a:buNone/>
-              <a:defRPr sz="900"/>
-            </a:lvl5pPr>
-            <a:lvl6pPr marL="2286000" indent="0">
-              <a:buNone/>
-              <a:defRPr sz="900"/>
-            </a:lvl6pPr>
-            <a:lvl7pPr marL="2743200" indent="0">
-              <a:buNone/>
-              <a:defRPr sz="900"/>
-            </a:lvl7pPr>
-            <a:lvl8pPr marL="3200400" indent="0">
-              <a:buNone/>
-              <a:defRPr sz="900"/>
-            </a:lvl8pPr>
-            <a:lvl9pPr marL="3657600" indent="0">
-              <a:buNone/>
-              <a:defRPr sz="900"/>
-            </a:lvl9pPr>
-          </a:lstStyle>
-          <a:p>
             <a:pPr lvl="0"/>
             <a:r>
               <a:rPr lang="pt-BR"/>
@@ -5471,9 +3342,9 @@
           <a:p>
             <a:fld id="{05E1EC14-4DB9-433B-B505-B78264925062}" type="datetime1">
               <a:rPr lang="pt-BR" smtClean="0"/>
-              <a:t>23/06/2018</a:t>
+              <a:t>25/06/2018</a:t>
             </a:fld>
-            <a:endParaRPr lang="pt-BR"/>
+            <a:endParaRPr lang="pt-BR" dirty="0"/>
           </a:p>
         </p:txBody>
       </p:sp>
@@ -5492,7 +3363,7 @@
           <a:bodyPr/>
           <a:lstStyle/>
           <a:p>
-            <a:endParaRPr lang="pt-BR"/>
+            <a:endParaRPr lang="pt-BR" dirty="0"/>
           </a:p>
         </p:txBody>
       </p:sp>
@@ -5515,14 +3386,14 @@
               <a:rPr lang="pt-BR" smtClean="0"/>
               <a:t>‹nº›</a:t>
             </a:fld>
-            <a:endParaRPr lang="pt-BR"/>
+            <a:endParaRPr lang="pt-BR" dirty="0"/>
           </a:p>
         </p:txBody>
       </p:sp>
     </p:spTree>
     <p:extLst>
       <p:ext uri="{BB962C8B-B14F-4D97-AF65-F5344CB8AC3E}">
-        <p14:creationId xmlns:p14="http://schemas.microsoft.com/office/powerpoint/2010/main" val="2149319119"/>
+        <p14:creationId xmlns:p14="http://schemas.microsoft.com/office/powerpoint/2010/main" val="3922696815"/>
       </p:ext>
     </p:extLst>
   </p:cSld>
@@ -5536,9 +3407,37 @@
 <p:sldMaster xmlns:a="http://schemas.openxmlformats.org/drawingml/2006/main" xmlns:r="http://schemas.openxmlformats.org/officeDocument/2006/relationships" xmlns:p="http://schemas.openxmlformats.org/presentationml/2006/main">
   <p:cSld>
     <p:bg>
-      <p:bgRef idx="1001">
-        <a:schemeClr val="bg1"/>
-      </p:bgRef>
+      <p:bgPr>
+        <a:gradFill flip="none" rotWithShape="1">
+          <a:gsLst>
+            <a:gs pos="38000">
+              <a:schemeClr val="bg1">
+                <a:lumMod val="65000"/>
+              </a:schemeClr>
+            </a:gs>
+            <a:gs pos="57000">
+              <a:schemeClr val="bg1">
+                <a:lumMod val="75000"/>
+              </a:schemeClr>
+            </a:gs>
+            <a:gs pos="74000">
+              <a:schemeClr val="bg1">
+                <a:lumMod val="85000"/>
+              </a:schemeClr>
+            </a:gs>
+            <a:gs pos="92000">
+              <a:schemeClr val="bg1">
+                <a:lumMod val="85000"/>
+              </a:schemeClr>
+            </a:gs>
+          </a:gsLst>
+          <a:path path="circle">
+            <a:fillToRect l="100000" t="100000"/>
+          </a:path>
+          <a:tileRect r="-100000" b="-100000"/>
+        </a:gradFill>
+        <a:effectLst/>
+      </p:bgPr>
     </p:bg>
     <p:spTree>
       <p:nvGrpSpPr>
@@ -5554,536 +3453,6 @@
           <a:chExt cx="0" cy="0"/>
         </a:xfrm>
       </p:grpSpPr>
-      <p:grpSp>
-        <p:nvGrpSpPr>
-          <p:cNvPr id="7" name="Group 6"/>
-          <p:cNvGrpSpPr/>
-          <p:nvPr/>
-        </p:nvGrpSpPr>
-        <p:grpSpPr>
-          <a:xfrm>
-            <a:off x="0" y="-8467"/>
-            <a:ext cx="12192000" cy="6866467"/>
-            <a:chOff x="0" y="-8467"/>
-            <a:chExt cx="12192000" cy="6866467"/>
-          </a:xfrm>
-        </p:grpSpPr>
-        <p:cxnSp>
-          <p:nvCxnSpPr>
-            <p:cNvPr id="20" name="Straight Connector 19"/>
-            <p:cNvCxnSpPr/>
-            <p:nvPr/>
-          </p:nvCxnSpPr>
-          <p:spPr>
-            <a:xfrm>
-              <a:off x="9371012" y="0"/>
-              <a:ext cx="1219200" cy="6858000"/>
-            </a:xfrm>
-            <a:prstGeom prst="line">
-              <a:avLst/>
-            </a:prstGeom>
-            <a:ln w="9525">
-              <a:solidFill>
-                <a:schemeClr val="bg1">
-                  <a:lumMod val="75000"/>
-                </a:schemeClr>
-              </a:solidFill>
-            </a:ln>
-          </p:spPr>
-          <p:style>
-            <a:lnRef idx="2">
-              <a:schemeClr val="accent1"/>
-            </a:lnRef>
-            <a:fillRef idx="0">
-              <a:schemeClr val="accent1"/>
-            </a:fillRef>
-            <a:effectRef idx="1">
-              <a:schemeClr val="accent1"/>
-            </a:effectRef>
-            <a:fontRef idx="minor">
-              <a:schemeClr val="tx1"/>
-            </a:fontRef>
-          </p:style>
-        </p:cxnSp>
-        <p:cxnSp>
-          <p:nvCxnSpPr>
-            <p:cNvPr id="21" name="Straight Connector 20"/>
-            <p:cNvCxnSpPr/>
-            <p:nvPr/>
-          </p:nvCxnSpPr>
-          <p:spPr>
-            <a:xfrm flipH="1">
-              <a:off x="7425267" y="3681413"/>
-              <a:ext cx="4763558" cy="3176587"/>
-            </a:xfrm>
-            <a:prstGeom prst="line">
-              <a:avLst/>
-            </a:prstGeom>
-            <a:ln w="9525">
-              <a:solidFill>
-                <a:schemeClr val="bg1">
-                  <a:lumMod val="85000"/>
-                </a:schemeClr>
-              </a:solidFill>
-            </a:ln>
-          </p:spPr>
-          <p:style>
-            <a:lnRef idx="2">
-              <a:schemeClr val="accent1"/>
-            </a:lnRef>
-            <a:fillRef idx="0">
-              <a:schemeClr val="accent1"/>
-            </a:fillRef>
-            <a:effectRef idx="1">
-              <a:schemeClr val="accent1"/>
-            </a:effectRef>
-            <a:fontRef idx="minor">
-              <a:schemeClr val="tx1"/>
-            </a:fontRef>
-          </p:style>
-        </p:cxnSp>
-        <p:sp>
-          <p:nvSpPr>
-            <p:cNvPr id="22" name="Rectangle 23"/>
-            <p:cNvSpPr/>
-            <p:nvPr/>
-          </p:nvSpPr>
-          <p:spPr>
-            <a:xfrm>
-              <a:off x="9181476" y="-8467"/>
-              <a:ext cx="3007349" cy="6866467"/>
-            </a:xfrm>
-            <a:custGeom>
-              <a:avLst/>
-              <a:gdLst/>
-              <a:ahLst/>
-              <a:cxnLst/>
-              <a:rect l="l" t="t" r="r" b="b"/>
-              <a:pathLst>
-                <a:path w="3007349" h="6866467">
-                  <a:moveTo>
-                    <a:pt x="2045532" y="0"/>
-                  </a:moveTo>
-                  <a:lnTo>
-                    <a:pt x="3007349" y="0"/>
-                  </a:lnTo>
-                  <a:lnTo>
-                    <a:pt x="3007349" y="6866467"/>
-                  </a:lnTo>
-                  <a:lnTo>
-                    <a:pt x="0" y="6866467"/>
-                  </a:lnTo>
-                  <a:lnTo>
-                    <a:pt x="2045532" y="0"/>
-                  </a:lnTo>
-                  <a:close/>
-                </a:path>
-              </a:pathLst>
-            </a:custGeom>
-            <a:solidFill>
-              <a:schemeClr val="accent1">
-                <a:alpha val="30000"/>
-              </a:schemeClr>
-            </a:solidFill>
-            <a:ln>
-              <a:noFill/>
-            </a:ln>
-            <a:effectLst/>
-          </p:spPr>
-          <p:style>
-            <a:lnRef idx="1">
-              <a:schemeClr val="accent1"/>
-            </a:lnRef>
-            <a:fillRef idx="3">
-              <a:schemeClr val="accent1"/>
-            </a:fillRef>
-            <a:effectRef idx="2">
-              <a:schemeClr val="accent1"/>
-            </a:effectRef>
-            <a:fontRef idx="minor">
-              <a:schemeClr val="lt1"/>
-            </a:fontRef>
-          </p:style>
-        </p:sp>
-        <p:sp>
-          <p:nvSpPr>
-            <p:cNvPr id="23" name="Rectangle 25"/>
-            <p:cNvSpPr/>
-            <p:nvPr/>
-          </p:nvSpPr>
-          <p:spPr>
-            <a:xfrm>
-              <a:off x="9603442" y="-8467"/>
-              <a:ext cx="2588558" cy="6866467"/>
-            </a:xfrm>
-            <a:custGeom>
-              <a:avLst/>
-              <a:gdLst/>
-              <a:ahLst/>
-              <a:cxnLst/>
-              <a:rect l="l" t="t" r="r" b="b"/>
-              <a:pathLst>
-                <a:path w="2573311" h="6866467">
-                  <a:moveTo>
-                    <a:pt x="0" y="0"/>
-                  </a:moveTo>
-                  <a:lnTo>
-                    <a:pt x="2573311" y="0"/>
-                  </a:lnTo>
-                  <a:lnTo>
-                    <a:pt x="2573311" y="6866467"/>
-                  </a:lnTo>
-                  <a:lnTo>
-                    <a:pt x="1202336" y="6866467"/>
-                  </a:lnTo>
-                  <a:lnTo>
-                    <a:pt x="0" y="0"/>
-                  </a:lnTo>
-                  <a:close/>
-                </a:path>
-              </a:pathLst>
-            </a:custGeom>
-            <a:solidFill>
-              <a:schemeClr val="accent1">
-                <a:alpha val="20000"/>
-              </a:schemeClr>
-            </a:solidFill>
-            <a:ln>
-              <a:noFill/>
-            </a:ln>
-            <a:effectLst/>
-          </p:spPr>
-          <p:style>
-            <a:lnRef idx="1">
-              <a:schemeClr val="accent1"/>
-            </a:lnRef>
-            <a:fillRef idx="3">
-              <a:schemeClr val="accent1"/>
-            </a:fillRef>
-            <a:effectRef idx="2">
-              <a:schemeClr val="accent1"/>
-            </a:effectRef>
-            <a:fontRef idx="minor">
-              <a:schemeClr val="lt1"/>
-            </a:fontRef>
-          </p:style>
-        </p:sp>
-        <p:sp>
-          <p:nvSpPr>
-            <p:cNvPr id="24" name="Isosceles Triangle 23"/>
-            <p:cNvSpPr/>
-            <p:nvPr/>
-          </p:nvSpPr>
-          <p:spPr>
-            <a:xfrm>
-              <a:off x="8932333" y="3048000"/>
-              <a:ext cx="3259667" cy="3810000"/>
-            </a:xfrm>
-            <a:prstGeom prst="triangle">
-              <a:avLst>
-                <a:gd name="adj" fmla="val 100000"/>
-              </a:avLst>
-            </a:prstGeom>
-            <a:solidFill>
-              <a:schemeClr val="accent2">
-                <a:alpha val="72000"/>
-              </a:schemeClr>
-            </a:solidFill>
-            <a:ln>
-              <a:noFill/>
-            </a:ln>
-            <a:effectLst/>
-          </p:spPr>
-          <p:style>
-            <a:lnRef idx="1">
-              <a:schemeClr val="accent1"/>
-            </a:lnRef>
-            <a:fillRef idx="3">
-              <a:schemeClr val="accent1"/>
-            </a:fillRef>
-            <a:effectRef idx="2">
-              <a:schemeClr val="accent1"/>
-            </a:effectRef>
-            <a:fontRef idx="minor">
-              <a:schemeClr val="lt1"/>
-            </a:fontRef>
-          </p:style>
-        </p:sp>
-        <p:sp>
-          <p:nvSpPr>
-            <p:cNvPr id="25" name="Rectangle 27"/>
-            <p:cNvSpPr/>
-            <p:nvPr/>
-          </p:nvSpPr>
-          <p:spPr>
-            <a:xfrm>
-              <a:off x="9334500" y="-8467"/>
-              <a:ext cx="2854326" cy="6866467"/>
-            </a:xfrm>
-            <a:custGeom>
-              <a:avLst/>
-              <a:gdLst/>
-              <a:ahLst/>
-              <a:cxnLst/>
-              <a:rect l="l" t="t" r="r" b="b"/>
-              <a:pathLst>
-                <a:path w="2858013" h="6866467">
-                  <a:moveTo>
-                    <a:pt x="0" y="0"/>
-                  </a:moveTo>
-                  <a:lnTo>
-                    <a:pt x="2858013" y="0"/>
-                  </a:lnTo>
-                  <a:lnTo>
-                    <a:pt x="2858013" y="6866467"/>
-                  </a:lnTo>
-                  <a:lnTo>
-                    <a:pt x="2473942" y="6866467"/>
-                  </a:lnTo>
-                  <a:lnTo>
-                    <a:pt x="0" y="0"/>
-                  </a:lnTo>
-                  <a:close/>
-                </a:path>
-              </a:pathLst>
-            </a:custGeom>
-            <a:solidFill>
-              <a:schemeClr val="accent2">
-                <a:lumMod val="75000"/>
-                <a:alpha val="70000"/>
-              </a:schemeClr>
-            </a:solidFill>
-            <a:ln>
-              <a:noFill/>
-            </a:ln>
-            <a:effectLst/>
-          </p:spPr>
-          <p:style>
-            <a:lnRef idx="1">
-              <a:schemeClr val="accent1"/>
-            </a:lnRef>
-            <a:fillRef idx="3">
-              <a:schemeClr val="accent1"/>
-            </a:fillRef>
-            <a:effectRef idx="2">
-              <a:schemeClr val="accent1"/>
-            </a:effectRef>
-            <a:fontRef idx="minor">
-              <a:schemeClr val="lt1"/>
-            </a:fontRef>
-          </p:style>
-        </p:sp>
-        <p:sp>
-          <p:nvSpPr>
-            <p:cNvPr id="26" name="Rectangle 28"/>
-            <p:cNvSpPr/>
-            <p:nvPr/>
-          </p:nvSpPr>
-          <p:spPr>
-            <a:xfrm>
-              <a:off x="10898730" y="-8467"/>
-              <a:ext cx="1290094" cy="6866467"/>
-            </a:xfrm>
-            <a:custGeom>
-              <a:avLst/>
-              <a:gdLst/>
-              <a:ahLst/>
-              <a:cxnLst/>
-              <a:rect l="l" t="t" r="r" b="b"/>
-              <a:pathLst>
-                <a:path w="1290094" h="6858000">
-                  <a:moveTo>
-                    <a:pt x="1019735" y="0"/>
-                  </a:moveTo>
-                  <a:lnTo>
-                    <a:pt x="1290094" y="0"/>
-                  </a:lnTo>
-                  <a:lnTo>
-                    <a:pt x="1290094" y="6858000"/>
-                  </a:lnTo>
-                  <a:lnTo>
-                    <a:pt x="0" y="6858000"/>
-                  </a:lnTo>
-                  <a:lnTo>
-                    <a:pt x="1019735" y="0"/>
-                  </a:lnTo>
-                  <a:close/>
-                </a:path>
-              </a:pathLst>
-            </a:custGeom>
-            <a:solidFill>
-              <a:schemeClr val="accent1">
-                <a:lumMod val="60000"/>
-                <a:lumOff val="40000"/>
-                <a:alpha val="70000"/>
-              </a:schemeClr>
-            </a:solidFill>
-            <a:ln>
-              <a:noFill/>
-            </a:ln>
-            <a:effectLst/>
-          </p:spPr>
-          <p:style>
-            <a:lnRef idx="1">
-              <a:schemeClr val="accent1"/>
-            </a:lnRef>
-            <a:fillRef idx="3">
-              <a:schemeClr val="accent1"/>
-            </a:fillRef>
-            <a:effectRef idx="2">
-              <a:schemeClr val="accent1"/>
-            </a:effectRef>
-            <a:fontRef idx="minor">
-              <a:schemeClr val="lt1"/>
-            </a:fontRef>
-          </p:style>
-        </p:sp>
-        <p:sp>
-          <p:nvSpPr>
-            <p:cNvPr id="27" name="Rectangle 29"/>
-            <p:cNvSpPr/>
-            <p:nvPr/>
-          </p:nvSpPr>
-          <p:spPr>
-            <a:xfrm>
-              <a:off x="10938999" y="-8467"/>
-              <a:ext cx="1249825" cy="6866467"/>
-            </a:xfrm>
-            <a:custGeom>
-              <a:avLst/>
-              <a:gdLst/>
-              <a:ahLst/>
-              <a:cxnLst/>
-              <a:rect l="l" t="t" r="r" b="b"/>
-              <a:pathLst>
-                <a:path w="1249825" h="6858000">
-                  <a:moveTo>
-                    <a:pt x="0" y="0"/>
-                  </a:moveTo>
-                  <a:lnTo>
-                    <a:pt x="1249825" y="0"/>
-                  </a:lnTo>
-                  <a:lnTo>
-                    <a:pt x="1249825" y="6858000"/>
-                  </a:lnTo>
-                  <a:lnTo>
-                    <a:pt x="1109382" y="6858000"/>
-                  </a:lnTo>
-                  <a:lnTo>
-                    <a:pt x="0" y="0"/>
-                  </a:lnTo>
-                  <a:close/>
-                </a:path>
-              </a:pathLst>
-            </a:custGeom>
-            <a:solidFill>
-              <a:schemeClr val="accent1">
-                <a:alpha val="65000"/>
-              </a:schemeClr>
-            </a:solidFill>
-            <a:ln>
-              <a:noFill/>
-            </a:ln>
-            <a:effectLst/>
-          </p:spPr>
-          <p:style>
-            <a:lnRef idx="1">
-              <a:schemeClr val="accent1"/>
-            </a:lnRef>
-            <a:fillRef idx="3">
-              <a:schemeClr val="accent1"/>
-            </a:fillRef>
-            <a:effectRef idx="2">
-              <a:schemeClr val="accent1"/>
-            </a:effectRef>
-            <a:fontRef idx="minor">
-              <a:schemeClr val="lt1"/>
-            </a:fontRef>
-          </p:style>
-        </p:sp>
-        <p:sp>
-          <p:nvSpPr>
-            <p:cNvPr id="28" name="Isosceles Triangle 27"/>
-            <p:cNvSpPr/>
-            <p:nvPr/>
-          </p:nvSpPr>
-          <p:spPr>
-            <a:xfrm>
-              <a:off x="10371666" y="3589867"/>
-              <a:ext cx="1817159" cy="3268133"/>
-            </a:xfrm>
-            <a:prstGeom prst="triangle">
-              <a:avLst>
-                <a:gd name="adj" fmla="val 100000"/>
-              </a:avLst>
-            </a:prstGeom>
-            <a:solidFill>
-              <a:schemeClr val="accent1">
-                <a:alpha val="80000"/>
-              </a:schemeClr>
-            </a:solidFill>
-            <a:ln>
-              <a:noFill/>
-            </a:ln>
-            <a:effectLst/>
-          </p:spPr>
-          <p:style>
-            <a:lnRef idx="1">
-              <a:schemeClr val="accent1"/>
-            </a:lnRef>
-            <a:fillRef idx="3">
-              <a:schemeClr val="accent1"/>
-            </a:fillRef>
-            <a:effectRef idx="2">
-              <a:schemeClr val="accent1"/>
-            </a:effectRef>
-            <a:fontRef idx="minor">
-              <a:schemeClr val="lt1"/>
-            </a:fontRef>
-          </p:style>
-        </p:sp>
-        <p:sp>
-          <p:nvSpPr>
-            <p:cNvPr id="29" name="Isosceles Triangle 28"/>
-            <p:cNvSpPr/>
-            <p:nvPr/>
-          </p:nvSpPr>
-          <p:spPr>
-            <a:xfrm>
-              <a:off x="0" y="4013200"/>
-              <a:ext cx="448733" cy="2844800"/>
-            </a:xfrm>
-            <a:prstGeom prst="triangle">
-              <a:avLst>
-                <a:gd name="adj" fmla="val 0"/>
-              </a:avLst>
-            </a:prstGeom>
-            <a:solidFill>
-              <a:schemeClr val="accent1">
-                <a:alpha val="85000"/>
-              </a:schemeClr>
-            </a:solidFill>
-            <a:ln>
-              <a:noFill/>
-            </a:ln>
-            <a:effectLst/>
-          </p:spPr>
-          <p:style>
-            <a:lnRef idx="1">
-              <a:schemeClr val="accent1"/>
-            </a:lnRef>
-            <a:fillRef idx="3">
-              <a:schemeClr val="accent1"/>
-            </a:fillRef>
-            <a:effectRef idx="2">
-              <a:schemeClr val="accent1"/>
-            </a:effectRef>
-            <a:fontRef idx="minor">
-              <a:schemeClr val="lt1"/>
-            </a:fontRef>
-          </p:style>
-        </p:sp>
-      </p:grpSp>
       <p:sp>
         <p:nvSpPr>
           <p:cNvPr id="2" name="Title Placeholder 1"/>
@@ -6096,15 +3465,15 @@
         </p:nvSpPr>
         <p:spPr>
           <a:xfrm>
-            <a:off x="677334" y="609600"/>
-            <a:ext cx="8596668" cy="1320800"/>
+            <a:off x="838200" y="365125"/>
+            <a:ext cx="10515600" cy="1325563"/>
           </a:xfrm>
           <a:prstGeom prst="rect">
             <a:avLst/>
           </a:prstGeom>
         </p:spPr>
         <p:txBody>
-          <a:bodyPr vert="horz" lIns="91440" tIns="45720" rIns="91440" bIns="45720" rtlCol="0" anchor="t">
+          <a:bodyPr vert="horz" lIns="91440" tIns="45720" rIns="91440" bIns="45720" rtlCol="0" anchor="ctr">
             <a:normAutofit/>
           </a:bodyPr>
           <a:lstStyle/>
@@ -6129,8 +3498,8 @@
         </p:nvSpPr>
         <p:spPr>
           <a:xfrm>
-            <a:off x="677334" y="2160589"/>
-            <a:ext cx="8596668" cy="3880773"/>
+            <a:off x="838200" y="1825625"/>
+            <a:ext cx="10515600" cy="4351338"/>
           </a:xfrm>
           <a:prstGeom prst="rect">
             <a:avLst/>
@@ -6191,8 +3560,8 @@
         </p:nvSpPr>
         <p:spPr>
           <a:xfrm>
-            <a:off x="7205133" y="6041362"/>
-            <a:ext cx="911939" cy="365125"/>
+            <a:off x="838200" y="6356350"/>
+            <a:ext cx="2743200" cy="365125"/>
           </a:xfrm>
           <a:prstGeom prst="rect">
             <a:avLst/>
@@ -6201,8 +3570,8 @@
         <p:txBody>
           <a:bodyPr vert="horz" lIns="91440" tIns="45720" rIns="91440" bIns="45720" rtlCol="0" anchor="ctr"/>
           <a:lstStyle>
-            <a:lvl1pPr algn="r">
-              <a:defRPr sz="900">
+            <a:lvl1pPr algn="l">
+              <a:defRPr sz="1200">
                 <a:solidFill>
                   <a:schemeClr val="tx1">
                     <a:tint val="75000"/>
@@ -6214,9 +3583,9 @@
           <a:p>
             <a:fld id="{751716E6-0FA6-4335-AB30-7EB049FB7D12}" type="datetime1">
               <a:rPr lang="pt-BR" smtClean="0"/>
-              <a:t>23/06/2018</a:t>
+              <a:t>25/06/2018</a:t>
             </a:fld>
-            <a:endParaRPr lang="pt-BR"/>
+            <a:endParaRPr lang="pt-BR" dirty="0"/>
           </a:p>
         </p:txBody>
       </p:sp>
@@ -6232,8 +3601,8 @@
         </p:nvSpPr>
         <p:spPr>
           <a:xfrm>
-            <a:off x="677334" y="6041362"/>
-            <a:ext cx="6297612" cy="365125"/>
+            <a:off x="4038600" y="6356350"/>
+            <a:ext cx="4114800" cy="365125"/>
           </a:xfrm>
           <a:prstGeom prst="rect">
             <a:avLst/>
@@ -6242,8 +3611,8 @@
         <p:txBody>
           <a:bodyPr vert="horz" lIns="91440" tIns="45720" rIns="91440" bIns="45720" rtlCol="0" anchor="ctr"/>
           <a:lstStyle>
-            <a:lvl1pPr algn="l">
-              <a:defRPr sz="900">
+            <a:lvl1pPr algn="ctr">
+              <a:defRPr sz="1200">
                 <a:solidFill>
                   <a:schemeClr val="tx1">
                     <a:tint val="75000"/>
@@ -6253,7 +3622,7 @@
             </a:lvl1pPr>
           </a:lstStyle>
           <a:p>
-            <a:endParaRPr lang="pt-BR"/>
+            <a:endParaRPr lang="pt-BR" dirty="0"/>
           </a:p>
         </p:txBody>
       </p:sp>
@@ -6269,8 +3638,8 @@
         </p:nvSpPr>
         <p:spPr>
           <a:xfrm>
-            <a:off x="8590663" y="6041362"/>
-            <a:ext cx="683339" cy="365125"/>
+            <a:off x="8610600" y="6356350"/>
+            <a:ext cx="2743200" cy="365125"/>
           </a:xfrm>
           <a:prstGeom prst="rect">
             <a:avLst/>
@@ -6280,9 +3649,11 @@
           <a:bodyPr vert="horz" lIns="91440" tIns="45720" rIns="91440" bIns="45720" rtlCol="0" anchor="ctr"/>
           <a:lstStyle>
             <a:lvl1pPr algn="r">
-              <a:defRPr sz="900">
+              <a:defRPr sz="1200">
                 <a:solidFill>
-                  <a:schemeClr val="accent1"/>
+                  <a:schemeClr val="tx1">
+                    <a:tint val="75000"/>
+                  </a:schemeClr>
                 </a:solidFill>
               </a:defRPr>
             </a:lvl1pPr>
@@ -6292,330 +3663,209 @@
               <a:rPr lang="pt-BR" smtClean="0"/>
               <a:t>‹nº›</a:t>
             </a:fld>
-            <a:endParaRPr lang="pt-BR"/>
+            <a:endParaRPr lang="pt-BR" dirty="0"/>
           </a:p>
         </p:txBody>
       </p:sp>
     </p:spTree>
     <p:extLst>
       <p:ext uri="{BB962C8B-B14F-4D97-AF65-F5344CB8AC3E}">
-        <p14:creationId xmlns:p14="http://schemas.microsoft.com/office/powerpoint/2010/main" val="1382493543"/>
+        <p14:creationId xmlns:p14="http://schemas.microsoft.com/office/powerpoint/2010/main" val="580158994"/>
       </p:ext>
     </p:extLst>
   </p:cSld>
   <p:clrMap bg1="lt1" tx1="dk1" bg2="lt2" tx2="dk2" accent1="accent1" accent2="accent2" accent3="accent3" accent4="accent4" accent5="accent5" accent6="accent6" hlink="hlink" folHlink="folHlink"/>
   <p:sldLayoutIdLst>
-    <p:sldLayoutId id="2147483746" r:id="rId1"/>
-    <p:sldLayoutId id="2147483747" r:id="rId2"/>
-    <p:sldLayoutId id="2147483748" r:id="rId3"/>
-    <p:sldLayoutId id="2147483749" r:id="rId4"/>
-    <p:sldLayoutId id="2147483750" r:id="rId5"/>
-    <p:sldLayoutId id="2147483751" r:id="rId6"/>
-    <p:sldLayoutId id="2147483752" r:id="rId7"/>
-    <p:sldLayoutId id="2147483753" r:id="rId8"/>
-    <p:sldLayoutId id="2147483754" r:id="rId9"/>
-    <p:sldLayoutId id="2147483755" r:id="rId10"/>
-    <p:sldLayoutId id="2147483756" r:id="rId11"/>
-    <p:sldLayoutId id="2147483757" r:id="rId12"/>
-    <p:sldLayoutId id="2147483758" r:id="rId13"/>
-    <p:sldLayoutId id="2147483759" r:id="rId14"/>
-    <p:sldLayoutId id="2147483760" r:id="rId15"/>
-    <p:sldLayoutId id="2147483761" r:id="rId16"/>
+    <p:sldLayoutId id="2147483792" r:id="rId1"/>
+    <p:sldLayoutId id="2147483793" r:id="rId2"/>
+    <p:sldLayoutId id="2147483794" r:id="rId3"/>
+    <p:sldLayoutId id="2147483795" r:id="rId4"/>
+    <p:sldLayoutId id="2147483796" r:id="rId5"/>
+    <p:sldLayoutId id="2147483797" r:id="rId6"/>
+    <p:sldLayoutId id="2147483798" r:id="rId7"/>
+    <p:sldLayoutId id="2147483799" r:id="rId8"/>
+    <p:sldLayoutId id="2147483800" r:id="rId9"/>
+    <p:sldLayoutId id="2147483801" r:id="rId10"/>
+    <p:sldLayoutId id="2147483802" r:id="rId11"/>
   </p:sldLayoutIdLst>
   <p:hf hdr="0" ftr="0" dt="0"/>
   <p:txStyles>
     <p:titleStyle>
-      <a:lvl1pPr algn="l" defTabSz="457200" rtl="0" eaLnBrk="1" latinLnBrk="0" hangingPunct="1">
+      <a:lvl1pPr algn="l" defTabSz="914400" rtl="0" eaLnBrk="1" latinLnBrk="0" hangingPunct="1">
+        <a:lnSpc>
+          <a:spcPct val="90000"/>
+        </a:lnSpc>
         <a:spcBef>
           <a:spcPct val="0"/>
         </a:spcBef>
         <a:buNone/>
-        <a:defRPr sz="3600" kern="1200">
+        <a:defRPr sz="4400" kern="1200">
           <a:solidFill>
-            <a:schemeClr val="accent1"/>
+            <a:schemeClr val="tx1"/>
           </a:solidFill>
           <a:latin typeface="+mj-lt"/>
           <a:ea typeface="+mj-ea"/>
           <a:cs typeface="+mj-cs"/>
         </a:defRPr>
       </a:lvl1pPr>
-      <a:lvl2pPr eaLnBrk="1" hangingPunct="1">
-        <a:defRPr>
-          <a:solidFill>
-            <a:schemeClr val="tx2"/>
-          </a:solidFill>
-        </a:defRPr>
-      </a:lvl2pPr>
-      <a:lvl3pPr eaLnBrk="1" hangingPunct="1">
-        <a:defRPr>
-          <a:solidFill>
-            <a:schemeClr val="tx2"/>
-          </a:solidFill>
-        </a:defRPr>
-      </a:lvl3pPr>
-      <a:lvl4pPr eaLnBrk="1" hangingPunct="1">
-        <a:defRPr>
-          <a:solidFill>
-            <a:schemeClr val="tx2"/>
-          </a:solidFill>
-        </a:defRPr>
-      </a:lvl4pPr>
-      <a:lvl5pPr eaLnBrk="1" hangingPunct="1">
-        <a:defRPr>
-          <a:solidFill>
-            <a:schemeClr val="tx2"/>
-          </a:solidFill>
-        </a:defRPr>
-      </a:lvl5pPr>
-      <a:lvl6pPr eaLnBrk="1" hangingPunct="1">
-        <a:defRPr>
-          <a:solidFill>
-            <a:schemeClr val="tx2"/>
-          </a:solidFill>
-        </a:defRPr>
-      </a:lvl6pPr>
-      <a:lvl7pPr eaLnBrk="1" hangingPunct="1">
-        <a:defRPr>
-          <a:solidFill>
-            <a:schemeClr val="tx2"/>
-          </a:solidFill>
-        </a:defRPr>
-      </a:lvl7pPr>
-      <a:lvl8pPr eaLnBrk="1" hangingPunct="1">
-        <a:defRPr>
-          <a:solidFill>
-            <a:schemeClr val="tx2"/>
-          </a:solidFill>
-        </a:defRPr>
-      </a:lvl8pPr>
-      <a:lvl9pPr eaLnBrk="1" hangingPunct="1">
-        <a:defRPr>
-          <a:solidFill>
-            <a:schemeClr val="tx2"/>
-          </a:solidFill>
-        </a:defRPr>
-      </a:lvl9pPr>
     </p:titleStyle>
     <p:bodyStyle>
-      <a:lvl1pPr marL="342900" indent="-342900" algn="l" defTabSz="457200" rtl="0" eaLnBrk="1" latinLnBrk="0" hangingPunct="1">
+      <a:lvl1pPr marL="228600" indent="-228600" algn="l" defTabSz="914400" rtl="0" eaLnBrk="1" latinLnBrk="0" hangingPunct="1">
+        <a:lnSpc>
+          <a:spcPct val="90000"/>
+        </a:lnSpc>
         <a:spcBef>
           <a:spcPts val="1000"/>
         </a:spcBef>
-        <a:spcAft>
-          <a:spcPts val="0"/>
-        </a:spcAft>
-        <a:buClr>
-          <a:schemeClr val="accent1"/>
-        </a:buClr>
-        <a:buSzPct val="80000"/>
-        <a:buFont typeface="Wingdings 3" charset="2"/>
-        <a:buChar char=""/>
-        <a:defRPr sz="1800" kern="1200">
+        <a:buFont typeface="Arial" panose="020B0604020202020204" pitchFamily="34" charset="0"/>
+        <a:buChar char="•"/>
+        <a:defRPr sz="2800" kern="1200">
           <a:solidFill>
-            <a:schemeClr val="tx1">
-              <a:lumMod val="75000"/>
-              <a:lumOff val="25000"/>
-            </a:schemeClr>
+            <a:schemeClr val="tx1"/>
           </a:solidFill>
           <a:latin typeface="+mn-lt"/>
           <a:ea typeface="+mn-ea"/>
           <a:cs typeface="+mn-cs"/>
         </a:defRPr>
       </a:lvl1pPr>
-      <a:lvl2pPr marL="742950" indent="-285750" algn="l" defTabSz="457200" rtl="0" eaLnBrk="1" latinLnBrk="0" hangingPunct="1">
+      <a:lvl2pPr marL="685800" indent="-228600" algn="l" defTabSz="914400" rtl="0" eaLnBrk="1" latinLnBrk="0" hangingPunct="1">
+        <a:lnSpc>
+          <a:spcPct val="90000"/>
+        </a:lnSpc>
         <a:spcBef>
-          <a:spcPts val="1000"/>
+          <a:spcPts val="500"/>
         </a:spcBef>
-        <a:spcAft>
-          <a:spcPts val="0"/>
-        </a:spcAft>
-        <a:buClr>
-          <a:schemeClr val="accent1"/>
-        </a:buClr>
-        <a:buSzPct val="80000"/>
-        <a:buFont typeface="Wingdings 3" charset="2"/>
-        <a:buChar char=""/>
-        <a:defRPr sz="1600" kern="1200">
+        <a:buFont typeface="Arial" panose="020B0604020202020204" pitchFamily="34" charset="0"/>
+        <a:buChar char="•"/>
+        <a:defRPr sz="2400" kern="1200">
           <a:solidFill>
-            <a:schemeClr val="tx1">
-              <a:lumMod val="75000"/>
-              <a:lumOff val="25000"/>
-            </a:schemeClr>
+            <a:schemeClr val="tx1"/>
           </a:solidFill>
           <a:latin typeface="+mn-lt"/>
           <a:ea typeface="+mn-ea"/>
           <a:cs typeface="+mn-cs"/>
         </a:defRPr>
       </a:lvl2pPr>
-      <a:lvl3pPr marL="1143000" indent="-228600" algn="l" defTabSz="457200" rtl="0" eaLnBrk="1" latinLnBrk="0" hangingPunct="1">
+      <a:lvl3pPr marL="1143000" indent="-228600" algn="l" defTabSz="914400" rtl="0" eaLnBrk="1" latinLnBrk="0" hangingPunct="1">
+        <a:lnSpc>
+          <a:spcPct val="90000"/>
+        </a:lnSpc>
         <a:spcBef>
-          <a:spcPts val="1000"/>
+          <a:spcPts val="500"/>
         </a:spcBef>
-        <a:spcAft>
-          <a:spcPts val="0"/>
-        </a:spcAft>
-        <a:buClr>
-          <a:schemeClr val="accent1"/>
-        </a:buClr>
-        <a:buSzPct val="80000"/>
-        <a:buFont typeface="Wingdings 3" charset="2"/>
-        <a:buChar char=""/>
-        <a:defRPr sz="1400" kern="1200">
+        <a:buFont typeface="Arial" panose="020B0604020202020204" pitchFamily="34" charset="0"/>
+        <a:buChar char="•"/>
+        <a:defRPr sz="2000" kern="1200">
           <a:solidFill>
-            <a:schemeClr val="tx1">
-              <a:lumMod val="75000"/>
-              <a:lumOff val="25000"/>
-            </a:schemeClr>
+            <a:schemeClr val="tx1"/>
           </a:solidFill>
           <a:latin typeface="+mn-lt"/>
           <a:ea typeface="+mn-ea"/>
           <a:cs typeface="+mn-cs"/>
         </a:defRPr>
       </a:lvl3pPr>
-      <a:lvl4pPr marL="1600200" indent="-228600" algn="l" defTabSz="457200" rtl="0" eaLnBrk="1" latinLnBrk="0" hangingPunct="1">
+      <a:lvl4pPr marL="1600200" indent="-228600" algn="l" defTabSz="914400" rtl="0" eaLnBrk="1" latinLnBrk="0" hangingPunct="1">
+        <a:lnSpc>
+          <a:spcPct val="90000"/>
+        </a:lnSpc>
         <a:spcBef>
-          <a:spcPts val="1000"/>
+          <a:spcPts val="500"/>
         </a:spcBef>
-        <a:spcAft>
-          <a:spcPts val="0"/>
-        </a:spcAft>
-        <a:buClr>
-          <a:schemeClr val="accent1"/>
-        </a:buClr>
-        <a:buSzPct val="80000"/>
-        <a:buFont typeface="Wingdings 3" charset="2"/>
-        <a:buChar char=""/>
-        <a:defRPr sz="1200" kern="1200">
+        <a:buFont typeface="Arial" panose="020B0604020202020204" pitchFamily="34" charset="0"/>
+        <a:buChar char="•"/>
+        <a:defRPr sz="1800" kern="1200">
           <a:solidFill>
-            <a:schemeClr val="tx1">
-              <a:lumMod val="75000"/>
-              <a:lumOff val="25000"/>
-            </a:schemeClr>
+            <a:schemeClr val="tx1"/>
           </a:solidFill>
           <a:latin typeface="+mn-lt"/>
           <a:ea typeface="+mn-ea"/>
           <a:cs typeface="+mn-cs"/>
         </a:defRPr>
       </a:lvl4pPr>
-      <a:lvl5pPr marL="2057400" indent="-228600" algn="l" defTabSz="457200" rtl="0" eaLnBrk="1" latinLnBrk="0" hangingPunct="1">
+      <a:lvl5pPr marL="2057400" indent="-228600" algn="l" defTabSz="914400" rtl="0" eaLnBrk="1" latinLnBrk="0" hangingPunct="1">
+        <a:lnSpc>
+          <a:spcPct val="90000"/>
+        </a:lnSpc>
         <a:spcBef>
-          <a:spcPts val="1000"/>
+          <a:spcPts val="500"/>
         </a:spcBef>
-        <a:spcAft>
-          <a:spcPts val="0"/>
-        </a:spcAft>
-        <a:buClr>
-          <a:schemeClr val="accent1"/>
-        </a:buClr>
-        <a:buSzPct val="80000"/>
-        <a:buFont typeface="Wingdings 3" charset="2"/>
-        <a:buChar char=""/>
-        <a:defRPr sz="1200" kern="1200">
+        <a:buFont typeface="Arial" panose="020B0604020202020204" pitchFamily="34" charset="0"/>
+        <a:buChar char="•"/>
+        <a:defRPr sz="1800" kern="1200">
           <a:solidFill>
-            <a:schemeClr val="tx1">
-              <a:lumMod val="75000"/>
-              <a:lumOff val="25000"/>
-            </a:schemeClr>
+            <a:schemeClr val="tx1"/>
           </a:solidFill>
           <a:latin typeface="+mn-lt"/>
           <a:ea typeface="+mn-ea"/>
           <a:cs typeface="+mn-cs"/>
         </a:defRPr>
       </a:lvl5pPr>
-      <a:lvl6pPr marL="2514600" indent="-228600" algn="l" defTabSz="457200" rtl="0" eaLnBrk="1" latinLnBrk="0" hangingPunct="1">
+      <a:lvl6pPr marL="2514600" indent="-228600" algn="l" defTabSz="914400" rtl="0" eaLnBrk="1" latinLnBrk="0" hangingPunct="1">
+        <a:lnSpc>
+          <a:spcPct val="90000"/>
+        </a:lnSpc>
         <a:spcBef>
-          <a:spcPts val="1000"/>
+          <a:spcPts val="500"/>
         </a:spcBef>
-        <a:spcAft>
-          <a:spcPts val="0"/>
-        </a:spcAft>
-        <a:buClr>
-          <a:schemeClr val="accent1"/>
-        </a:buClr>
-        <a:buSzPct val="80000"/>
-        <a:buFont typeface="Wingdings 3" charset="2"/>
-        <a:buChar char=""/>
-        <a:defRPr sz="1200" kern="1200">
+        <a:buFont typeface="Arial" panose="020B0604020202020204" pitchFamily="34" charset="0"/>
+        <a:buChar char="•"/>
+        <a:defRPr sz="1800" kern="1200">
           <a:solidFill>
-            <a:schemeClr val="tx1">
-              <a:lumMod val="75000"/>
-              <a:lumOff val="25000"/>
-            </a:schemeClr>
+            <a:schemeClr val="tx1"/>
           </a:solidFill>
           <a:latin typeface="+mn-lt"/>
           <a:ea typeface="+mn-ea"/>
           <a:cs typeface="+mn-cs"/>
         </a:defRPr>
       </a:lvl6pPr>
-      <a:lvl7pPr marL="2971800" indent="-228600" algn="l" defTabSz="457200" rtl="0" eaLnBrk="1" latinLnBrk="0" hangingPunct="1">
+      <a:lvl7pPr marL="2971800" indent="-228600" algn="l" defTabSz="914400" rtl="0" eaLnBrk="1" latinLnBrk="0" hangingPunct="1">
+        <a:lnSpc>
+          <a:spcPct val="90000"/>
+        </a:lnSpc>
         <a:spcBef>
-          <a:spcPts val="1000"/>
+          <a:spcPts val="500"/>
         </a:spcBef>
-        <a:spcAft>
-          <a:spcPts val="0"/>
-        </a:spcAft>
-        <a:buClr>
-          <a:schemeClr val="accent1"/>
-        </a:buClr>
-        <a:buSzPct val="80000"/>
-        <a:buFont typeface="Wingdings 3" charset="2"/>
-        <a:buChar char=""/>
-        <a:defRPr sz="1200" kern="1200">
+        <a:buFont typeface="Arial" panose="020B0604020202020204" pitchFamily="34" charset="0"/>
+        <a:buChar char="•"/>
+        <a:defRPr sz="1800" kern="1200">
           <a:solidFill>
-            <a:schemeClr val="tx1">
-              <a:lumMod val="75000"/>
-              <a:lumOff val="25000"/>
-            </a:schemeClr>
+            <a:schemeClr val="tx1"/>
           </a:solidFill>
           <a:latin typeface="+mn-lt"/>
           <a:ea typeface="+mn-ea"/>
           <a:cs typeface="+mn-cs"/>
         </a:defRPr>
       </a:lvl7pPr>
-      <a:lvl8pPr marL="3429000" indent="-228600" algn="l" defTabSz="457200" rtl="0" eaLnBrk="1" latinLnBrk="0" hangingPunct="1">
+      <a:lvl8pPr marL="3429000" indent="-228600" algn="l" defTabSz="914400" rtl="0" eaLnBrk="1" latinLnBrk="0" hangingPunct="1">
+        <a:lnSpc>
+          <a:spcPct val="90000"/>
+        </a:lnSpc>
         <a:spcBef>
-          <a:spcPts val="1000"/>
+          <a:spcPts val="500"/>
         </a:spcBef>
-        <a:spcAft>
-          <a:spcPts val="0"/>
-        </a:spcAft>
-        <a:buClr>
-          <a:schemeClr val="accent1"/>
-        </a:buClr>
-        <a:buSzPct val="80000"/>
-        <a:buFont typeface="Wingdings 3" charset="2"/>
-        <a:buChar char=""/>
-        <a:defRPr sz="1200" kern="1200">
+        <a:buFont typeface="Arial" panose="020B0604020202020204" pitchFamily="34" charset="0"/>
+        <a:buChar char="•"/>
+        <a:defRPr sz="1800" kern="1200">
           <a:solidFill>
-            <a:schemeClr val="tx1">
-              <a:lumMod val="75000"/>
-              <a:lumOff val="25000"/>
-            </a:schemeClr>
+            <a:schemeClr val="tx1"/>
           </a:solidFill>
           <a:latin typeface="+mn-lt"/>
           <a:ea typeface="+mn-ea"/>
           <a:cs typeface="+mn-cs"/>
         </a:defRPr>
       </a:lvl8pPr>
-      <a:lvl9pPr marL="3886200" indent="-228600" algn="l" defTabSz="457200" rtl="0" eaLnBrk="1" latinLnBrk="0" hangingPunct="1">
+      <a:lvl9pPr marL="3886200" indent="-228600" algn="l" defTabSz="914400" rtl="0" eaLnBrk="1" latinLnBrk="0" hangingPunct="1">
+        <a:lnSpc>
+          <a:spcPct val="90000"/>
+        </a:lnSpc>
         <a:spcBef>
-          <a:spcPts val="1000"/>
+          <a:spcPts val="500"/>
         </a:spcBef>
-        <a:spcAft>
-          <a:spcPts val="0"/>
-        </a:spcAft>
-        <a:buClr>
-          <a:schemeClr val="accent1"/>
-        </a:buClr>
-        <a:buSzPct val="80000"/>
-        <a:buFont typeface="Wingdings 3" charset="2"/>
-        <a:buChar char=""/>
-        <a:defRPr sz="1200" kern="1200">
+        <a:buFont typeface="Arial" panose="020B0604020202020204" pitchFamily="34" charset="0"/>
+        <a:buChar char="•"/>
+        <a:defRPr sz="1800" kern="1200">
           <a:solidFill>
-            <a:schemeClr val="tx1">
-              <a:lumMod val="75000"/>
-              <a:lumOff val="25000"/>
-            </a:schemeClr>
+            <a:schemeClr val="tx1"/>
           </a:solidFill>
           <a:latin typeface="+mn-lt"/>
           <a:ea typeface="+mn-ea"/>
@@ -6627,7 +3877,7 @@
       <a:defPPr>
         <a:defRPr lang="en-US"/>
       </a:defPPr>
-      <a:lvl1pPr marL="0" algn="l" defTabSz="457200" rtl="0" eaLnBrk="1" latinLnBrk="0" hangingPunct="1">
+      <a:lvl1pPr marL="0" algn="l" defTabSz="914400" rtl="0" eaLnBrk="1" latinLnBrk="0" hangingPunct="1">
         <a:defRPr sz="1800" kern="1200">
           <a:solidFill>
             <a:schemeClr val="tx1"/>
@@ -6637,7 +3887,7 @@
           <a:cs typeface="+mn-cs"/>
         </a:defRPr>
       </a:lvl1pPr>
-      <a:lvl2pPr marL="457200" algn="l" defTabSz="457200" rtl="0" eaLnBrk="1" latinLnBrk="0" hangingPunct="1">
+      <a:lvl2pPr marL="457200" algn="l" defTabSz="914400" rtl="0" eaLnBrk="1" latinLnBrk="0" hangingPunct="1">
         <a:defRPr sz="1800" kern="1200">
           <a:solidFill>
             <a:schemeClr val="tx1"/>
@@ -6647,7 +3897,7 @@
           <a:cs typeface="+mn-cs"/>
         </a:defRPr>
       </a:lvl2pPr>
-      <a:lvl3pPr marL="914400" algn="l" defTabSz="457200" rtl="0" eaLnBrk="1" latinLnBrk="0" hangingPunct="1">
+      <a:lvl3pPr marL="914400" algn="l" defTabSz="914400" rtl="0" eaLnBrk="1" latinLnBrk="0" hangingPunct="1">
         <a:defRPr sz="1800" kern="1200">
           <a:solidFill>
             <a:schemeClr val="tx1"/>
@@ -6657,7 +3907,7 @@
           <a:cs typeface="+mn-cs"/>
         </a:defRPr>
       </a:lvl3pPr>
-      <a:lvl4pPr marL="1371600" algn="l" defTabSz="457200" rtl="0" eaLnBrk="1" latinLnBrk="0" hangingPunct="1">
+      <a:lvl4pPr marL="1371600" algn="l" defTabSz="914400" rtl="0" eaLnBrk="1" latinLnBrk="0" hangingPunct="1">
         <a:defRPr sz="1800" kern="1200">
           <a:solidFill>
             <a:schemeClr val="tx1"/>
@@ -6667,7 +3917,7 @@
           <a:cs typeface="+mn-cs"/>
         </a:defRPr>
       </a:lvl4pPr>
-      <a:lvl5pPr marL="1828800" algn="l" defTabSz="457200" rtl="0" eaLnBrk="1" latinLnBrk="0" hangingPunct="1">
+      <a:lvl5pPr marL="1828800" algn="l" defTabSz="914400" rtl="0" eaLnBrk="1" latinLnBrk="0" hangingPunct="1">
         <a:defRPr sz="1800" kern="1200">
           <a:solidFill>
             <a:schemeClr val="tx1"/>
@@ -6677,7 +3927,7 @@
           <a:cs typeface="+mn-cs"/>
         </a:defRPr>
       </a:lvl5pPr>
-      <a:lvl6pPr marL="2286000" algn="l" defTabSz="457200" rtl="0" eaLnBrk="1" latinLnBrk="0" hangingPunct="1">
+      <a:lvl6pPr marL="2286000" algn="l" defTabSz="914400" rtl="0" eaLnBrk="1" latinLnBrk="0" hangingPunct="1">
         <a:defRPr sz="1800" kern="1200">
           <a:solidFill>
             <a:schemeClr val="tx1"/>
@@ -6687,7 +3937,7 @@
           <a:cs typeface="+mn-cs"/>
         </a:defRPr>
       </a:lvl6pPr>
-      <a:lvl7pPr marL="2743200" algn="l" defTabSz="457200" rtl="0" eaLnBrk="1" latinLnBrk="0" hangingPunct="1">
+      <a:lvl7pPr marL="2743200" algn="l" defTabSz="914400" rtl="0" eaLnBrk="1" latinLnBrk="0" hangingPunct="1">
         <a:defRPr sz="1800" kern="1200">
           <a:solidFill>
             <a:schemeClr val="tx1"/>
@@ -6697,7 +3947,7 @@
           <a:cs typeface="+mn-cs"/>
         </a:defRPr>
       </a:lvl7pPr>
-      <a:lvl8pPr marL="3200400" algn="l" defTabSz="457200" rtl="0" eaLnBrk="1" latinLnBrk="0" hangingPunct="1">
+      <a:lvl8pPr marL="3200400" algn="l" defTabSz="914400" rtl="0" eaLnBrk="1" latinLnBrk="0" hangingPunct="1">
         <a:defRPr sz="1800" kern="1200">
           <a:solidFill>
             <a:schemeClr val="tx1"/>
@@ -6707,7 +3957,7 @@
           <a:cs typeface="+mn-cs"/>
         </a:defRPr>
       </a:lvl8pPr>
-      <a:lvl9pPr marL="3657600" algn="l" defTabSz="457200" rtl="0" eaLnBrk="1" latinLnBrk="0" hangingPunct="1">
+      <a:lvl9pPr marL="3657600" algn="l" defTabSz="914400" rtl="0" eaLnBrk="1" latinLnBrk="0" hangingPunct="1">
         <a:defRPr sz="1800" kern="1200">
           <a:solidFill>
             <a:schemeClr val="tx1"/>
@@ -6725,14 +3975,6 @@
 <file path=ppt/slides/slide1.xml><?xml version="1.0" encoding="utf-8"?>
 <p:sld xmlns:a="http://schemas.openxmlformats.org/drawingml/2006/main" xmlns:r="http://schemas.openxmlformats.org/officeDocument/2006/relationships" xmlns:p="http://schemas.openxmlformats.org/presentationml/2006/main">
   <p:cSld>
-    <p:bg>
-      <p:bgPr>
-        <a:solidFill>
-          <a:schemeClr val="bg1"/>
-        </a:solidFill>
-        <a:effectLst/>
-      </p:bgPr>
-    </p:bg>
     <p:spTree>
       <p:nvGrpSpPr>
         <p:cNvPr id="1" name=""/>
@@ -6791,7 +4033,12 @@
             <p:ph type="subTitle" idx="1"/>
           </p:nvPr>
         </p:nvSpPr>
-        <p:spPr/>
+        <p:spPr>
+          <a:xfrm>
+            <a:off x="1524000" y="3602038"/>
+            <a:ext cx="9144000" cy="1655762"/>
+          </a:xfrm>
+        </p:spPr>
         <p:txBody>
           <a:bodyPr/>
           <a:lstStyle/>
@@ -6803,6 +4050,53 @@
           </a:p>
         </p:txBody>
       </p:sp>
+      <p:pic>
+        <p:nvPicPr>
+          <p:cNvPr id="7" name="Picture 2" descr="https://lh3.googleusercontent.com/xim3WpIXO3zj6hwsI6YPeMiAO0bN3wF07maXk0a4WuDSC9N0JW5EQrFL0LU_WWbusVFXIh7TQ0SGi7b-_Xyx20bC8kVjlnDJIU9kEFYA6sJlLsD2e06gMtZG4OsKZTlaJmW4zL7qVIz-pna1eQ">
+            <a:extLst>
+              <a:ext uri="{FF2B5EF4-FFF2-40B4-BE49-F238E27FC236}">
+                <a16:creationId xmlns:a16="http://schemas.microsoft.com/office/drawing/2014/main" id="{24D90287-10E9-4761-A741-2C2D08DF4E29}"/>
+              </a:ext>
+            </a:extLst>
+          </p:cNvPr>
+          <p:cNvPicPr>
+            <a:picLocks noChangeAspect="1" noChangeArrowheads="1"/>
+          </p:cNvPicPr>
+          <p:nvPr/>
+        </p:nvPicPr>
+        <p:blipFill>
+          <a:blip r:embed="rId3">
+            <a:extLst>
+              <a:ext uri="{28A0092B-C50C-407E-A947-70E740481C1C}">
+                <a14:useLocalDpi xmlns:a14="http://schemas.microsoft.com/office/drawing/2010/main" val="0"/>
+              </a:ext>
+            </a:extLst>
+          </a:blip>
+          <a:srcRect/>
+          <a:stretch>
+            <a:fillRect/>
+          </a:stretch>
+        </p:blipFill>
+        <p:spPr bwMode="auto">
+          <a:xfrm>
+            <a:off x="9128006" y="3429000"/>
+            <a:ext cx="3631537" cy="3631537"/>
+          </a:xfrm>
+          <a:prstGeom prst="rect">
+            <a:avLst/>
+          </a:prstGeom>
+          <a:noFill/>
+          <a:extLst>
+            <a:ext uri="{909E8E84-426E-40DD-AFC4-6F175D3DCCD1}">
+              <a14:hiddenFill xmlns:a14="http://schemas.microsoft.com/office/drawing/2010/main">
+                <a:solidFill>
+                  <a:srgbClr val="FFFFFF"/>
+                </a:solidFill>
+              </a14:hiddenFill>
+            </a:ext>
+          </a:extLst>
+        </p:spPr>
+      </p:pic>
     </p:spTree>
     <p:extLst>
       <p:ext uri="{BB962C8B-B14F-4D97-AF65-F5344CB8AC3E}">
@@ -6813,6 +4107,199 @@
   <p:clrMapOvr>
     <a:masterClrMapping/>
   </p:clrMapOvr>
+  <mc:AlternateContent xmlns:mc="http://schemas.openxmlformats.org/markup-compatibility/2006">
+    <mc:Choice xmlns:p14="http://schemas.microsoft.com/office/powerpoint/2010/main" Requires="p14">
+      <p:transition spd="slow" p14:dur="2000" advTm="7956"/>
+    </mc:Choice>
+    <mc:Fallback>
+      <p:transition spd="slow" advTm="7956"/>
+    </mc:Fallback>
+  </mc:AlternateContent>
+</p:sld>
+</file>
+
+<file path=ppt/slides/slide10.xml><?xml version="1.0" encoding="utf-8"?>
+<p:sld xmlns:a="http://schemas.openxmlformats.org/drawingml/2006/main" xmlns:r="http://schemas.openxmlformats.org/officeDocument/2006/relationships" xmlns:p="http://schemas.openxmlformats.org/presentationml/2006/main">
+  <p:cSld>
+    <p:spTree>
+      <p:nvGrpSpPr>
+        <p:cNvPr id="1" name=""/>
+        <p:cNvGrpSpPr/>
+        <p:nvPr/>
+      </p:nvGrpSpPr>
+      <p:grpSpPr>
+        <a:xfrm>
+          <a:off x="0" y="0"/>
+          <a:ext cx="0" cy="0"/>
+          <a:chOff x="0" y="0"/>
+          <a:chExt cx="0" cy="0"/>
+        </a:xfrm>
+      </p:grpSpPr>
+      <p:sp>
+        <p:nvSpPr>
+          <p:cNvPr id="2" name="Título 1">
+            <a:extLst>
+              <a:ext uri="{FF2B5EF4-FFF2-40B4-BE49-F238E27FC236}">
+                <a16:creationId xmlns:a16="http://schemas.microsoft.com/office/drawing/2014/main" id="{AA9EFC50-8EAA-4D58-A6E5-E58EA42B8145}"/>
+              </a:ext>
+            </a:extLst>
+          </p:cNvPr>
+          <p:cNvSpPr>
+            <a:spLocks noGrp="1"/>
+          </p:cNvSpPr>
+          <p:nvPr>
+            <p:ph type="title"/>
+          </p:nvPr>
+        </p:nvSpPr>
+        <p:spPr/>
+        <p:txBody>
+          <a:bodyPr/>
+          <a:lstStyle/>
+          <a:p>
+            <a:r>
+              <a:rPr lang="pt-BR" dirty="0"/>
+              <a:t>SITE</a:t>
+            </a:r>
+          </a:p>
+        </p:txBody>
+      </p:sp>
+      <p:sp>
+        <p:nvSpPr>
+          <p:cNvPr id="3" name="Espaço Reservado para Conteúdo 2">
+            <a:extLst>
+              <a:ext uri="{FF2B5EF4-FFF2-40B4-BE49-F238E27FC236}">
+                <a16:creationId xmlns:a16="http://schemas.microsoft.com/office/drawing/2014/main" id="{D64E99A8-8A82-4C72-9501-42DF52460B64}"/>
+              </a:ext>
+            </a:extLst>
+          </p:cNvPr>
+          <p:cNvSpPr>
+            <a:spLocks noGrp="1"/>
+          </p:cNvSpPr>
+          <p:nvPr>
+            <p:ph idx="1"/>
+          </p:nvPr>
+        </p:nvSpPr>
+        <p:spPr/>
+        <p:txBody>
+          <a:bodyPr/>
+          <a:lstStyle/>
+          <a:p>
+            <a:r>
+              <a:rPr lang="pt-BR" dirty="0">
+                <a:solidFill>
+                  <a:schemeClr val="tx1"/>
+                </a:solidFill>
+                <a:hlinkClick r:id="rId2"/>
+              </a:rPr>
+              <a:t>http://opinembem.azurewebsites.net/</a:t>
+            </a:r>
+            <a:endParaRPr lang="pt-BR" dirty="0">
+              <a:solidFill>
+                <a:schemeClr val="tx1"/>
+              </a:solidFill>
+            </a:endParaRPr>
+          </a:p>
+        </p:txBody>
+      </p:sp>
+      <p:sp>
+        <p:nvSpPr>
+          <p:cNvPr id="4" name="Espaço Reservado para Número de Slide 3">
+            <a:extLst>
+              <a:ext uri="{FF2B5EF4-FFF2-40B4-BE49-F238E27FC236}">
+                <a16:creationId xmlns:a16="http://schemas.microsoft.com/office/drawing/2014/main" id="{E518A7CE-96DB-467C-BA9A-CC8D77FD5A61}"/>
+              </a:ext>
+            </a:extLst>
+          </p:cNvPr>
+          <p:cNvSpPr>
+            <a:spLocks noGrp="1"/>
+          </p:cNvSpPr>
+          <p:nvPr>
+            <p:ph type="sldNum" sz="quarter" idx="12"/>
+          </p:nvPr>
+        </p:nvSpPr>
+        <p:spPr>
+          <a:xfrm>
+            <a:off x="8172752" y="356539"/>
+            <a:ext cx="2743200" cy="365125"/>
+          </a:xfrm>
+        </p:spPr>
+        <p:txBody>
+          <a:bodyPr/>
+          <a:lstStyle/>
+          <a:p>
+            <a:fld id="{0B58B777-6F14-4B33-A736-8ADE909D690F}" type="slidenum">
+              <a:rPr lang="pt-BR" sz="1600" smtClean="0"/>
+              <a:t>10</a:t>
+            </a:fld>
+            <a:endParaRPr lang="pt-BR" dirty="0"/>
+          </a:p>
+        </p:txBody>
+      </p:sp>
+      <p:pic>
+        <p:nvPicPr>
+          <p:cNvPr id="5" name="Picture 2" descr="https://lh3.googleusercontent.com/xim3WpIXO3zj6hwsI6YPeMiAO0bN3wF07maXk0a4WuDSC9N0JW5EQrFL0LU_WWbusVFXIh7TQ0SGi7b-_Xyx20bC8kVjlnDJIU9kEFYA6sJlLsD2e06gMtZG4OsKZTlaJmW4zL7qVIz-pna1eQ">
+            <a:extLst>
+              <a:ext uri="{FF2B5EF4-FFF2-40B4-BE49-F238E27FC236}">
+                <a16:creationId xmlns:a16="http://schemas.microsoft.com/office/drawing/2014/main" id="{C9BBA8F9-3A9C-47F3-B381-4D377BED4BE9}"/>
+              </a:ext>
+            </a:extLst>
+          </p:cNvPr>
+          <p:cNvPicPr>
+            <a:picLocks noChangeAspect="1" noChangeArrowheads="1"/>
+          </p:cNvPicPr>
+          <p:nvPr/>
+        </p:nvPicPr>
+        <p:blipFill>
+          <a:blip r:embed="rId3">
+            <a:extLst>
+              <a:ext uri="{28A0092B-C50C-407E-A947-70E740481C1C}">
+                <a14:useLocalDpi xmlns:a14="http://schemas.microsoft.com/office/drawing/2010/main" val="0"/>
+              </a:ext>
+            </a:extLst>
+          </a:blip>
+          <a:srcRect/>
+          <a:stretch>
+            <a:fillRect/>
+          </a:stretch>
+        </p:blipFill>
+        <p:spPr bwMode="auto">
+          <a:xfrm>
+            <a:off x="9100184" y="3576983"/>
+            <a:ext cx="3631537" cy="3631537"/>
+          </a:xfrm>
+          <a:prstGeom prst="rect">
+            <a:avLst/>
+          </a:prstGeom>
+          <a:noFill/>
+          <a:extLst>
+            <a:ext uri="{909E8E84-426E-40DD-AFC4-6F175D3DCCD1}">
+              <a14:hiddenFill xmlns:a14="http://schemas.microsoft.com/office/drawing/2010/main">
+                <a:solidFill>
+                  <a:srgbClr val="FFFFFF"/>
+                </a:solidFill>
+              </a14:hiddenFill>
+            </a:ext>
+          </a:extLst>
+        </p:spPr>
+      </p:pic>
+    </p:spTree>
+    <p:extLst>
+      <p:ext uri="{BB962C8B-B14F-4D97-AF65-F5344CB8AC3E}">
+        <p14:creationId xmlns:p14="http://schemas.microsoft.com/office/powerpoint/2010/main" val="3340202125"/>
+      </p:ext>
+    </p:extLst>
+  </p:cSld>
+  <p:clrMapOvr>
+    <a:masterClrMapping/>
+  </p:clrMapOvr>
+  <mc:AlternateContent xmlns:mc="http://schemas.openxmlformats.org/markup-compatibility/2006">
+    <mc:Choice xmlns:p14="http://schemas.microsoft.com/office/powerpoint/2010/main" Requires="p14">
+      <p:transition spd="slow" p14:dur="2000" advTm="7926"/>
+    </mc:Choice>
+    <mc:Fallback>
+      <p:transition spd="slow" advTm="7926"/>
+    </mc:Fallback>
+  </mc:AlternateContent>
 </p:sld>
 </file>
 
@@ -6884,20 +4371,54 @@
           <a:p>
             <a:r>
               <a:rPr lang="pt-BR" dirty="0"/>
-              <a:t>SITE;</a:t>
+              <a:t>Projetos de lei;</a:t>
             </a:r>
           </a:p>
           <a:p>
             <a:r>
               <a:rPr lang="pt-BR" dirty="0"/>
-              <a:t>DESTINADO A ELEITORES;</a:t>
+              <a:t>Site;</a:t>
             </a:r>
           </a:p>
           <a:p>
             <a:r>
               <a:rPr lang="pt-BR" dirty="0"/>
-              <a:t>PROJETOS DE LEI.</a:t>
-            </a:r>
+              <a:t>Destinado a eleitores.</a:t>
+            </a:r>
+          </a:p>
+        </p:txBody>
+      </p:sp>
+      <p:sp>
+        <p:nvSpPr>
+          <p:cNvPr id="6" name="Espaço Reservado para Número de Slide 5">
+            <a:extLst>
+              <a:ext uri="{FF2B5EF4-FFF2-40B4-BE49-F238E27FC236}">
+                <a16:creationId xmlns:a16="http://schemas.microsoft.com/office/drawing/2014/main" id="{51FB4BC7-F6FA-4BE6-AD5C-05EE96E1D412}"/>
+              </a:ext>
+            </a:extLst>
+          </p:cNvPr>
+          <p:cNvSpPr>
+            <a:spLocks noGrp="1"/>
+          </p:cNvSpPr>
+          <p:nvPr>
+            <p:ph type="sldNum" sz="quarter" idx="12"/>
+          </p:nvPr>
+        </p:nvSpPr>
+        <p:spPr>
+          <a:xfrm>
+            <a:off x="10260436" y="244475"/>
+            <a:ext cx="683339" cy="365125"/>
+          </a:xfrm>
+        </p:spPr>
+        <p:txBody>
+          <a:bodyPr/>
+          <a:lstStyle/>
+          <a:p>
+            <a:fld id="{0B58B777-6F14-4B33-A736-8ADE909D690F}" type="slidenum">
+              <a:rPr lang="pt-BR" sz="1600" smtClean="0"/>
+              <a:t>2</a:t>
+            </a:fld>
+            <a:endParaRPr lang="pt-BR" dirty="0"/>
           </a:p>
         </p:txBody>
       </p:sp>
@@ -6930,7 +4451,7 @@
         </p:blipFill>
         <p:spPr bwMode="auto">
           <a:xfrm>
-            <a:off x="5076824" y="2409824"/>
+            <a:off x="9128006" y="3429000"/>
             <a:ext cx="3631537" cy="3631537"/>
           </a:xfrm>
           <a:prstGeom prst="rect">
@@ -6948,40 +4469,6 @@
           </a:extLst>
         </p:spPr>
       </p:pic>
-      <p:sp>
-        <p:nvSpPr>
-          <p:cNvPr id="6" name="Espaço Reservado para Número de Slide 5">
-            <a:extLst>
-              <a:ext uri="{FF2B5EF4-FFF2-40B4-BE49-F238E27FC236}">
-                <a16:creationId xmlns:a16="http://schemas.microsoft.com/office/drawing/2014/main" id="{51FB4BC7-F6FA-4BE6-AD5C-05EE96E1D412}"/>
-              </a:ext>
-            </a:extLst>
-          </p:cNvPr>
-          <p:cNvSpPr>
-            <a:spLocks noGrp="1"/>
-          </p:cNvSpPr>
-          <p:nvPr>
-            <p:ph type="sldNum" sz="quarter" idx="12"/>
-          </p:nvPr>
-        </p:nvSpPr>
-        <p:spPr>
-          <a:xfrm>
-            <a:off x="10260436" y="244475"/>
-            <a:ext cx="683339" cy="365125"/>
-          </a:xfrm>
-        </p:spPr>
-        <p:txBody>
-          <a:bodyPr/>
-          <a:lstStyle/>
-          <a:p>
-            <a:fld id="{0B58B777-6F14-4B33-A736-8ADE909D690F}" type="slidenum">
-              <a:rPr lang="pt-BR" smtClean="0"/>
-              <a:t>2</a:t>
-            </a:fld>
-            <a:endParaRPr lang="pt-BR" dirty="0"/>
-          </a:p>
-        </p:txBody>
-      </p:sp>
     </p:spTree>
     <p:extLst>
       <p:ext uri="{BB962C8B-B14F-4D97-AF65-F5344CB8AC3E}">
@@ -6992,6 +4479,14 @@
   <p:clrMapOvr>
     <a:masterClrMapping/>
   </p:clrMapOvr>
+  <mc:AlternateContent xmlns:mc="http://schemas.openxmlformats.org/markup-compatibility/2006">
+    <mc:Choice xmlns:p14="http://schemas.microsoft.com/office/powerpoint/2010/main" Requires="p14">
+      <p:transition spd="slow" p14:dur="2000" advTm="438"/>
+    </mc:Choice>
+    <mc:Fallback>
+      <p:transition spd="slow" advTm="438"/>
+    </mc:Fallback>
+  </mc:AlternateContent>
 </p:sld>
 </file>
 
@@ -7030,7 +4525,7 @@
         </p:nvSpPr>
         <p:spPr>
           <a:xfrm>
-            <a:off x="677334" y="622852"/>
+            <a:off x="677334" y="470452"/>
             <a:ext cx="8596668" cy="1320800"/>
           </a:xfrm>
         </p:spPr>
@@ -7071,9 +4566,24 @@
           <a:bodyPr/>
           <a:lstStyle/>
           <a:p>
+            <a:pPr algn="just"/>
             <a:r>
               <a:rPr lang="pt-BR" dirty="0"/>
-              <a:t>Como proporcionar um site em que os próprios usuários, sendo eleitores e que procuram solucionar as necessidades da população, possam escrever projetos de lei dando “ideias”, sugestões e, além disso, para que possam decidir se os projetos de lei cadastrados são ou não relevantes para suprir as dependências e as pretensões dos cidadãos?</a:t>
+              <a:t>Principal problema é a crise na representatividade política;</a:t>
+            </a:r>
+          </a:p>
+          <a:p>
+            <a:pPr algn="just"/>
+            <a:r>
+              <a:rPr lang="pt-BR" dirty="0"/>
+              <a:t>Brasil;</a:t>
+            </a:r>
+          </a:p>
+          <a:p>
+            <a:pPr algn="just"/>
+            <a:r>
+              <a:rPr lang="pt-BR" dirty="0"/>
+              <a:t>Cidadãos para ajudar na resolução do problema.</a:t>
             </a:r>
           </a:p>
         </p:txBody>
@@ -7105,13 +4615,60 @@
           <a:lstStyle/>
           <a:p>
             <a:fld id="{0B58B777-6F14-4B33-A736-8ADE909D690F}" type="slidenum">
-              <a:rPr lang="pt-BR" smtClean="0"/>
+              <a:rPr lang="pt-BR" sz="1600" smtClean="0"/>
               <a:t>3</a:t>
             </a:fld>
-            <a:endParaRPr lang="pt-BR" dirty="0"/>
-          </a:p>
-        </p:txBody>
-      </p:sp>
+            <a:endParaRPr lang="pt-BR" sz="1600" dirty="0"/>
+          </a:p>
+        </p:txBody>
+      </p:sp>
+      <p:pic>
+        <p:nvPicPr>
+          <p:cNvPr id="5" name="Picture 2" descr="https://lh3.googleusercontent.com/xim3WpIXO3zj6hwsI6YPeMiAO0bN3wF07maXk0a4WuDSC9N0JW5EQrFL0LU_WWbusVFXIh7TQ0SGi7b-_Xyx20bC8kVjlnDJIU9kEFYA6sJlLsD2e06gMtZG4OsKZTlaJmW4zL7qVIz-pna1eQ">
+            <a:extLst>
+              <a:ext uri="{FF2B5EF4-FFF2-40B4-BE49-F238E27FC236}">
+                <a16:creationId xmlns:a16="http://schemas.microsoft.com/office/drawing/2014/main" id="{90EE2E8C-F626-4BB4-87D7-7656FECB580E}"/>
+              </a:ext>
+            </a:extLst>
+          </p:cNvPr>
+          <p:cNvPicPr>
+            <a:picLocks noChangeAspect="1" noChangeArrowheads="1"/>
+          </p:cNvPicPr>
+          <p:nvPr/>
+        </p:nvPicPr>
+        <p:blipFill>
+          <a:blip r:embed="rId3">
+            <a:extLst>
+              <a:ext uri="{28A0092B-C50C-407E-A947-70E740481C1C}">
+                <a14:useLocalDpi xmlns:a14="http://schemas.microsoft.com/office/drawing/2010/main" val="0"/>
+              </a:ext>
+            </a:extLst>
+          </a:blip>
+          <a:srcRect/>
+          <a:stretch>
+            <a:fillRect/>
+          </a:stretch>
+        </p:blipFill>
+        <p:spPr bwMode="auto">
+          <a:xfrm>
+            <a:off x="9128007" y="3429000"/>
+            <a:ext cx="3631537" cy="3631537"/>
+          </a:xfrm>
+          <a:prstGeom prst="rect">
+            <a:avLst/>
+          </a:prstGeom>
+          <a:noFill/>
+          <a:extLst>
+            <a:ext uri="{909E8E84-426E-40DD-AFC4-6F175D3DCCD1}">
+              <a14:hiddenFill xmlns:a14="http://schemas.microsoft.com/office/drawing/2010/main">
+                <a:solidFill>
+                  <a:srgbClr val="FFFFFF"/>
+                </a:solidFill>
+              </a14:hiddenFill>
+            </a:ext>
+          </a:extLst>
+        </p:spPr>
+      </p:pic>
     </p:spTree>
     <p:extLst>
       <p:ext uri="{BB962C8B-B14F-4D97-AF65-F5344CB8AC3E}">
@@ -7122,6 +4679,14 @@
   <p:clrMapOvr>
     <a:masterClrMapping/>
   </p:clrMapOvr>
+  <mc:AlternateContent xmlns:mc="http://schemas.openxmlformats.org/markup-compatibility/2006">
+    <mc:Choice xmlns:p14="http://schemas.microsoft.com/office/powerpoint/2010/main" Requires="p14">
+      <p:transition spd="slow" p14:dur="2000" advTm="973"/>
+    </mc:Choice>
+    <mc:Fallback>
+      <p:transition spd="slow" advTm="973"/>
+    </mc:Fallback>
+  </mc:AlternateContent>
 </p:sld>
 </file>
 
@@ -7186,7 +4751,12 @@
             <p:ph idx="1"/>
           </p:nvPr>
         </p:nvSpPr>
-        <p:spPr/>
+        <p:spPr>
+          <a:xfrm>
+            <a:off x="838200" y="1825625"/>
+            <a:ext cx="8610600" cy="4351338"/>
+          </a:xfrm>
+        </p:spPr>
         <p:txBody>
           <a:bodyPr/>
           <a:lstStyle/>
@@ -7194,7 +4764,7 @@
             <a:pPr algn="just"/>
             <a:r>
               <a:rPr lang="pt-BR" dirty="0"/>
-              <a:t>O sistema tem como objetivo exibir projetos de lei que os próprios usuários cadastraram de acordo com as categorias existentes, as suas vantagens e desvantagens para que os outros usuários conheçam e também, no intuito que ajudem na vida cotidiana dos cidadãos. O site então mostrará para os usuários os projetos de leis que foram cadastrados e assim, eles poderão votar verificando a relevância desse projeto para a sociedade, comentando e dando opiniões e sugestões para melhorar o projeto de lei. </a:t>
+              <a:t>Foi criado o site para que usuários tenham uma importante relação entre a criação de “ideias” para melhoria da sociedade;</a:t>
             </a:r>
           </a:p>
         </p:txBody>
@@ -7226,13 +4796,60 @@
           <a:lstStyle/>
           <a:p>
             <a:fld id="{0B58B777-6F14-4B33-A736-8ADE909D690F}" type="slidenum">
-              <a:rPr lang="pt-BR" smtClean="0"/>
+              <a:rPr lang="pt-BR" sz="1600" smtClean="0"/>
               <a:t>4</a:t>
             </a:fld>
             <a:endParaRPr lang="pt-BR" dirty="0"/>
           </a:p>
         </p:txBody>
       </p:sp>
+      <p:pic>
+        <p:nvPicPr>
+          <p:cNvPr id="5" name="Picture 2" descr="https://lh3.googleusercontent.com/xim3WpIXO3zj6hwsI6YPeMiAO0bN3wF07maXk0a4WuDSC9N0JW5EQrFL0LU_WWbusVFXIh7TQ0SGi7b-_Xyx20bC8kVjlnDJIU9kEFYA6sJlLsD2e06gMtZG4OsKZTlaJmW4zL7qVIz-pna1eQ">
+            <a:extLst>
+              <a:ext uri="{FF2B5EF4-FFF2-40B4-BE49-F238E27FC236}">
+                <a16:creationId xmlns:a16="http://schemas.microsoft.com/office/drawing/2014/main" id="{4091EFBE-5633-43AB-8BF9-BE6E2987BF64}"/>
+              </a:ext>
+            </a:extLst>
+          </p:cNvPr>
+          <p:cNvPicPr>
+            <a:picLocks noChangeAspect="1" noChangeArrowheads="1"/>
+          </p:cNvPicPr>
+          <p:nvPr/>
+        </p:nvPicPr>
+        <p:blipFill>
+          <a:blip r:embed="rId3">
+            <a:extLst>
+              <a:ext uri="{28A0092B-C50C-407E-A947-70E740481C1C}">
+                <a14:useLocalDpi xmlns:a14="http://schemas.microsoft.com/office/drawing/2010/main" val="0"/>
+              </a:ext>
+            </a:extLst>
+          </a:blip>
+          <a:srcRect/>
+          <a:stretch>
+            <a:fillRect/>
+          </a:stretch>
+        </p:blipFill>
+        <p:spPr bwMode="auto">
+          <a:xfrm>
+            <a:off x="9101504" y="3429000"/>
+            <a:ext cx="3631537" cy="3631537"/>
+          </a:xfrm>
+          <a:prstGeom prst="rect">
+            <a:avLst/>
+          </a:prstGeom>
+          <a:noFill/>
+          <a:extLst>
+            <a:ext uri="{909E8E84-426E-40DD-AFC4-6F175D3DCCD1}">
+              <a14:hiddenFill xmlns:a14="http://schemas.microsoft.com/office/drawing/2010/main">
+                <a:solidFill>
+                  <a:srgbClr val="FFFFFF"/>
+                </a:solidFill>
+              </a14:hiddenFill>
+            </a:ext>
+          </a:extLst>
+        </p:spPr>
+      </p:pic>
     </p:spTree>
     <p:extLst>
       <p:ext uri="{BB962C8B-B14F-4D97-AF65-F5344CB8AC3E}">
@@ -7243,6 +4860,14 @@
   <p:clrMapOvr>
     <a:masterClrMapping/>
   </p:clrMapOvr>
+  <mc:AlternateContent xmlns:mc="http://schemas.openxmlformats.org/markup-compatibility/2006">
+    <mc:Choice xmlns:p14="http://schemas.microsoft.com/office/powerpoint/2010/main" Requires="p14">
+      <p:transition spd="slow" p14:dur="2000" advTm="13912"/>
+    </mc:Choice>
+    <mc:Fallback>
+      <p:transition spd="slow" advTm="13912"/>
+    </mc:Fallback>
+  </mc:AlternateContent>
 </p:sld>
 </file>
 
@@ -7286,7 +4911,7 @@
           <a:p>
             <a:r>
               <a:rPr lang="pt-BR" dirty="0"/>
-              <a:t>OBJETIVOS</a:t>
+              <a:t>OBJETIVOS ESPECÍFICOS</a:t>
             </a:r>
           </a:p>
         </p:txBody>
@@ -7307,43 +4932,50 @@
             <p:ph idx="1"/>
           </p:nvPr>
         </p:nvSpPr>
-        <p:spPr/>
-        <p:txBody>
-          <a:bodyPr/>
+        <p:spPr>
+          <a:xfrm>
+            <a:off x="838200" y="1825625"/>
+            <a:ext cx="8412480" cy="4026535"/>
+          </a:xfrm>
+        </p:spPr>
+        <p:txBody>
+          <a:bodyPr>
+            <a:normAutofit/>
+          </a:bodyPr>
           <a:lstStyle/>
           <a:p>
             <a:pPr lvl="0" algn="just"/>
             <a:r>
               <a:rPr lang="pt-BR" dirty="0"/>
-              <a:t>Facilitar o cadastro de projetos de leis com descrição, suas vantagens, desvantagens dentro de uma categoria específica por eleitores;</a:t>
+              <a:t>Facilitar o cadastro de projetos de leis;</a:t>
             </a:r>
           </a:p>
           <a:p>
             <a:pPr lvl="0" algn="just"/>
             <a:r>
               <a:rPr lang="pt-BR" dirty="0"/>
-              <a:t>Oportunizar a possibilidade de voto demonstrando se é relevante ou não determinado projeto;</a:t>
+              <a:t>Oportunizar a possibilidade de voto;</a:t>
             </a:r>
           </a:p>
           <a:p>
             <a:pPr lvl="0" algn="just"/>
             <a:r>
               <a:rPr lang="pt-BR" dirty="0"/>
-              <a:t>Haver o gerenciamento dos projetos de lei pelo administrador, de forma que ele controle os projetos que são enviados ao sistema;</a:t>
+              <a:t>Haver o gerenciamento dos projetos de lei pelo administrador;</a:t>
             </a:r>
           </a:p>
           <a:p>
             <a:pPr lvl="0" algn="just"/>
             <a:r>
               <a:rPr lang="pt-BR" dirty="0"/>
-              <a:t>Quantificar os votos feitos pelos usuários e assim, demonstrar em um gráfico;</a:t>
+              <a:t>Quantificar os votos;</a:t>
             </a:r>
           </a:p>
           <a:p>
             <a:pPr lvl="0" algn="just"/>
             <a:r>
               <a:rPr lang="pt-BR" dirty="0"/>
-              <a:t>Proporcionar aos usuários que exponham opiniões e sugestões sobre os projetos de lei.</a:t>
+              <a:t>Proporcionar aos usuários que realizem comentários.</a:t>
             </a:r>
           </a:p>
         </p:txBody>
@@ -7375,13 +5007,60 @@
           <a:lstStyle/>
           <a:p>
             <a:fld id="{0B58B777-6F14-4B33-A736-8ADE909D690F}" type="slidenum">
-              <a:rPr lang="pt-BR" smtClean="0"/>
+              <a:rPr lang="pt-BR" sz="1600" smtClean="0"/>
               <a:t>5</a:t>
             </a:fld>
             <a:endParaRPr lang="pt-BR" dirty="0"/>
           </a:p>
         </p:txBody>
       </p:sp>
+      <p:pic>
+        <p:nvPicPr>
+          <p:cNvPr id="5" name="Picture 2" descr="https://lh3.googleusercontent.com/xim3WpIXO3zj6hwsI6YPeMiAO0bN3wF07maXk0a4WuDSC9N0JW5EQrFL0LU_WWbusVFXIh7TQ0SGi7b-_Xyx20bC8kVjlnDJIU9kEFYA6sJlLsD2e06gMtZG4OsKZTlaJmW4zL7qVIz-pna1eQ">
+            <a:extLst>
+              <a:ext uri="{FF2B5EF4-FFF2-40B4-BE49-F238E27FC236}">
+                <a16:creationId xmlns:a16="http://schemas.microsoft.com/office/drawing/2014/main" id="{AE321AAA-40DC-43FE-8121-B2CDBFE730C5}"/>
+              </a:ext>
+            </a:extLst>
+          </p:cNvPr>
+          <p:cNvPicPr>
+            <a:picLocks noChangeAspect="1" noChangeArrowheads="1"/>
+          </p:cNvPicPr>
+          <p:nvPr/>
+        </p:nvPicPr>
+        <p:blipFill>
+          <a:blip r:embed="rId2">
+            <a:extLst>
+              <a:ext uri="{28A0092B-C50C-407E-A947-70E740481C1C}">
+                <a14:useLocalDpi xmlns:a14="http://schemas.microsoft.com/office/drawing/2010/main" val="0"/>
+              </a:ext>
+            </a:extLst>
+          </a:blip>
+          <a:srcRect/>
+          <a:stretch>
+            <a:fillRect/>
+          </a:stretch>
+        </p:blipFill>
+        <p:spPr bwMode="auto">
+          <a:xfrm>
+            <a:off x="9101503" y="3429000"/>
+            <a:ext cx="3631537" cy="3631537"/>
+          </a:xfrm>
+          <a:prstGeom prst="rect">
+            <a:avLst/>
+          </a:prstGeom>
+          <a:noFill/>
+          <a:extLst>
+            <a:ext uri="{909E8E84-426E-40DD-AFC4-6F175D3DCCD1}">
+              <a14:hiddenFill xmlns:a14="http://schemas.microsoft.com/office/drawing/2010/main">
+                <a:solidFill>
+                  <a:srgbClr val="FFFFFF"/>
+                </a:solidFill>
+              </a14:hiddenFill>
+            </a:ext>
+          </a:extLst>
+        </p:spPr>
+      </p:pic>
     </p:spTree>
     <p:extLst>
       <p:ext uri="{BB962C8B-B14F-4D97-AF65-F5344CB8AC3E}">
@@ -7392,6 +5071,14 @@
   <p:clrMapOvr>
     <a:masterClrMapping/>
   </p:clrMapOvr>
+  <mc:AlternateContent xmlns:mc="http://schemas.openxmlformats.org/markup-compatibility/2006">
+    <mc:Choice xmlns:p14="http://schemas.microsoft.com/office/powerpoint/2010/main" Requires="p14">
+      <p:transition spd="slow" p14:dur="2000" advTm="78464"/>
+    </mc:Choice>
+    <mc:Fallback>
+      <p:transition spd="slow" advTm="78464"/>
+    </mc:Fallback>
+  </mc:AlternateContent>
 </p:sld>
 </file>
 
@@ -7417,142 +5104,6 @@
           <p:cNvPr id="2" name="Título 1">
             <a:extLst>
               <a:ext uri="{FF2B5EF4-FFF2-40B4-BE49-F238E27FC236}">
-                <a16:creationId xmlns:a16="http://schemas.microsoft.com/office/drawing/2014/main" id="{7B3882A4-8CDD-4CC6-87F4-DB7DA829E276}"/>
-              </a:ext>
-            </a:extLst>
-          </p:cNvPr>
-          <p:cNvSpPr>
-            <a:spLocks noGrp="1"/>
-          </p:cNvSpPr>
-          <p:nvPr>
-            <p:ph type="title"/>
-          </p:nvPr>
-        </p:nvSpPr>
-        <p:spPr/>
-        <p:txBody>
-          <a:bodyPr/>
-          <a:lstStyle/>
-          <a:p>
-            <a:r>
-              <a:rPr lang="pt-BR" dirty="0"/>
-              <a:t>DESENVOLVIMENTO</a:t>
-            </a:r>
-          </a:p>
-        </p:txBody>
-      </p:sp>
-      <p:sp>
-        <p:nvSpPr>
-          <p:cNvPr id="3" name="Espaço Reservado para Conteúdo 2">
-            <a:extLst>
-              <a:ext uri="{FF2B5EF4-FFF2-40B4-BE49-F238E27FC236}">
-                <a16:creationId xmlns:a16="http://schemas.microsoft.com/office/drawing/2014/main" id="{65B4026E-BC73-47DD-8B3D-3487FD79647D}"/>
-              </a:ext>
-            </a:extLst>
-          </p:cNvPr>
-          <p:cNvSpPr>
-            <a:spLocks noGrp="1"/>
-          </p:cNvSpPr>
-          <p:nvPr>
-            <p:ph idx="1"/>
-          </p:nvPr>
-        </p:nvSpPr>
-        <p:spPr/>
-        <p:txBody>
-          <a:bodyPr/>
-          <a:lstStyle/>
-          <a:p>
-            <a:r>
-              <a:rPr lang="pt-BR" dirty="0"/>
-              <a:t>VISUAL STUDIO;</a:t>
-            </a:r>
-          </a:p>
-          <a:p>
-            <a:r>
-              <a:rPr lang="pt-BR" dirty="0"/>
-              <a:t>SQL SERVER;</a:t>
-            </a:r>
-          </a:p>
-          <a:p>
-            <a:r>
-              <a:rPr lang="pt-BR" dirty="0"/>
-              <a:t>ASTAH COMMUNITY;</a:t>
-            </a:r>
-          </a:p>
-          <a:p>
-            <a:endParaRPr lang="pt-BR" dirty="0"/>
-          </a:p>
-          <a:p>
-            <a:pPr marL="0" indent="0">
-              <a:buNone/>
-            </a:pPr>
-            <a:endParaRPr lang="pt-BR" dirty="0"/>
-          </a:p>
-        </p:txBody>
-      </p:sp>
-      <p:sp>
-        <p:nvSpPr>
-          <p:cNvPr id="4" name="Espaço Reservado para Número de Slide 3">
-            <a:extLst>
-              <a:ext uri="{FF2B5EF4-FFF2-40B4-BE49-F238E27FC236}">
-                <a16:creationId xmlns:a16="http://schemas.microsoft.com/office/drawing/2014/main" id="{C87DA70A-8315-4A80-A9DF-4B772328FD29}"/>
-              </a:ext>
-            </a:extLst>
-          </p:cNvPr>
-          <p:cNvSpPr>
-            <a:spLocks noGrp="1"/>
-          </p:cNvSpPr>
-          <p:nvPr>
-            <p:ph type="sldNum" sz="quarter" idx="12"/>
-          </p:nvPr>
-        </p:nvSpPr>
-        <p:spPr/>
-        <p:txBody>
-          <a:bodyPr/>
-          <a:lstStyle/>
-          <a:p>
-            <a:fld id="{0B58B777-6F14-4B33-A736-8ADE909D690F}" type="slidenum">
-              <a:rPr lang="pt-BR" smtClean="0"/>
-              <a:t>6</a:t>
-            </a:fld>
-            <a:endParaRPr lang="pt-BR"/>
-          </a:p>
-        </p:txBody>
-      </p:sp>
-    </p:spTree>
-    <p:extLst>
-      <p:ext uri="{BB962C8B-B14F-4D97-AF65-F5344CB8AC3E}">
-        <p14:creationId xmlns:p14="http://schemas.microsoft.com/office/powerpoint/2010/main" val="214631627"/>
-      </p:ext>
-    </p:extLst>
-  </p:cSld>
-  <p:clrMapOvr>
-    <a:masterClrMapping/>
-  </p:clrMapOvr>
-</p:sld>
-</file>
-
-<file path=ppt/slides/slide7.xml><?xml version="1.0" encoding="utf-8"?>
-<p:sld xmlns:a="http://schemas.openxmlformats.org/drawingml/2006/main" xmlns:r="http://schemas.openxmlformats.org/officeDocument/2006/relationships" xmlns:p="http://schemas.openxmlformats.org/presentationml/2006/main">
-  <p:cSld>
-    <p:spTree>
-      <p:nvGrpSpPr>
-        <p:cNvPr id="1" name=""/>
-        <p:cNvGrpSpPr/>
-        <p:nvPr/>
-      </p:nvGrpSpPr>
-      <p:grpSpPr>
-        <a:xfrm>
-          <a:off x="0" y="0"/>
-          <a:ext cx="0" cy="0"/>
-          <a:chOff x="0" y="0"/>
-          <a:chExt cx="0" cy="0"/>
-        </a:xfrm>
-      </p:grpSpPr>
-      <p:sp>
-        <p:nvSpPr>
-          <p:cNvPr id="2" name="Título 1">
-            <a:extLst>
-              <a:ext uri="{FF2B5EF4-FFF2-40B4-BE49-F238E27FC236}">
                 <a16:creationId xmlns:a16="http://schemas.microsoft.com/office/drawing/2014/main" id="{4558DD99-84E7-434E-A208-F74E29DBC747}"/>
               </a:ext>
             </a:extLst>
@@ -7573,6 +5124,40 @@
               <a:rPr lang="pt-BR" dirty="0"/>
               <a:t>DIAGRAMA DE CASO DE USO</a:t>
             </a:r>
+          </a:p>
+        </p:txBody>
+      </p:sp>
+      <p:sp>
+        <p:nvSpPr>
+          <p:cNvPr id="9" name="Espaço Reservado para Número de Slide 8">
+            <a:extLst>
+              <a:ext uri="{FF2B5EF4-FFF2-40B4-BE49-F238E27FC236}">
+                <a16:creationId xmlns:a16="http://schemas.microsoft.com/office/drawing/2014/main" id="{5924FCA2-D41C-44D4-BEC7-EB8323309D56}"/>
+              </a:ext>
+            </a:extLst>
+          </p:cNvPr>
+          <p:cNvSpPr>
+            <a:spLocks noGrp="1"/>
+          </p:cNvSpPr>
+          <p:nvPr>
+            <p:ph type="sldNum" sz="quarter" idx="12"/>
+          </p:nvPr>
+        </p:nvSpPr>
+        <p:spPr>
+          <a:xfrm>
+            <a:off x="10247184" y="244475"/>
+            <a:ext cx="683339" cy="365125"/>
+          </a:xfrm>
+        </p:spPr>
+        <p:txBody>
+          <a:bodyPr/>
+          <a:lstStyle/>
+          <a:p>
+            <a:fld id="{0B58B777-6F14-4B33-A736-8ADE909D690F}" type="slidenum">
+              <a:rPr lang="pt-BR" sz="1600" smtClean="0"/>
+              <a:t>6</a:t>
+            </a:fld>
+            <a:endParaRPr lang="pt-BR" dirty="0"/>
           </a:p>
         </p:txBody>
       </p:sp>
@@ -7612,40 +5197,6 @@
           </a:prstGeom>
         </p:spPr>
       </p:pic>
-      <p:sp>
-        <p:nvSpPr>
-          <p:cNvPr id="9" name="Espaço Reservado para Número de Slide 8">
-            <a:extLst>
-              <a:ext uri="{FF2B5EF4-FFF2-40B4-BE49-F238E27FC236}">
-                <a16:creationId xmlns:a16="http://schemas.microsoft.com/office/drawing/2014/main" id="{5924FCA2-D41C-44D4-BEC7-EB8323309D56}"/>
-              </a:ext>
-            </a:extLst>
-          </p:cNvPr>
-          <p:cNvSpPr>
-            <a:spLocks noGrp="1"/>
-          </p:cNvSpPr>
-          <p:nvPr>
-            <p:ph type="sldNum" sz="quarter" idx="12"/>
-          </p:nvPr>
-        </p:nvSpPr>
-        <p:spPr>
-          <a:xfrm>
-            <a:off x="10247184" y="244475"/>
-            <a:ext cx="683339" cy="365125"/>
-          </a:xfrm>
-        </p:spPr>
-        <p:txBody>
-          <a:bodyPr/>
-          <a:lstStyle/>
-          <a:p>
-            <a:fld id="{0B58B777-6F14-4B33-A736-8ADE909D690F}" type="slidenum">
-              <a:rPr lang="pt-BR" smtClean="0"/>
-              <a:t>7</a:t>
-            </a:fld>
-            <a:endParaRPr lang="pt-BR" dirty="0"/>
-          </a:p>
-        </p:txBody>
-      </p:sp>
     </p:spTree>
     <p:extLst>
       <p:ext uri="{BB962C8B-B14F-4D97-AF65-F5344CB8AC3E}">
@@ -7656,6 +5207,208 @@
   <p:clrMapOvr>
     <a:masterClrMapping/>
   </p:clrMapOvr>
+  <mc:AlternateContent xmlns:mc="http://schemas.openxmlformats.org/markup-compatibility/2006">
+    <mc:Choice xmlns:p14="http://schemas.microsoft.com/office/powerpoint/2010/main" Requires="p14">
+      <p:transition spd="slow" p14:dur="2000" advTm="86964"/>
+    </mc:Choice>
+    <mc:Fallback>
+      <p:transition spd="slow" advTm="86964"/>
+    </mc:Fallback>
+  </mc:AlternateContent>
+</p:sld>
+</file>
+
+<file path=ppt/slides/slide7.xml><?xml version="1.0" encoding="utf-8"?>
+<p:sld xmlns:a="http://schemas.openxmlformats.org/drawingml/2006/main" xmlns:r="http://schemas.openxmlformats.org/officeDocument/2006/relationships" xmlns:p="http://schemas.openxmlformats.org/presentationml/2006/main">
+  <p:cSld>
+    <p:spTree>
+      <p:nvGrpSpPr>
+        <p:cNvPr id="1" name=""/>
+        <p:cNvGrpSpPr/>
+        <p:nvPr/>
+      </p:nvGrpSpPr>
+      <p:grpSpPr>
+        <a:xfrm>
+          <a:off x="0" y="0"/>
+          <a:ext cx="0" cy="0"/>
+          <a:chOff x="0" y="0"/>
+          <a:chExt cx="0" cy="0"/>
+        </a:xfrm>
+      </p:grpSpPr>
+      <p:sp>
+        <p:nvSpPr>
+          <p:cNvPr id="2" name="Título 1">
+            <a:extLst>
+              <a:ext uri="{FF2B5EF4-FFF2-40B4-BE49-F238E27FC236}">
+                <a16:creationId xmlns:a16="http://schemas.microsoft.com/office/drawing/2014/main" id="{CE75E23B-6218-456B-AC63-6C1B2B3E965B}"/>
+              </a:ext>
+            </a:extLst>
+          </p:cNvPr>
+          <p:cNvSpPr>
+            <a:spLocks noGrp="1"/>
+          </p:cNvSpPr>
+          <p:nvPr>
+            <p:ph type="title"/>
+          </p:nvPr>
+        </p:nvSpPr>
+        <p:spPr/>
+        <p:txBody>
+          <a:bodyPr/>
+          <a:lstStyle/>
+          <a:p>
+            <a:r>
+              <a:rPr lang="pt-BR" dirty="0"/>
+              <a:t>PRINCIPAIS FUNCONALIDADES</a:t>
+            </a:r>
+          </a:p>
+        </p:txBody>
+      </p:sp>
+      <p:sp>
+        <p:nvSpPr>
+          <p:cNvPr id="3" name="Espaço Reservado para Conteúdo 2">
+            <a:extLst>
+              <a:ext uri="{FF2B5EF4-FFF2-40B4-BE49-F238E27FC236}">
+                <a16:creationId xmlns:a16="http://schemas.microsoft.com/office/drawing/2014/main" id="{87448592-20B1-4E3E-8F41-940E9945FBFA}"/>
+              </a:ext>
+            </a:extLst>
+          </p:cNvPr>
+          <p:cNvSpPr>
+            <a:spLocks noGrp="1"/>
+          </p:cNvSpPr>
+          <p:nvPr>
+            <p:ph sz="half" idx="1"/>
+          </p:nvPr>
+        </p:nvSpPr>
+        <p:spPr/>
+        <p:txBody>
+          <a:bodyPr/>
+          <a:lstStyle/>
+          <a:p>
+            <a:r>
+              <a:rPr lang="pt-BR" dirty="0"/>
+              <a:t>USUÁRIO:</a:t>
+            </a:r>
+          </a:p>
+          <a:p>
+            <a:pPr marL="533400">
+              <a:buFont typeface="Wingdings" panose="05000000000000000000" pitchFamily="2" charset="2"/>
+              <a:buChar char="Ø"/>
+            </a:pPr>
+            <a:r>
+              <a:rPr lang="pt-BR" dirty="0"/>
+              <a:t>Cadastro de projeto de lei;</a:t>
+            </a:r>
+          </a:p>
+          <a:p>
+            <a:pPr marL="533400">
+              <a:buFont typeface="Wingdings" panose="05000000000000000000" pitchFamily="2" charset="2"/>
+              <a:buChar char="Ø"/>
+            </a:pPr>
+            <a:r>
+              <a:rPr lang="pt-BR" dirty="0"/>
+              <a:t>Votar.</a:t>
+            </a:r>
+          </a:p>
+        </p:txBody>
+      </p:sp>
+      <p:sp>
+        <p:nvSpPr>
+          <p:cNvPr id="5" name="Espaço Reservado para Conteúdo 4">
+            <a:extLst>
+              <a:ext uri="{FF2B5EF4-FFF2-40B4-BE49-F238E27FC236}">
+                <a16:creationId xmlns:a16="http://schemas.microsoft.com/office/drawing/2014/main" id="{0CD7C545-466C-4790-8C68-5F070203EDC4}"/>
+              </a:ext>
+            </a:extLst>
+          </p:cNvPr>
+          <p:cNvSpPr>
+            <a:spLocks noGrp="1"/>
+          </p:cNvSpPr>
+          <p:nvPr>
+            <p:ph sz="half" idx="2"/>
+          </p:nvPr>
+        </p:nvSpPr>
+        <p:spPr/>
+        <p:txBody>
+          <a:bodyPr/>
+          <a:lstStyle/>
+          <a:p>
+            <a:r>
+              <a:rPr lang="pt-BR" dirty="0"/>
+              <a:t>ADMINISTRADOR:</a:t>
+            </a:r>
+          </a:p>
+          <a:p>
+            <a:pPr marL="762000" indent="-457200">
+              <a:buFont typeface="Wingdings" panose="05000000000000000000" pitchFamily="2" charset="2"/>
+              <a:buChar char="Ø"/>
+            </a:pPr>
+            <a:r>
+              <a:rPr lang="pt-BR" dirty="0"/>
+              <a:t>Cadastrar categoria;</a:t>
+            </a:r>
+          </a:p>
+          <a:p>
+            <a:pPr marL="762000" indent="-457200">
+              <a:buFont typeface="Wingdings" panose="05000000000000000000" pitchFamily="2" charset="2"/>
+              <a:buChar char="Ø"/>
+            </a:pPr>
+            <a:r>
+              <a:rPr lang="pt-BR" dirty="0"/>
+              <a:t>Gerenciar projetos de lei.</a:t>
+            </a:r>
+          </a:p>
+          <a:p>
+            <a:endParaRPr lang="pt-BR" dirty="0"/>
+          </a:p>
+        </p:txBody>
+      </p:sp>
+      <p:sp>
+        <p:nvSpPr>
+          <p:cNvPr id="4" name="Espaço Reservado para Número de Slide 3">
+            <a:extLst>
+              <a:ext uri="{FF2B5EF4-FFF2-40B4-BE49-F238E27FC236}">
+                <a16:creationId xmlns:a16="http://schemas.microsoft.com/office/drawing/2014/main" id="{085DCFAF-57B8-4615-ACB7-3EB6A4811E37}"/>
+              </a:ext>
+            </a:extLst>
+          </p:cNvPr>
+          <p:cNvSpPr>
+            <a:spLocks noGrp="1"/>
+          </p:cNvSpPr>
+          <p:nvPr>
+            <p:ph type="sldNum" sz="quarter" idx="12"/>
+          </p:nvPr>
+        </p:nvSpPr>
+        <p:spPr/>
+        <p:txBody>
+          <a:bodyPr/>
+          <a:lstStyle/>
+          <a:p>
+            <a:fld id="{0B58B777-6F14-4B33-A736-8ADE909D690F}" type="slidenum">
+              <a:rPr lang="pt-BR" smtClean="0"/>
+              <a:t>7</a:t>
+            </a:fld>
+            <a:endParaRPr lang="pt-BR" dirty="0"/>
+          </a:p>
+        </p:txBody>
+      </p:sp>
+    </p:spTree>
+    <p:extLst>
+      <p:ext uri="{BB962C8B-B14F-4D97-AF65-F5344CB8AC3E}">
+        <p14:creationId xmlns:p14="http://schemas.microsoft.com/office/powerpoint/2010/main" val="3144451960"/>
+      </p:ext>
+    </p:extLst>
+  </p:cSld>
+  <p:clrMapOvr>
+    <a:masterClrMapping/>
+  </p:clrMapOvr>
+  <mc:AlternateContent xmlns:mc="http://schemas.openxmlformats.org/markup-compatibility/2006">
+    <mc:Choice xmlns:p14="http://schemas.microsoft.com/office/powerpoint/2010/main" Requires="p14">
+      <p:transition spd="slow" p14:dur="2000" advTm="1855"/>
+    </mc:Choice>
+    <mc:Fallback>
+      <p:transition spd="slow" advTm="1855"/>
+    </mc:Fallback>
+  </mc:AlternateContent>
 </p:sld>
 </file>
 
@@ -7704,12 +5457,46 @@
           </a:p>
         </p:txBody>
       </p:sp>
+      <p:sp>
+        <p:nvSpPr>
+          <p:cNvPr id="9" name="Espaço Reservado para Número de Slide 8">
+            <a:extLst>
+              <a:ext uri="{FF2B5EF4-FFF2-40B4-BE49-F238E27FC236}">
+                <a16:creationId xmlns:a16="http://schemas.microsoft.com/office/drawing/2014/main" id="{8DE195B0-5CF4-4171-A1A1-27AFC5A5C677}"/>
+              </a:ext>
+            </a:extLst>
+          </p:cNvPr>
+          <p:cNvSpPr>
+            <a:spLocks noGrp="1"/>
+          </p:cNvSpPr>
+          <p:nvPr>
+            <p:ph type="sldNum" sz="quarter" idx="12"/>
+          </p:nvPr>
+        </p:nvSpPr>
+        <p:spPr>
+          <a:xfrm>
+            <a:off x="10252919" y="244475"/>
+            <a:ext cx="683339" cy="365125"/>
+          </a:xfrm>
+        </p:spPr>
+        <p:txBody>
+          <a:bodyPr/>
+          <a:lstStyle/>
+          <a:p>
+            <a:fld id="{0B58B777-6F14-4B33-A736-8ADE909D690F}" type="slidenum">
+              <a:rPr lang="pt-BR" sz="1600" smtClean="0"/>
+              <a:t>8</a:t>
+            </a:fld>
+            <a:endParaRPr lang="pt-BR" dirty="0"/>
+          </a:p>
+        </p:txBody>
+      </p:sp>
       <p:pic>
         <p:nvPicPr>
-          <p:cNvPr id="5" name="Imagem 4">
+          <p:cNvPr id="4" name="Imagem 3">
             <a:extLst>
               <a:ext uri="{FF2B5EF4-FFF2-40B4-BE49-F238E27FC236}">
-                <a16:creationId xmlns:a16="http://schemas.microsoft.com/office/drawing/2014/main" id="{92C89D87-54F5-411F-9FF1-8165B7324509}"/>
+                <a16:creationId xmlns:a16="http://schemas.microsoft.com/office/drawing/2014/main" id="{3993F824-08D0-417B-BEA9-171E2B4A83E9}"/>
               </a:ext>
             </a:extLst>
           </p:cNvPr>
@@ -7719,61 +5506,21 @@
           <p:nvPr/>
         </p:nvPicPr>
         <p:blipFill>
-          <a:blip r:embed="rId2">
-            <a:extLst>
-              <a:ext uri="{28A0092B-C50C-407E-A947-70E740481C1C}">
-                <a14:useLocalDpi xmlns:a14="http://schemas.microsoft.com/office/drawing/2010/main" val="0"/>
-              </a:ext>
-            </a:extLst>
-          </a:blip>
+          <a:blip r:embed="rId3"/>
           <a:stretch>
             <a:fillRect/>
           </a:stretch>
         </p:blipFill>
         <p:spPr>
           <a:xfrm>
-            <a:off x="516835" y="1133062"/>
-            <a:ext cx="11158330" cy="5579165"/>
+            <a:off x="825319" y="1310640"/>
+            <a:ext cx="10541362" cy="5302885"/>
           </a:xfrm>
           <a:prstGeom prst="rect">
             <a:avLst/>
           </a:prstGeom>
         </p:spPr>
       </p:pic>
-      <p:sp>
-        <p:nvSpPr>
-          <p:cNvPr id="9" name="Espaço Reservado para Número de Slide 8">
-            <a:extLst>
-              <a:ext uri="{FF2B5EF4-FFF2-40B4-BE49-F238E27FC236}">
-                <a16:creationId xmlns:a16="http://schemas.microsoft.com/office/drawing/2014/main" id="{8DE195B0-5CF4-4171-A1A1-27AFC5A5C677}"/>
-              </a:ext>
-            </a:extLst>
-          </p:cNvPr>
-          <p:cNvSpPr>
-            <a:spLocks noGrp="1"/>
-          </p:cNvSpPr>
-          <p:nvPr>
-            <p:ph type="sldNum" sz="quarter" idx="12"/>
-          </p:nvPr>
-        </p:nvSpPr>
-        <p:spPr>
-          <a:xfrm>
-            <a:off x="10252919" y="244475"/>
-            <a:ext cx="683339" cy="365125"/>
-          </a:xfrm>
-        </p:spPr>
-        <p:txBody>
-          <a:bodyPr/>
-          <a:lstStyle/>
-          <a:p>
-            <a:fld id="{0B58B777-6F14-4B33-A736-8ADE909D690F}" type="slidenum">
-              <a:rPr lang="pt-BR" smtClean="0"/>
-              <a:t>8</a:t>
-            </a:fld>
-            <a:endParaRPr lang="pt-BR" dirty="0"/>
-          </a:p>
-        </p:txBody>
-      </p:sp>
     </p:spTree>
     <p:extLst>
       <p:ext uri="{BB962C8B-B14F-4D97-AF65-F5344CB8AC3E}">
@@ -7784,6 +5531,14 @@
   <p:clrMapOvr>
     <a:masterClrMapping/>
   </p:clrMapOvr>
+  <mc:AlternateContent xmlns:mc="http://schemas.openxmlformats.org/markup-compatibility/2006">
+    <mc:Choice xmlns:p14="http://schemas.microsoft.com/office/powerpoint/2010/main" Requires="p14">
+      <p:transition spd="slow" p14:dur="2000" advTm="101466"/>
+    </mc:Choice>
+    <mc:Fallback>
+      <p:transition spd="slow" advTm="101466"/>
+    </mc:Fallback>
+  </mc:AlternateContent>
 </p:sld>
 </file>
 
@@ -7809,7 +5564,7 @@
           <p:cNvPr id="2" name="Título 1">
             <a:extLst>
               <a:ext uri="{FF2B5EF4-FFF2-40B4-BE49-F238E27FC236}">
-                <a16:creationId xmlns:a16="http://schemas.microsoft.com/office/drawing/2014/main" id="{AA9EFC50-8EAA-4D58-A6E5-E58EA42B8145}"/>
+                <a16:creationId xmlns:a16="http://schemas.microsoft.com/office/drawing/2014/main" id="{5B472222-131C-4C2E-8031-A38EB8F6527B}"/>
               </a:ext>
             </a:extLst>
           </p:cNvPr>
@@ -7827,7 +5582,7 @@
           <a:p>
             <a:r>
               <a:rPr lang="pt-BR" dirty="0"/>
-              <a:t>SITE</a:t>
+              <a:t>DESENVOVIMENTO PARA O FUTURO</a:t>
             </a:r>
           </a:p>
         </p:txBody>
@@ -7837,7 +5592,7 @@
           <p:cNvPr id="3" name="Espaço Reservado para Conteúdo 2">
             <a:extLst>
               <a:ext uri="{FF2B5EF4-FFF2-40B4-BE49-F238E27FC236}">
-                <a16:creationId xmlns:a16="http://schemas.microsoft.com/office/drawing/2014/main" id="{D64E99A8-8A82-4C72-9501-42DF52460B64}"/>
+                <a16:creationId xmlns:a16="http://schemas.microsoft.com/office/drawing/2014/main" id="{5CC6D963-27E8-4D5B-B392-BA655C426F65}"/>
               </a:ext>
             </a:extLst>
           </p:cNvPr>
@@ -7854,19 +5609,49 @@
           <a:lstStyle/>
           <a:p>
             <a:r>
-              <a:rPr lang="pt-BR" dirty="0">
-                <a:solidFill>
-                  <a:schemeClr val="tx1"/>
-                </a:solidFill>
-                <a:hlinkClick r:id="rId2"/>
-              </a:rPr>
-              <a:t>http://opinembem.azurewebsites.net/</a:t>
-            </a:r>
-            <a:endParaRPr lang="pt-BR" dirty="0">
-              <a:solidFill>
-                <a:schemeClr val="tx1"/>
-              </a:solidFill>
-            </a:endParaRPr>
+              <a:rPr lang="pt-BR" dirty="0"/>
+              <a:t>RANKING: </a:t>
+            </a:r>
+          </a:p>
+          <a:p>
+            <a:pPr marL="441325">
+              <a:buFont typeface="Wingdings" panose="05000000000000000000" pitchFamily="2" charset="2"/>
+              <a:buChar char="Ø"/>
+            </a:pPr>
+            <a:r>
+              <a:rPr lang="pt-BR" dirty="0"/>
+              <a:t>Por categorias;</a:t>
+            </a:r>
+          </a:p>
+          <a:p>
+            <a:pPr marL="441325">
+              <a:buFont typeface="Wingdings" panose="05000000000000000000" pitchFamily="2" charset="2"/>
+              <a:buChar char="Ø"/>
+            </a:pPr>
+            <a:r>
+              <a:rPr lang="pt-BR" dirty="0"/>
+              <a:t>De projetos mais votados;</a:t>
+            </a:r>
+          </a:p>
+          <a:p>
+            <a:pPr marL="441325">
+              <a:buFont typeface="Wingdings" panose="05000000000000000000" pitchFamily="2" charset="2"/>
+              <a:buChar char="Ø"/>
+            </a:pPr>
+            <a:r>
+              <a:rPr lang="pt-BR" dirty="0"/>
+              <a:t>De usuários em destaque;</a:t>
+            </a:r>
+          </a:p>
+          <a:p>
+            <a:pPr marL="441325">
+              <a:buFont typeface="Wingdings" panose="05000000000000000000" pitchFamily="2" charset="2"/>
+              <a:buChar char="Ø"/>
+            </a:pPr>
+            <a:r>
+              <a:rPr lang="pt-BR" dirty="0"/>
+              <a:t>Por estados e cidades;</a:t>
+            </a:r>
           </a:p>
         </p:txBody>
       </p:sp>
@@ -7875,7 +5660,7 @@
           <p:cNvPr id="4" name="Espaço Reservado para Número de Slide 3">
             <a:extLst>
               <a:ext uri="{FF2B5EF4-FFF2-40B4-BE49-F238E27FC236}">
-                <a16:creationId xmlns:a16="http://schemas.microsoft.com/office/drawing/2014/main" id="{E518A7CE-96DB-467C-BA9A-CC8D77FD5A61}"/>
+                <a16:creationId xmlns:a16="http://schemas.microsoft.com/office/drawing/2014/main" id="{F44F371E-1568-461E-BECB-7A54C0F45B37}"/>
               </a:ext>
             </a:extLst>
           </p:cNvPr>
@@ -7886,36 +5671,96 @@
             <p:ph type="sldNum" sz="quarter" idx="12"/>
           </p:nvPr>
         </p:nvSpPr>
-        <p:spPr/>
+        <p:spPr>
+          <a:xfrm>
+            <a:off x="8157511" y="401783"/>
+            <a:ext cx="2743200" cy="365125"/>
+          </a:xfrm>
+        </p:spPr>
         <p:txBody>
           <a:bodyPr/>
           <a:lstStyle/>
           <a:p>
             <a:fld id="{0B58B777-6F14-4B33-A736-8ADE909D690F}" type="slidenum">
-              <a:rPr lang="pt-BR" smtClean="0"/>
+              <a:rPr lang="pt-BR" sz="1600" smtClean="0"/>
               <a:t>9</a:t>
             </a:fld>
-            <a:endParaRPr lang="pt-BR"/>
-          </a:p>
-        </p:txBody>
-      </p:sp>
+            <a:endParaRPr lang="pt-BR" dirty="0"/>
+          </a:p>
+        </p:txBody>
+      </p:sp>
+      <p:pic>
+        <p:nvPicPr>
+          <p:cNvPr id="5" name="Picture 2" descr="https://lh3.googleusercontent.com/xim3WpIXO3zj6hwsI6YPeMiAO0bN3wF07maXk0a4WuDSC9N0JW5EQrFL0LU_WWbusVFXIh7TQ0SGi7b-_Xyx20bC8kVjlnDJIU9kEFYA6sJlLsD2e06gMtZG4OsKZTlaJmW4zL7qVIz-pna1eQ">
+            <a:extLst>
+              <a:ext uri="{FF2B5EF4-FFF2-40B4-BE49-F238E27FC236}">
+                <a16:creationId xmlns:a16="http://schemas.microsoft.com/office/drawing/2014/main" id="{45704645-90A6-42BD-8DB3-2EAD6A2D042B}"/>
+              </a:ext>
+            </a:extLst>
+          </p:cNvPr>
+          <p:cNvPicPr>
+            <a:picLocks noChangeAspect="1" noChangeArrowheads="1"/>
+          </p:cNvPicPr>
+          <p:nvPr/>
+        </p:nvPicPr>
+        <p:blipFill>
+          <a:blip r:embed="rId2">
+            <a:extLst>
+              <a:ext uri="{28A0092B-C50C-407E-A947-70E740481C1C}">
+                <a14:useLocalDpi xmlns:a14="http://schemas.microsoft.com/office/drawing/2010/main" val="0"/>
+              </a:ext>
+            </a:extLst>
+          </a:blip>
+          <a:srcRect/>
+          <a:stretch>
+            <a:fillRect/>
+          </a:stretch>
+        </p:blipFill>
+        <p:spPr bwMode="auto">
+          <a:xfrm>
+            <a:off x="9084943" y="3577935"/>
+            <a:ext cx="3631537" cy="3631537"/>
+          </a:xfrm>
+          <a:prstGeom prst="rect">
+            <a:avLst/>
+          </a:prstGeom>
+          <a:noFill/>
+          <a:extLst>
+            <a:ext uri="{909E8E84-426E-40DD-AFC4-6F175D3DCCD1}">
+              <a14:hiddenFill xmlns:a14="http://schemas.microsoft.com/office/drawing/2010/main">
+                <a:solidFill>
+                  <a:srgbClr val="FFFFFF"/>
+                </a:solidFill>
+              </a14:hiddenFill>
+            </a:ext>
+          </a:extLst>
+        </p:spPr>
+      </p:pic>
     </p:spTree>
     <p:extLst>
       <p:ext uri="{BB962C8B-B14F-4D97-AF65-F5344CB8AC3E}">
-        <p14:creationId xmlns:p14="http://schemas.microsoft.com/office/powerpoint/2010/main" val="3340202125"/>
+        <p14:creationId xmlns:p14="http://schemas.microsoft.com/office/powerpoint/2010/main" val="630996037"/>
       </p:ext>
     </p:extLst>
   </p:cSld>
   <p:clrMapOvr>
     <a:masterClrMapping/>
   </p:clrMapOvr>
+  <mc:AlternateContent xmlns:mc="http://schemas.openxmlformats.org/markup-compatibility/2006">
+    <mc:Choice xmlns:p14="http://schemas.microsoft.com/office/powerpoint/2010/main" Requires="p14">
+      <p:transition spd="slow" p14:dur="2000" advTm="32294"/>
+    </mc:Choice>
+    <mc:Fallback>
+      <p:transition spd="slow" advTm="32294"/>
+    </mc:Fallback>
+  </mc:AlternateContent>
 </p:sld>
 </file>
 
 <file path=ppt/theme/theme1.xml><?xml version="1.0" encoding="utf-8"?>
-<a:theme xmlns:a="http://schemas.openxmlformats.org/drawingml/2006/main" name="Facetado">
+<a:theme xmlns:a="http://schemas.openxmlformats.org/drawingml/2006/main" name="Office Theme">
   <a:themeElements>
-    <a:clrScheme name="Personalizada 1">
+    <a:clrScheme name="Azul II">
       <a:dk1>
         <a:sysClr val="windowText" lastClr="000000"/>
       </a:dk1>
@@ -7923,52 +5768,52 @@
         <a:sysClr val="window" lastClr="FFFFFF"/>
       </a:lt1>
       <a:dk2>
-        <a:srgbClr val="44546A"/>
+        <a:srgbClr val="335B74"/>
       </a:dk2>
       <a:lt2>
-        <a:srgbClr val="E7E6E6"/>
+        <a:srgbClr val="DFE3E5"/>
       </a:lt2>
       <a:accent1>
-        <a:srgbClr val="323F4F"/>
+        <a:srgbClr val="1CADE4"/>
       </a:accent1>
       <a:accent2>
-        <a:srgbClr val="92D050"/>
+        <a:srgbClr val="2683C6"/>
       </a:accent2>
       <a:accent3>
-        <a:srgbClr val="A5A5A5"/>
+        <a:srgbClr val="27CED7"/>
       </a:accent3>
       <a:accent4>
-        <a:srgbClr val="A8D08D"/>
+        <a:srgbClr val="42BA97"/>
       </a:accent4>
       <a:accent5>
-        <a:srgbClr val="5B9BD5"/>
+        <a:srgbClr val="3E8853"/>
       </a:accent5>
       <a:accent6>
-        <a:srgbClr val="70AD47"/>
+        <a:srgbClr val="62A39F"/>
       </a:accent6>
       <a:hlink>
-        <a:srgbClr val="0563C1"/>
+        <a:srgbClr val="6EAC1C"/>
       </a:hlink>
       <a:folHlink>
-        <a:srgbClr val="954F72"/>
+        <a:srgbClr val="B26B02"/>
       </a:folHlink>
     </a:clrScheme>
-    <a:fontScheme name="Facetado">
+    <a:fontScheme name="Tema do Office">
       <a:majorFont>
-        <a:latin typeface="Trebuchet MS" panose="020B0603020202020204"/>
+        <a:latin typeface="Calibri Light" panose="020F0302020204030204"/>
         <a:ea typeface=""/>
         <a:cs typeface=""/>
-        <a:font script="Jpan" typeface="メイリオ"/>
+        <a:font script="Jpan" typeface="游ゴシック Light"/>
         <a:font script="Hang" typeface="맑은 고딕"/>
-        <a:font script="Hans" typeface="方正姚体"/>
-        <a:font script="Hant" typeface="微軟正黑體"/>
-        <a:font script="Arab" typeface="Tahoma"/>
-        <a:font script="Hebr" typeface="Arial"/>
-        <a:font script="Thai" typeface="Cordia New"/>
+        <a:font script="Hans" typeface="等线 Light"/>
+        <a:font script="Hant" typeface="新細明體"/>
+        <a:font script="Arab" typeface="Times New Roman"/>
+        <a:font script="Hebr" typeface="Times New Roman"/>
+        <a:font script="Thai" typeface="Angsana New"/>
         <a:font script="Ethi" typeface="Nyala"/>
         <a:font script="Beng" typeface="Vrinda"/>
         <a:font script="Gujr" typeface="Shruti"/>
-        <a:font script="Khmr" typeface="DaunPenh"/>
+        <a:font script="Khmr" typeface="MoolBoran"/>
         <a:font script="Knda" typeface="Tunga"/>
         <a:font script="Guru" typeface="Raavi"/>
         <a:font script="Cans" typeface="Euphemia"/>
@@ -7985,21 +5830,21 @@
         <a:font script="Laoo" typeface="DokChampa"/>
         <a:font script="Sinh" typeface="Iskoola Pota"/>
         <a:font script="Mong" typeface="Mongolian Baiti"/>
-        <a:font script="Viet" typeface="Tahoma"/>
+        <a:font script="Viet" typeface="Times New Roman"/>
         <a:font script="Uigh" typeface="Microsoft Uighur"/>
         <a:font script="Geor" typeface="Sylfaen"/>
       </a:majorFont>
       <a:minorFont>
-        <a:latin typeface="Trebuchet MS" panose="020B0603020202020204"/>
+        <a:latin typeface="Calibri" panose="020F0502020204030204"/>
         <a:ea typeface=""/>
         <a:cs typeface=""/>
-        <a:font script="Jpan" typeface="メイリオ"/>
-        <a:font script="Hang" typeface="HY그래픽M"/>
-        <a:font script="Hans" typeface="华文新魏"/>
-        <a:font script="Hant" typeface="微軟正黑體"/>
-        <a:font script="Arab" typeface="Tahoma"/>
-        <a:font script="Hebr" typeface="Gisha"/>
-        <a:font script="Thai" typeface="IrisUPC"/>
+        <a:font script="Jpan" typeface="游ゴシック"/>
+        <a:font script="Hang" typeface="맑은 고딕"/>
+        <a:font script="Hans" typeface="等线"/>
+        <a:font script="Hant" typeface="新細明體"/>
+        <a:font script="Arab" typeface="Arial"/>
+        <a:font script="Hebr" typeface="Arial"/>
+        <a:font script="Thai" typeface="Cordia New"/>
         <a:font script="Ethi" typeface="Nyala"/>
         <a:font script="Beng" typeface="Vrinda"/>
         <a:font script="Gujr" typeface="Shruti"/>
@@ -8025,7 +5870,7 @@
         <a:font script="Geor" typeface="Sylfaen"/>
       </a:minorFont>
     </a:fontScheme>
-    <a:fmtScheme name="Facetado">
+    <a:fmtScheme name="Tema do Office">
       <a:fillStyleLst>
         <a:solidFill>
           <a:schemeClr val="phClr"/>
@@ -8034,13 +5879,23 @@
           <a:gsLst>
             <a:gs pos="0">
               <a:schemeClr val="phClr">
-                <a:tint val="65000"/>
                 <a:lumMod val="110000"/>
+                <a:satMod val="105000"/>
+                <a:tint val="67000"/>
               </a:schemeClr>
             </a:gs>
-            <a:gs pos="88000">
+            <a:gs pos="50000">
               <a:schemeClr val="phClr">
-                <a:tint val="90000"/>
+                <a:lumMod val="105000"/>
+                <a:satMod val="103000"/>
+                <a:tint val="73000"/>
+              </a:schemeClr>
+            </a:gs>
+            <a:gs pos="100000">
+              <a:schemeClr val="phClr">
+                <a:lumMod val="105000"/>
+                <a:satMod val="109000"/>
+                <a:tint val="81000"/>
               </a:schemeClr>
             </a:gs>
           </a:gsLst>
@@ -8050,14 +5905,23 @@
           <a:gsLst>
             <a:gs pos="0">
               <a:schemeClr val="phClr">
-                <a:tint val="96000"/>
-                <a:lumMod val="100000"/>
+                <a:satMod val="103000"/>
+                <a:lumMod val="102000"/>
+                <a:tint val="94000"/>
               </a:schemeClr>
             </a:gs>
-            <a:gs pos="78000">
+            <a:gs pos="50000">
               <a:schemeClr val="phClr">
-                <a:shade val="94000"/>
-                <a:lumMod val="94000"/>
+                <a:satMod val="110000"/>
+                <a:lumMod val="100000"/>
+                <a:shade val="100000"/>
+              </a:schemeClr>
+            </a:gs>
+            <a:gs pos="100000">
+              <a:schemeClr val="phClr">
+                <a:lumMod val="99000"/>
+                <a:satMod val="120000"/>
+                <a:shade val="78000"/>
               </a:schemeClr>
             </a:gs>
           </a:gsLst>
@@ -8065,23 +5929,26 @@
         </a:gradFill>
       </a:fillStyleLst>
       <a:lnStyleLst>
-        <a:ln w="12700" cap="rnd" cmpd="sng" algn="ctr">
+        <a:ln w="6350" cap="flat" cmpd="sng" algn="ctr">
           <a:solidFill>
             <a:schemeClr val="phClr"/>
           </a:solidFill>
           <a:prstDash val="solid"/>
+          <a:miter lim="800000"/>
         </a:ln>
-        <a:ln w="19050" cap="rnd" cmpd="sng" algn="ctr">
+        <a:ln w="12700" cap="flat" cmpd="sng" algn="ctr">
           <a:solidFill>
             <a:schemeClr val="phClr"/>
           </a:solidFill>
           <a:prstDash val="solid"/>
+          <a:miter lim="800000"/>
         </a:ln>
-        <a:ln w="25400" cap="rnd" cmpd="sng" algn="ctr">
+        <a:ln w="19050" cap="flat" cmpd="sng" algn="ctr">
           <a:solidFill>
             <a:schemeClr val="phClr"/>
           </a:solidFill>
           <a:prstDash val="solid"/>
+          <a:miter lim="800000"/>
         </a:ln>
       </a:lnStyleLst>
       <a:effectStyleLst>
@@ -8089,72 +5956,54 @@
           <a:effectLst/>
         </a:effectStyle>
         <a:effectStyle>
+          <a:effectLst/>
+        </a:effectStyle>
+        <a:effectStyle>
           <a:effectLst>
-            <a:outerShdw blurRad="38100" dist="25400" dir="5400000" rotWithShape="0">
+            <a:outerShdw blurRad="57150" dist="19050" dir="5400000" algn="ctr" rotWithShape="0">
               <a:srgbClr val="000000">
-                <a:alpha val="35000"/>
+                <a:alpha val="63000"/>
               </a:srgbClr>
             </a:outerShdw>
           </a:effectLst>
-        </a:effectStyle>
-        <a:effectStyle>
-          <a:effectLst>
-            <a:outerShdw blurRad="50800" dist="38100" dir="5400000" rotWithShape="0">
-              <a:srgbClr val="000000">
-                <a:alpha val="35000"/>
-              </a:srgbClr>
-            </a:outerShdw>
-          </a:effectLst>
-          <a:scene3d>
-            <a:camera prst="orthographicFront">
-              <a:rot lat="0" lon="0" rev="0"/>
-            </a:camera>
-            <a:lightRig rig="threePt" dir="tl"/>
-          </a:scene3d>
-          <a:sp3d prstMaterial="plastic">
-            <a:bevelT w="0" h="0"/>
-          </a:sp3d>
         </a:effectStyle>
       </a:effectStyleLst>
       <a:bgFillStyleLst>
         <a:solidFill>
           <a:schemeClr val="phClr"/>
         </a:solidFill>
+        <a:solidFill>
+          <a:schemeClr val="phClr">
+            <a:tint val="95000"/>
+            <a:satMod val="170000"/>
+          </a:schemeClr>
+        </a:solidFill>
         <a:gradFill rotWithShape="1">
           <a:gsLst>
             <a:gs pos="0">
               <a:schemeClr val="phClr">
-                <a:tint val="90000"/>
-                <a:lumMod val="104000"/>
+                <a:tint val="93000"/>
+                <a:satMod val="150000"/>
+                <a:shade val="98000"/>
+                <a:lumMod val="102000"/>
               </a:schemeClr>
             </a:gs>
-            <a:gs pos="94000">
+            <a:gs pos="50000">
               <a:schemeClr val="phClr">
-                <a:shade val="96000"/>
-                <a:lumMod val="82000"/>
+                <a:tint val="98000"/>
+                <a:satMod val="130000"/>
+                <a:shade val="90000"/>
+                <a:lumMod val="103000"/>
+              </a:schemeClr>
+            </a:gs>
+            <a:gs pos="100000">
+              <a:schemeClr val="phClr">
+                <a:shade val="63000"/>
+                <a:satMod val="120000"/>
               </a:schemeClr>
             </a:gs>
           </a:gsLst>
           <a:lin ang="5400000" scaled="0"/>
-        </a:gradFill>
-        <a:gradFill rotWithShape="1">
-          <a:gsLst>
-            <a:gs pos="0">
-              <a:schemeClr val="phClr">
-                <a:tint val="90000"/>
-                <a:lumMod val="110000"/>
-              </a:schemeClr>
-            </a:gs>
-            <a:gs pos="100000">
-              <a:schemeClr val="phClr">
-                <a:shade val="94000"/>
-                <a:lumMod val="96000"/>
-              </a:schemeClr>
-            </a:gs>
-          </a:gsLst>
-          <a:path path="circle">
-            <a:fillToRect l="50000" t="50000" r="100000" b="100000"/>
-          </a:path>
         </a:gradFill>
       </a:bgFillStyleLst>
     </a:fmtScheme>
@@ -8163,7 +6012,7 @@
   <a:extraClrSchemeLst/>
   <a:extLst>
     <a:ext uri="{05A4C25C-085E-4340-85A3-A5531E510DB2}">
-      <thm15:themeFamily xmlns:thm15="http://schemas.microsoft.com/office/thememl/2012/main" name="Facet" id="{C0C680CD-088A-49FC-A102-D699147F32B2}" vid="{CFBC31BA-B70F-4F30-BCAA-4F3011E16C4D}"/>
+      <thm15:themeFamily xmlns:thm15="http://schemas.microsoft.com/office/thememl/2012/main" name="Office Theme" id="{62F939B6-93AF-4DB8-9C6B-D6C7DFDC589F}" vid="{AE6F2518-B084-4896-AF52-66CC2144AA26}"/>
     </a:ext>
   </a:extLst>
 </a:theme>

--- a/Documentos/Opinem Bem TCC.pptx
+++ b/Documentos/Opinem Bem TCC.pptx
@@ -5,10 +5,10 @@
     <p:sldMasterId id="2147483791" r:id="rId1"/>
   </p:sldMasterIdLst>
   <p:notesMasterIdLst>
-    <p:notesMasterId r:id="rId12"/>
+    <p:notesMasterId r:id="rId13"/>
   </p:notesMasterIdLst>
   <p:handoutMasterIdLst>
-    <p:handoutMasterId r:id="rId13"/>
+    <p:handoutMasterId r:id="rId14"/>
   </p:handoutMasterIdLst>
   <p:sldIdLst>
     <p:sldId id="256" r:id="rId2"/>
@@ -19,8 +19,9 @@
     <p:sldId id="259" r:id="rId7"/>
     <p:sldId id="266" r:id="rId8"/>
     <p:sldId id="260" r:id="rId9"/>
-    <p:sldId id="265" r:id="rId10"/>
-    <p:sldId id="263" r:id="rId11"/>
+    <p:sldId id="267" r:id="rId10"/>
+    <p:sldId id="265" r:id="rId11"/>
+    <p:sldId id="263" r:id="rId12"/>
   </p:sldIdLst>
   <p:sldSz cx="12192000" cy="6858000"/>
   <p:notesSz cx="6858000" cy="9144000"/>
@@ -154,7 +155,7 @@
           <p:cNvPr id="2" name="Espaço Reservado para Cabeçalho 1">
             <a:extLst>
               <a:ext uri="{FF2B5EF4-FFF2-40B4-BE49-F238E27FC236}">
-                <a16:creationId xmlns:a16="http://schemas.microsoft.com/office/drawing/2014/main" id="{AFFD696A-6BB0-4D26-82F4-7580F8343D50}"/>
+                <a16:creationId xmlns:a16="http://schemas.microsoft.com/office/drawing/2014/main" xmlns="" id="{AFFD696A-6BB0-4D26-82F4-7580F8343D50}"/>
               </a:ext>
             </a:extLst>
           </p:cNvPr>
@@ -191,7 +192,7 @@
           <p:cNvPr id="3" name="Espaço Reservado para Data 2">
             <a:extLst>
               <a:ext uri="{FF2B5EF4-FFF2-40B4-BE49-F238E27FC236}">
-                <a16:creationId xmlns:a16="http://schemas.microsoft.com/office/drawing/2014/main" id="{50EC3BFB-04C0-4EF4-B6E6-799C21E33B07}"/>
+                <a16:creationId xmlns:a16="http://schemas.microsoft.com/office/drawing/2014/main" xmlns="" id="{50EC3BFB-04C0-4EF4-B6E6-799C21E33B07}"/>
               </a:ext>
             </a:extLst>
           </p:cNvPr>
@@ -221,7 +222,7 @@
           <a:p>
             <a:fld id="{6EDD680C-344D-4ACE-976B-A32D103A3C15}" type="datetimeFigureOut">
               <a:rPr lang="pt-BR" smtClean="0"/>
-              <a:t>25/06/2018</a:t>
+              <a:t>26/06/2018</a:t>
             </a:fld>
             <a:endParaRPr lang="pt-BR" dirty="0"/>
           </a:p>
@@ -232,7 +233,7 @@
           <p:cNvPr id="4" name="Espaço Reservado para Rodapé 3">
             <a:extLst>
               <a:ext uri="{FF2B5EF4-FFF2-40B4-BE49-F238E27FC236}">
-                <a16:creationId xmlns:a16="http://schemas.microsoft.com/office/drawing/2014/main" id="{DE1DCFAC-3F15-4B9D-AF23-436CE1ED55E0}"/>
+                <a16:creationId xmlns:a16="http://schemas.microsoft.com/office/drawing/2014/main" xmlns="" id="{DE1DCFAC-3F15-4B9D-AF23-436CE1ED55E0}"/>
               </a:ext>
             </a:extLst>
           </p:cNvPr>
@@ -269,7 +270,7 @@
           <p:cNvPr id="5" name="Espaço Reservado para Número de Slide 4">
             <a:extLst>
               <a:ext uri="{FF2B5EF4-FFF2-40B4-BE49-F238E27FC236}">
-                <a16:creationId xmlns:a16="http://schemas.microsoft.com/office/drawing/2014/main" id="{C9B9482A-AA76-4BAF-AC10-5F3475FA022A}"/>
+                <a16:creationId xmlns:a16="http://schemas.microsoft.com/office/drawing/2014/main" xmlns="" id="{C9B9482A-AA76-4BAF-AC10-5F3475FA022A}"/>
               </a:ext>
             </a:extLst>
           </p:cNvPr>
@@ -398,7 +399,7 @@
           <a:p>
             <a:fld id="{1A45CAAA-E651-41A8-9BEA-79F251219685}" type="datetimeFigureOut">
               <a:rPr lang="pt-BR" smtClean="0"/>
-              <a:t>25/06/2018</a:t>
+              <a:t>26/06/2018</a:t>
             </a:fld>
             <a:endParaRPr lang="pt-BR" dirty="0"/>
           </a:p>
@@ -1230,7 +1231,7 @@
           <a:p>
             <a:fld id="{1F72A0ED-271D-46D7-8045-53DB0B6BA938}" type="datetime1">
               <a:rPr lang="pt-BR" smtClean="0"/>
-              <a:t>25/06/2018</a:t>
+              <a:t>26/06/2018</a:t>
             </a:fld>
             <a:endParaRPr lang="pt-BR" dirty="0"/>
           </a:p>
@@ -1400,7 +1401,7 @@
           <a:p>
             <a:fld id="{18DF0B78-AE6A-4864-8877-DC2FC3F9A6D4}" type="datetime1">
               <a:rPr lang="pt-BR" smtClean="0"/>
-              <a:t>25/06/2018</a:t>
+              <a:t>26/06/2018</a:t>
             </a:fld>
             <a:endParaRPr lang="pt-BR" dirty="0"/>
           </a:p>
@@ -1580,7 +1581,7 @@
           <a:p>
             <a:fld id="{F598E306-F361-491B-ABB6-A4BD50A7E2A8}" type="datetime1">
               <a:rPr lang="pt-BR" smtClean="0"/>
-              <a:t>25/06/2018</a:t>
+              <a:t>26/06/2018</a:t>
             </a:fld>
             <a:endParaRPr lang="pt-BR" dirty="0"/>
           </a:p>
@@ -1750,7 +1751,7 @@
           <a:p>
             <a:fld id="{F2523CF8-F0F0-46F4-9FF8-828E21161942}" type="datetime1">
               <a:rPr lang="pt-BR" smtClean="0"/>
-              <a:t>25/06/2018</a:t>
+              <a:t>26/06/2018</a:t>
             </a:fld>
             <a:endParaRPr lang="pt-BR" dirty="0"/>
           </a:p>
@@ -1996,7 +1997,7 @@
           <a:p>
             <a:fld id="{1CABFB2A-4904-42EA-9777-C9478F6806F0}" type="datetime1">
               <a:rPr lang="pt-BR" smtClean="0"/>
-              <a:t>25/06/2018</a:t>
+              <a:t>26/06/2018</a:t>
             </a:fld>
             <a:endParaRPr lang="pt-BR" dirty="0"/>
           </a:p>
@@ -2228,7 +2229,7 @@
           <a:p>
             <a:fld id="{7BC6764F-73B5-4357-A5C0-2B4D6C0354C0}" type="datetime1">
               <a:rPr lang="pt-BR" smtClean="0"/>
-              <a:t>25/06/2018</a:t>
+              <a:t>26/06/2018</a:t>
             </a:fld>
             <a:endParaRPr lang="pt-BR" dirty="0"/>
           </a:p>
@@ -2595,7 +2596,7 @@
           <a:p>
             <a:fld id="{72FDF4BB-0F04-47C4-98FF-4A8BCD5ACAC5}" type="datetime1">
               <a:rPr lang="pt-BR" smtClean="0"/>
-              <a:t>25/06/2018</a:t>
+              <a:t>26/06/2018</a:t>
             </a:fld>
             <a:endParaRPr lang="pt-BR" dirty="0"/>
           </a:p>
@@ -2713,7 +2714,7 @@
           <a:p>
             <a:fld id="{8568F9FB-F9AE-4FFB-8A05-CD61CCACD48D}" type="datetime1">
               <a:rPr lang="pt-BR" smtClean="0"/>
-              <a:t>25/06/2018</a:t>
+              <a:t>26/06/2018</a:t>
             </a:fld>
             <a:endParaRPr lang="pt-BR" dirty="0"/>
           </a:p>
@@ -2808,7 +2809,7 @@
           <a:p>
             <a:fld id="{48F8E3E0-8D9A-452C-A901-42058BF1BD97}" type="datetime1">
               <a:rPr lang="pt-BR" smtClean="0"/>
-              <a:t>25/06/2018</a:t>
+              <a:t>26/06/2018</a:t>
             </a:fld>
             <a:endParaRPr lang="pt-BR" dirty="0"/>
           </a:p>
@@ -3085,7 +3086,7 @@
           <a:p>
             <a:fld id="{B7CE9F23-F694-47D7-81C7-2810CE105C57}" type="datetime1">
               <a:rPr lang="pt-BR" smtClean="0"/>
-              <a:t>25/06/2018</a:t>
+              <a:t>26/06/2018</a:t>
             </a:fld>
             <a:endParaRPr lang="pt-BR" dirty="0"/>
           </a:p>
@@ -3342,7 +3343,7 @@
           <a:p>
             <a:fld id="{05E1EC14-4DB9-433B-B505-B78264925062}" type="datetime1">
               <a:rPr lang="pt-BR" smtClean="0"/>
-              <a:t>25/06/2018</a:t>
+              <a:t>26/06/2018</a:t>
             </a:fld>
             <a:endParaRPr lang="pt-BR" dirty="0"/>
           </a:p>
@@ -3583,7 +3584,7 @@
           <a:p>
             <a:fld id="{751716E6-0FA6-4335-AB30-7EB049FB7D12}" type="datetime1">
               <a:rPr lang="pt-BR" smtClean="0"/>
-              <a:t>25/06/2018</a:t>
+              <a:t>26/06/2018</a:t>
             </a:fld>
             <a:endParaRPr lang="pt-BR" dirty="0"/>
           </a:p>
@@ -3994,7 +3995,7 @@
           <p:cNvPr id="2" name="Título 1">
             <a:extLst>
               <a:ext uri="{FF2B5EF4-FFF2-40B4-BE49-F238E27FC236}">
-                <a16:creationId xmlns:a16="http://schemas.microsoft.com/office/drawing/2014/main" id="{AA921702-D898-45E6-9A98-B315CBC8B924}"/>
+                <a16:creationId xmlns:a16="http://schemas.microsoft.com/office/drawing/2014/main" xmlns="" id="{AA921702-D898-45E6-9A98-B315CBC8B924}"/>
               </a:ext>
             </a:extLst>
           </p:cNvPr>
@@ -4022,7 +4023,7 @@
           <p:cNvPr id="3" name="Subtítulo 2">
             <a:extLst>
               <a:ext uri="{FF2B5EF4-FFF2-40B4-BE49-F238E27FC236}">
-                <a16:creationId xmlns:a16="http://schemas.microsoft.com/office/drawing/2014/main" id="{7E187759-DB1E-4596-81BB-4181F2E3AA85}"/>
+                <a16:creationId xmlns:a16="http://schemas.microsoft.com/office/drawing/2014/main" xmlns="" id="{7E187759-DB1E-4596-81BB-4181F2E3AA85}"/>
               </a:ext>
             </a:extLst>
           </p:cNvPr>
@@ -4055,7 +4056,7 @@
           <p:cNvPr id="7" name="Picture 2" descr="https://lh3.googleusercontent.com/xim3WpIXO3zj6hwsI6YPeMiAO0bN3wF07maXk0a4WuDSC9N0JW5EQrFL0LU_WWbusVFXIh7TQ0SGi7b-_Xyx20bC8kVjlnDJIU9kEFYA6sJlLsD2e06gMtZG4OsKZTlaJmW4zL7qVIz-pna1eQ">
             <a:extLst>
               <a:ext uri="{FF2B5EF4-FFF2-40B4-BE49-F238E27FC236}">
-                <a16:creationId xmlns:a16="http://schemas.microsoft.com/office/drawing/2014/main" id="{24D90287-10E9-4761-A741-2C2D08DF4E29}"/>
+                <a16:creationId xmlns:a16="http://schemas.microsoft.com/office/drawing/2014/main" xmlns="" id="{24D90287-10E9-4761-A741-2C2D08DF4E29}"/>
               </a:ext>
             </a:extLst>
           </p:cNvPr>
@@ -4107,11 +4108,11 @@
   <p:clrMapOvr>
     <a:masterClrMapping/>
   </p:clrMapOvr>
-  <mc:AlternateContent xmlns:mc="http://schemas.openxmlformats.org/markup-compatibility/2006">
-    <mc:Choice xmlns:p14="http://schemas.microsoft.com/office/powerpoint/2010/main" Requires="p14">
+  <mc:AlternateContent xmlns:mc="http://schemas.openxmlformats.org/markup-compatibility/2006" xmlns:p14="http://schemas.microsoft.com/office/powerpoint/2010/main">
+    <mc:Choice Requires="p14">
       <p:transition spd="slow" p14:dur="2000" advTm="7956"/>
     </mc:Choice>
-    <mc:Fallback>
+    <mc:Fallback xmlns="">
       <p:transition spd="slow" advTm="7956"/>
     </mc:Fallback>
   </mc:AlternateContent>
@@ -4140,7 +4141,7 @@
           <p:cNvPr id="2" name="Título 1">
             <a:extLst>
               <a:ext uri="{FF2B5EF4-FFF2-40B4-BE49-F238E27FC236}">
-                <a16:creationId xmlns:a16="http://schemas.microsoft.com/office/drawing/2014/main" id="{AA9EFC50-8EAA-4D58-A6E5-E58EA42B8145}"/>
+                <a16:creationId xmlns:a16="http://schemas.microsoft.com/office/drawing/2014/main" xmlns="" id="{5B472222-131C-4C2E-8031-A38EB8F6527B}"/>
               </a:ext>
             </a:extLst>
           </p:cNvPr>
@@ -4158,7 +4159,7 @@
           <a:p>
             <a:r>
               <a:rPr lang="pt-BR" dirty="0"/>
-              <a:t>SITE</a:t>
+              <a:t>DESENVOVIMENTO PARA O FUTURO</a:t>
             </a:r>
           </a:p>
         </p:txBody>
@@ -4168,7 +4169,222 @@
           <p:cNvPr id="3" name="Espaço Reservado para Conteúdo 2">
             <a:extLst>
               <a:ext uri="{FF2B5EF4-FFF2-40B4-BE49-F238E27FC236}">
-                <a16:creationId xmlns:a16="http://schemas.microsoft.com/office/drawing/2014/main" id="{D64E99A8-8A82-4C72-9501-42DF52460B64}"/>
+                <a16:creationId xmlns:a16="http://schemas.microsoft.com/office/drawing/2014/main" xmlns="" id="{5CC6D963-27E8-4D5B-B392-BA655C426F65}"/>
+              </a:ext>
+            </a:extLst>
+          </p:cNvPr>
+          <p:cNvSpPr>
+            <a:spLocks noGrp="1"/>
+          </p:cNvSpPr>
+          <p:nvPr>
+            <p:ph idx="1"/>
+          </p:nvPr>
+        </p:nvSpPr>
+        <p:spPr/>
+        <p:txBody>
+          <a:bodyPr/>
+          <a:lstStyle/>
+          <a:p>
+            <a:r>
+              <a:rPr lang="pt-BR" dirty="0"/>
+              <a:t>RANKING: </a:t>
+            </a:r>
+          </a:p>
+          <a:p>
+            <a:pPr marL="441325">
+              <a:buFont typeface="Wingdings" panose="05000000000000000000" pitchFamily="2" charset="2"/>
+              <a:buChar char="Ø"/>
+            </a:pPr>
+            <a:r>
+              <a:rPr lang="pt-BR" dirty="0"/>
+              <a:t>Por categorias;</a:t>
+            </a:r>
+          </a:p>
+          <a:p>
+            <a:pPr marL="441325">
+              <a:buFont typeface="Wingdings" panose="05000000000000000000" pitchFamily="2" charset="2"/>
+              <a:buChar char="Ø"/>
+            </a:pPr>
+            <a:r>
+              <a:rPr lang="pt-BR" dirty="0"/>
+              <a:t>De projetos mais votados;</a:t>
+            </a:r>
+          </a:p>
+          <a:p>
+            <a:pPr marL="441325">
+              <a:buFont typeface="Wingdings" panose="05000000000000000000" pitchFamily="2" charset="2"/>
+              <a:buChar char="Ø"/>
+            </a:pPr>
+            <a:r>
+              <a:rPr lang="pt-BR" dirty="0"/>
+              <a:t>De usuários em destaque;</a:t>
+            </a:r>
+          </a:p>
+          <a:p>
+            <a:pPr marL="441325">
+              <a:buFont typeface="Wingdings" panose="05000000000000000000" pitchFamily="2" charset="2"/>
+              <a:buChar char="Ø"/>
+            </a:pPr>
+            <a:r>
+              <a:rPr lang="pt-BR" dirty="0"/>
+              <a:t>Por estados e cidades;</a:t>
+            </a:r>
+          </a:p>
+        </p:txBody>
+      </p:sp>
+      <p:sp>
+        <p:nvSpPr>
+          <p:cNvPr id="4" name="Espaço Reservado para Número de Slide 3">
+            <a:extLst>
+              <a:ext uri="{FF2B5EF4-FFF2-40B4-BE49-F238E27FC236}">
+                <a16:creationId xmlns:a16="http://schemas.microsoft.com/office/drawing/2014/main" xmlns="" id="{F44F371E-1568-461E-BECB-7A54C0F45B37}"/>
+              </a:ext>
+            </a:extLst>
+          </p:cNvPr>
+          <p:cNvSpPr>
+            <a:spLocks noGrp="1"/>
+          </p:cNvSpPr>
+          <p:nvPr>
+            <p:ph type="sldNum" sz="quarter" idx="12"/>
+          </p:nvPr>
+        </p:nvSpPr>
+        <p:spPr>
+          <a:xfrm>
+            <a:off x="8157511" y="401783"/>
+            <a:ext cx="2743200" cy="365125"/>
+          </a:xfrm>
+        </p:spPr>
+        <p:txBody>
+          <a:bodyPr/>
+          <a:lstStyle/>
+          <a:p>
+            <a:fld id="{0B58B777-6F14-4B33-A736-8ADE909D690F}" type="slidenum">
+              <a:rPr lang="pt-BR" sz="1600" smtClean="0"/>
+              <a:t>10</a:t>
+            </a:fld>
+            <a:endParaRPr lang="pt-BR" dirty="0"/>
+          </a:p>
+        </p:txBody>
+      </p:sp>
+      <p:pic>
+        <p:nvPicPr>
+          <p:cNvPr id="5" name="Picture 2" descr="https://lh3.googleusercontent.com/xim3WpIXO3zj6hwsI6YPeMiAO0bN3wF07maXk0a4WuDSC9N0JW5EQrFL0LU_WWbusVFXIh7TQ0SGi7b-_Xyx20bC8kVjlnDJIU9kEFYA6sJlLsD2e06gMtZG4OsKZTlaJmW4zL7qVIz-pna1eQ">
+            <a:extLst>
+              <a:ext uri="{FF2B5EF4-FFF2-40B4-BE49-F238E27FC236}">
+                <a16:creationId xmlns:a16="http://schemas.microsoft.com/office/drawing/2014/main" xmlns="" id="{45704645-90A6-42BD-8DB3-2EAD6A2D042B}"/>
+              </a:ext>
+            </a:extLst>
+          </p:cNvPr>
+          <p:cNvPicPr>
+            <a:picLocks noChangeAspect="1" noChangeArrowheads="1"/>
+          </p:cNvPicPr>
+          <p:nvPr/>
+        </p:nvPicPr>
+        <p:blipFill>
+          <a:blip r:embed="rId2">
+            <a:extLst>
+              <a:ext uri="{28A0092B-C50C-407E-A947-70E740481C1C}">
+                <a14:useLocalDpi xmlns:a14="http://schemas.microsoft.com/office/drawing/2010/main" val="0"/>
+              </a:ext>
+            </a:extLst>
+          </a:blip>
+          <a:srcRect/>
+          <a:stretch>
+            <a:fillRect/>
+          </a:stretch>
+        </p:blipFill>
+        <p:spPr bwMode="auto">
+          <a:xfrm>
+            <a:off x="9084943" y="3577935"/>
+            <a:ext cx="3631537" cy="3631537"/>
+          </a:xfrm>
+          <a:prstGeom prst="rect">
+            <a:avLst/>
+          </a:prstGeom>
+          <a:noFill/>
+          <a:extLst>
+            <a:ext uri="{909E8E84-426E-40DD-AFC4-6F175D3DCCD1}">
+              <a14:hiddenFill xmlns:a14="http://schemas.microsoft.com/office/drawing/2010/main">
+                <a:solidFill>
+                  <a:srgbClr val="FFFFFF"/>
+                </a:solidFill>
+              </a14:hiddenFill>
+            </a:ext>
+          </a:extLst>
+        </p:spPr>
+      </p:pic>
+    </p:spTree>
+    <p:extLst>
+      <p:ext uri="{BB962C8B-B14F-4D97-AF65-F5344CB8AC3E}">
+        <p14:creationId xmlns:p14="http://schemas.microsoft.com/office/powerpoint/2010/main" val="630996037"/>
+      </p:ext>
+    </p:extLst>
+  </p:cSld>
+  <p:clrMapOvr>
+    <a:masterClrMapping/>
+  </p:clrMapOvr>
+  <mc:AlternateContent xmlns:mc="http://schemas.openxmlformats.org/markup-compatibility/2006" xmlns:p14="http://schemas.microsoft.com/office/powerpoint/2010/main">
+    <mc:Choice Requires="p14">
+      <p:transition spd="slow" p14:dur="2000" advTm="32294"/>
+    </mc:Choice>
+    <mc:Fallback xmlns="">
+      <p:transition spd="slow" advTm="32294"/>
+    </mc:Fallback>
+  </mc:AlternateContent>
+</p:sld>
+</file>
+
+<file path=ppt/slides/slide11.xml><?xml version="1.0" encoding="utf-8"?>
+<p:sld xmlns:a="http://schemas.openxmlformats.org/drawingml/2006/main" xmlns:r="http://schemas.openxmlformats.org/officeDocument/2006/relationships" xmlns:p="http://schemas.openxmlformats.org/presentationml/2006/main">
+  <p:cSld>
+    <p:spTree>
+      <p:nvGrpSpPr>
+        <p:cNvPr id="1" name=""/>
+        <p:cNvGrpSpPr/>
+        <p:nvPr/>
+      </p:nvGrpSpPr>
+      <p:grpSpPr>
+        <a:xfrm>
+          <a:off x="0" y="0"/>
+          <a:ext cx="0" cy="0"/>
+          <a:chOff x="0" y="0"/>
+          <a:chExt cx="0" cy="0"/>
+        </a:xfrm>
+      </p:grpSpPr>
+      <p:sp>
+        <p:nvSpPr>
+          <p:cNvPr id="2" name="Título 1">
+            <a:extLst>
+              <a:ext uri="{FF2B5EF4-FFF2-40B4-BE49-F238E27FC236}">
+                <a16:creationId xmlns:a16="http://schemas.microsoft.com/office/drawing/2014/main" xmlns="" id="{AA9EFC50-8EAA-4D58-A6E5-E58EA42B8145}"/>
+              </a:ext>
+            </a:extLst>
+          </p:cNvPr>
+          <p:cNvSpPr>
+            <a:spLocks noGrp="1"/>
+          </p:cNvSpPr>
+          <p:nvPr>
+            <p:ph type="title"/>
+          </p:nvPr>
+        </p:nvSpPr>
+        <p:spPr/>
+        <p:txBody>
+          <a:bodyPr/>
+          <a:lstStyle/>
+          <a:p>
+            <a:r>
+              <a:rPr lang="pt-BR" dirty="0"/>
+              <a:t>SITE</a:t>
+            </a:r>
+          </a:p>
+        </p:txBody>
+      </p:sp>
+      <p:sp>
+        <p:nvSpPr>
+          <p:cNvPr id="3" name="Espaço Reservado para Conteúdo 2">
+            <a:extLst>
+              <a:ext uri="{FF2B5EF4-FFF2-40B4-BE49-F238E27FC236}">
+                <a16:creationId xmlns:a16="http://schemas.microsoft.com/office/drawing/2014/main" xmlns="" id="{D64E99A8-8A82-4C72-9501-42DF52460B64}"/>
               </a:ext>
             </a:extLst>
           </p:cNvPr>
@@ -4206,7 +4422,7 @@
           <p:cNvPr id="4" name="Espaço Reservado para Número de Slide 3">
             <a:extLst>
               <a:ext uri="{FF2B5EF4-FFF2-40B4-BE49-F238E27FC236}">
-                <a16:creationId xmlns:a16="http://schemas.microsoft.com/office/drawing/2014/main" id="{E518A7CE-96DB-467C-BA9A-CC8D77FD5A61}"/>
+                <a16:creationId xmlns:a16="http://schemas.microsoft.com/office/drawing/2014/main" xmlns="" id="{E518A7CE-96DB-467C-BA9A-CC8D77FD5A61}"/>
               </a:ext>
             </a:extLst>
           </p:cNvPr>
@@ -4229,7 +4445,7 @@
           <a:p>
             <a:fld id="{0B58B777-6F14-4B33-A736-8ADE909D690F}" type="slidenum">
               <a:rPr lang="pt-BR" sz="1600" smtClean="0"/>
-              <a:t>10</a:t>
+              <a:t>11</a:t>
             </a:fld>
             <a:endParaRPr lang="pt-BR" dirty="0"/>
           </a:p>
@@ -4240,7 +4456,7 @@
           <p:cNvPr id="5" name="Picture 2" descr="https://lh3.googleusercontent.com/xim3WpIXO3zj6hwsI6YPeMiAO0bN3wF07maXk0a4WuDSC9N0JW5EQrFL0LU_WWbusVFXIh7TQ0SGi7b-_Xyx20bC8kVjlnDJIU9kEFYA6sJlLsD2e06gMtZG4OsKZTlaJmW4zL7qVIz-pna1eQ">
             <a:extLst>
               <a:ext uri="{FF2B5EF4-FFF2-40B4-BE49-F238E27FC236}">
-                <a16:creationId xmlns:a16="http://schemas.microsoft.com/office/drawing/2014/main" id="{C9BBA8F9-3A9C-47F3-B381-4D377BED4BE9}"/>
+                <a16:creationId xmlns:a16="http://schemas.microsoft.com/office/drawing/2014/main" xmlns="" id="{C9BBA8F9-3A9C-47F3-B381-4D377BED4BE9}"/>
               </a:ext>
             </a:extLst>
           </p:cNvPr>
@@ -4292,11 +4508,11 @@
   <p:clrMapOvr>
     <a:masterClrMapping/>
   </p:clrMapOvr>
-  <mc:AlternateContent xmlns:mc="http://schemas.openxmlformats.org/markup-compatibility/2006">
-    <mc:Choice xmlns:p14="http://schemas.microsoft.com/office/powerpoint/2010/main" Requires="p14">
+  <mc:AlternateContent xmlns:mc="http://schemas.openxmlformats.org/markup-compatibility/2006" xmlns:p14="http://schemas.microsoft.com/office/powerpoint/2010/main">
+    <mc:Choice Requires="p14">
       <p:transition spd="slow" p14:dur="2000" advTm="7926"/>
     </mc:Choice>
-    <mc:Fallback>
+    <mc:Fallback xmlns="">
       <p:transition spd="slow" advTm="7926"/>
     </mc:Fallback>
   </mc:AlternateContent>
@@ -4325,7 +4541,7 @@
           <p:cNvPr id="2" name="Título 1">
             <a:extLst>
               <a:ext uri="{FF2B5EF4-FFF2-40B4-BE49-F238E27FC236}">
-                <a16:creationId xmlns:a16="http://schemas.microsoft.com/office/drawing/2014/main" id="{1A73252D-06B0-4504-A626-6C83A797BB6A}"/>
+                <a16:creationId xmlns:a16="http://schemas.microsoft.com/office/drawing/2014/main" xmlns="" id="{1A73252D-06B0-4504-A626-6C83A797BB6A}"/>
               </a:ext>
             </a:extLst>
           </p:cNvPr>
@@ -4353,7 +4569,7 @@
           <p:cNvPr id="3" name="Espaço Reservado para Conteúdo 2">
             <a:extLst>
               <a:ext uri="{FF2B5EF4-FFF2-40B4-BE49-F238E27FC236}">
-                <a16:creationId xmlns:a16="http://schemas.microsoft.com/office/drawing/2014/main" id="{04D26F8A-5CB7-411D-ABF0-3F4D6DE6319D}"/>
+                <a16:creationId xmlns:a16="http://schemas.microsoft.com/office/drawing/2014/main" xmlns="" id="{04D26F8A-5CB7-411D-ABF0-3F4D6DE6319D}"/>
               </a:ext>
             </a:extLst>
           </p:cNvPr>
@@ -4393,7 +4609,7 @@
           <p:cNvPr id="6" name="Espaço Reservado para Número de Slide 5">
             <a:extLst>
               <a:ext uri="{FF2B5EF4-FFF2-40B4-BE49-F238E27FC236}">
-                <a16:creationId xmlns:a16="http://schemas.microsoft.com/office/drawing/2014/main" id="{51FB4BC7-F6FA-4BE6-AD5C-05EE96E1D412}"/>
+                <a16:creationId xmlns:a16="http://schemas.microsoft.com/office/drawing/2014/main" xmlns="" id="{51FB4BC7-F6FA-4BE6-AD5C-05EE96E1D412}"/>
               </a:ext>
             </a:extLst>
           </p:cNvPr>
@@ -4427,7 +4643,7 @@
           <p:cNvPr id="2050" name="Picture 2" descr="https://lh3.googleusercontent.com/xim3WpIXO3zj6hwsI6YPeMiAO0bN3wF07maXk0a4WuDSC9N0JW5EQrFL0LU_WWbusVFXIh7TQ0SGi7b-_Xyx20bC8kVjlnDJIU9kEFYA6sJlLsD2e06gMtZG4OsKZTlaJmW4zL7qVIz-pna1eQ">
             <a:extLst>
               <a:ext uri="{FF2B5EF4-FFF2-40B4-BE49-F238E27FC236}">
-                <a16:creationId xmlns:a16="http://schemas.microsoft.com/office/drawing/2014/main" id="{F1547CCC-F185-4061-908D-F31C68A42965}"/>
+                <a16:creationId xmlns:a16="http://schemas.microsoft.com/office/drawing/2014/main" xmlns="" id="{F1547CCC-F185-4061-908D-F31C68A42965}"/>
               </a:ext>
             </a:extLst>
           </p:cNvPr>
@@ -4479,11 +4695,11 @@
   <p:clrMapOvr>
     <a:masterClrMapping/>
   </p:clrMapOvr>
-  <mc:AlternateContent xmlns:mc="http://schemas.openxmlformats.org/markup-compatibility/2006">
-    <mc:Choice xmlns:p14="http://schemas.microsoft.com/office/powerpoint/2010/main" Requires="p14">
+  <mc:AlternateContent xmlns:mc="http://schemas.openxmlformats.org/markup-compatibility/2006" xmlns:p14="http://schemas.microsoft.com/office/powerpoint/2010/main">
+    <mc:Choice Requires="p14">
       <p:transition spd="slow" p14:dur="2000" advTm="438"/>
     </mc:Choice>
-    <mc:Fallback>
+    <mc:Fallback xmlns="">
       <p:transition spd="slow" advTm="438"/>
     </mc:Fallback>
   </mc:AlternateContent>
@@ -4512,7 +4728,7 @@
           <p:cNvPr id="2" name="Título 1">
             <a:extLst>
               <a:ext uri="{FF2B5EF4-FFF2-40B4-BE49-F238E27FC236}">
-                <a16:creationId xmlns:a16="http://schemas.microsoft.com/office/drawing/2014/main" id="{0B6DBD57-F3A8-48D3-B6A1-0C895CA8FCE8}"/>
+                <a16:creationId xmlns:a16="http://schemas.microsoft.com/office/drawing/2014/main" xmlns="" id="{0B6DBD57-F3A8-48D3-B6A1-0C895CA8FCE8}"/>
               </a:ext>
             </a:extLst>
           </p:cNvPr>
@@ -4545,7 +4761,7 @@
           <p:cNvPr id="3" name="Espaço Reservado para Conteúdo 2">
             <a:extLst>
               <a:ext uri="{FF2B5EF4-FFF2-40B4-BE49-F238E27FC236}">
-                <a16:creationId xmlns:a16="http://schemas.microsoft.com/office/drawing/2014/main" id="{7F5A4494-6D17-4200-BE69-4E1FE0862C3B}"/>
+                <a16:creationId xmlns:a16="http://schemas.microsoft.com/office/drawing/2014/main" xmlns="" id="{7F5A4494-6D17-4200-BE69-4E1FE0862C3B}"/>
               </a:ext>
             </a:extLst>
           </p:cNvPr>
@@ -4593,7 +4809,7 @@
           <p:cNvPr id="7" name="Espaço Reservado para Número de Slide 6">
             <a:extLst>
               <a:ext uri="{FF2B5EF4-FFF2-40B4-BE49-F238E27FC236}">
-                <a16:creationId xmlns:a16="http://schemas.microsoft.com/office/drawing/2014/main" id="{E021C2DC-FC59-4F63-86B1-5BCEA8D03929}"/>
+                <a16:creationId xmlns:a16="http://schemas.microsoft.com/office/drawing/2014/main" xmlns="" id="{E021C2DC-FC59-4F63-86B1-5BCEA8D03929}"/>
               </a:ext>
             </a:extLst>
           </p:cNvPr>
@@ -4627,7 +4843,7 @@
           <p:cNvPr id="5" name="Picture 2" descr="https://lh3.googleusercontent.com/xim3WpIXO3zj6hwsI6YPeMiAO0bN3wF07maXk0a4WuDSC9N0JW5EQrFL0LU_WWbusVFXIh7TQ0SGi7b-_Xyx20bC8kVjlnDJIU9kEFYA6sJlLsD2e06gMtZG4OsKZTlaJmW4zL7qVIz-pna1eQ">
             <a:extLst>
               <a:ext uri="{FF2B5EF4-FFF2-40B4-BE49-F238E27FC236}">
-                <a16:creationId xmlns:a16="http://schemas.microsoft.com/office/drawing/2014/main" id="{90EE2E8C-F626-4BB4-87D7-7656FECB580E}"/>
+                <a16:creationId xmlns:a16="http://schemas.microsoft.com/office/drawing/2014/main" xmlns="" id="{90EE2E8C-F626-4BB4-87D7-7656FECB580E}"/>
               </a:ext>
             </a:extLst>
           </p:cNvPr>
@@ -4679,11 +4895,11 @@
   <p:clrMapOvr>
     <a:masterClrMapping/>
   </p:clrMapOvr>
-  <mc:AlternateContent xmlns:mc="http://schemas.openxmlformats.org/markup-compatibility/2006">
-    <mc:Choice xmlns:p14="http://schemas.microsoft.com/office/powerpoint/2010/main" Requires="p14">
+  <mc:AlternateContent xmlns:mc="http://schemas.openxmlformats.org/markup-compatibility/2006" xmlns:p14="http://schemas.microsoft.com/office/powerpoint/2010/main">
+    <mc:Choice Requires="p14">
       <p:transition spd="slow" p14:dur="2000" advTm="973"/>
     </mc:Choice>
-    <mc:Fallback>
+    <mc:Fallback xmlns="">
       <p:transition spd="slow" advTm="973"/>
     </mc:Fallback>
   </mc:AlternateContent>
@@ -4712,7 +4928,7 @@
           <p:cNvPr id="2" name="Título 1">
             <a:extLst>
               <a:ext uri="{FF2B5EF4-FFF2-40B4-BE49-F238E27FC236}">
-                <a16:creationId xmlns:a16="http://schemas.microsoft.com/office/drawing/2014/main" id="{A99F73B1-BA69-48B7-828A-6B9049E1C5D8}"/>
+                <a16:creationId xmlns:a16="http://schemas.microsoft.com/office/drawing/2014/main" xmlns="" id="{A99F73B1-BA69-48B7-828A-6B9049E1C5D8}"/>
               </a:ext>
             </a:extLst>
           </p:cNvPr>
@@ -4740,7 +4956,7 @@
           <p:cNvPr id="3" name="Espaço Reservado para Conteúdo 2">
             <a:extLst>
               <a:ext uri="{FF2B5EF4-FFF2-40B4-BE49-F238E27FC236}">
-                <a16:creationId xmlns:a16="http://schemas.microsoft.com/office/drawing/2014/main" id="{F7DB39BF-155C-4B08-BD3B-506A1B0DD214}"/>
+                <a16:creationId xmlns:a16="http://schemas.microsoft.com/office/drawing/2014/main" xmlns="" id="{F7DB39BF-155C-4B08-BD3B-506A1B0DD214}"/>
               </a:ext>
             </a:extLst>
           </p:cNvPr>
@@ -4774,7 +4990,7 @@
           <p:cNvPr id="6" name="Espaço Reservado para Número de Slide 5">
             <a:extLst>
               <a:ext uri="{FF2B5EF4-FFF2-40B4-BE49-F238E27FC236}">
-                <a16:creationId xmlns:a16="http://schemas.microsoft.com/office/drawing/2014/main" id="{CE0027F8-CCEB-4555-9774-DE8AD9940CEB}"/>
+                <a16:creationId xmlns:a16="http://schemas.microsoft.com/office/drawing/2014/main" xmlns="" id="{CE0027F8-CCEB-4555-9774-DE8AD9940CEB}"/>
               </a:ext>
             </a:extLst>
           </p:cNvPr>
@@ -4808,7 +5024,7 @@
           <p:cNvPr id="5" name="Picture 2" descr="https://lh3.googleusercontent.com/xim3WpIXO3zj6hwsI6YPeMiAO0bN3wF07maXk0a4WuDSC9N0JW5EQrFL0LU_WWbusVFXIh7TQ0SGi7b-_Xyx20bC8kVjlnDJIU9kEFYA6sJlLsD2e06gMtZG4OsKZTlaJmW4zL7qVIz-pna1eQ">
             <a:extLst>
               <a:ext uri="{FF2B5EF4-FFF2-40B4-BE49-F238E27FC236}">
-                <a16:creationId xmlns:a16="http://schemas.microsoft.com/office/drawing/2014/main" id="{4091EFBE-5633-43AB-8BF9-BE6E2987BF64}"/>
+                <a16:creationId xmlns:a16="http://schemas.microsoft.com/office/drawing/2014/main" xmlns="" id="{4091EFBE-5633-43AB-8BF9-BE6E2987BF64}"/>
               </a:ext>
             </a:extLst>
           </p:cNvPr>
@@ -4860,11 +5076,11 @@
   <p:clrMapOvr>
     <a:masterClrMapping/>
   </p:clrMapOvr>
-  <mc:AlternateContent xmlns:mc="http://schemas.openxmlformats.org/markup-compatibility/2006">
-    <mc:Choice xmlns:p14="http://schemas.microsoft.com/office/powerpoint/2010/main" Requires="p14">
+  <mc:AlternateContent xmlns:mc="http://schemas.openxmlformats.org/markup-compatibility/2006" xmlns:p14="http://schemas.microsoft.com/office/powerpoint/2010/main">
+    <mc:Choice Requires="p14">
       <p:transition spd="slow" p14:dur="2000" advTm="13912"/>
     </mc:Choice>
-    <mc:Fallback>
+    <mc:Fallback xmlns="">
       <p:transition spd="slow" advTm="13912"/>
     </mc:Fallback>
   </mc:AlternateContent>
@@ -4893,7 +5109,7 @@
           <p:cNvPr id="2" name="Título 1">
             <a:extLst>
               <a:ext uri="{FF2B5EF4-FFF2-40B4-BE49-F238E27FC236}">
-                <a16:creationId xmlns:a16="http://schemas.microsoft.com/office/drawing/2014/main" id="{F57EE9A9-7A7A-4B1E-AD46-B5B0F994BA14}"/>
+                <a16:creationId xmlns:a16="http://schemas.microsoft.com/office/drawing/2014/main" xmlns="" id="{F57EE9A9-7A7A-4B1E-AD46-B5B0F994BA14}"/>
               </a:ext>
             </a:extLst>
           </p:cNvPr>
@@ -4921,7 +5137,7 @@
           <p:cNvPr id="3" name="Espaço Reservado para Conteúdo 2">
             <a:extLst>
               <a:ext uri="{FF2B5EF4-FFF2-40B4-BE49-F238E27FC236}">
-                <a16:creationId xmlns:a16="http://schemas.microsoft.com/office/drawing/2014/main" id="{C55C1C3F-DA8A-46EA-AC64-D47AF9051CF2}"/>
+                <a16:creationId xmlns:a16="http://schemas.microsoft.com/office/drawing/2014/main" xmlns="" id="{C55C1C3F-DA8A-46EA-AC64-D47AF9051CF2}"/>
               </a:ext>
             </a:extLst>
           </p:cNvPr>
@@ -4985,7 +5201,7 @@
           <p:cNvPr id="6" name="Espaço Reservado para Número de Slide 5">
             <a:extLst>
               <a:ext uri="{FF2B5EF4-FFF2-40B4-BE49-F238E27FC236}">
-                <a16:creationId xmlns:a16="http://schemas.microsoft.com/office/drawing/2014/main" id="{AEB45325-9B13-41E5-B3EE-FF105E36B55A}"/>
+                <a16:creationId xmlns:a16="http://schemas.microsoft.com/office/drawing/2014/main" xmlns="" id="{AEB45325-9B13-41E5-B3EE-FF105E36B55A}"/>
               </a:ext>
             </a:extLst>
           </p:cNvPr>
@@ -5019,7 +5235,7 @@
           <p:cNvPr id="5" name="Picture 2" descr="https://lh3.googleusercontent.com/xim3WpIXO3zj6hwsI6YPeMiAO0bN3wF07maXk0a4WuDSC9N0JW5EQrFL0LU_WWbusVFXIh7TQ0SGi7b-_Xyx20bC8kVjlnDJIU9kEFYA6sJlLsD2e06gMtZG4OsKZTlaJmW4zL7qVIz-pna1eQ">
             <a:extLst>
               <a:ext uri="{FF2B5EF4-FFF2-40B4-BE49-F238E27FC236}">
-                <a16:creationId xmlns:a16="http://schemas.microsoft.com/office/drawing/2014/main" id="{AE321AAA-40DC-43FE-8121-B2CDBFE730C5}"/>
+                <a16:creationId xmlns:a16="http://schemas.microsoft.com/office/drawing/2014/main" xmlns="" id="{AE321AAA-40DC-43FE-8121-B2CDBFE730C5}"/>
               </a:ext>
             </a:extLst>
           </p:cNvPr>
@@ -5071,11 +5287,11 @@
   <p:clrMapOvr>
     <a:masterClrMapping/>
   </p:clrMapOvr>
-  <mc:AlternateContent xmlns:mc="http://schemas.openxmlformats.org/markup-compatibility/2006">
-    <mc:Choice xmlns:p14="http://schemas.microsoft.com/office/powerpoint/2010/main" Requires="p14">
+  <mc:AlternateContent xmlns:mc="http://schemas.openxmlformats.org/markup-compatibility/2006" xmlns:p14="http://schemas.microsoft.com/office/powerpoint/2010/main">
+    <mc:Choice Requires="p14">
       <p:transition spd="slow" p14:dur="2000" advTm="78464"/>
     </mc:Choice>
-    <mc:Fallback>
+    <mc:Fallback xmlns="">
       <p:transition spd="slow" advTm="78464"/>
     </mc:Fallback>
   </mc:AlternateContent>
@@ -5104,7 +5320,7 @@
           <p:cNvPr id="2" name="Título 1">
             <a:extLst>
               <a:ext uri="{FF2B5EF4-FFF2-40B4-BE49-F238E27FC236}">
-                <a16:creationId xmlns:a16="http://schemas.microsoft.com/office/drawing/2014/main" id="{4558DD99-84E7-434E-A208-F74E29DBC747}"/>
+                <a16:creationId xmlns:a16="http://schemas.microsoft.com/office/drawing/2014/main" xmlns="" id="{4558DD99-84E7-434E-A208-F74E29DBC747}"/>
               </a:ext>
             </a:extLst>
           </p:cNvPr>
@@ -5132,7 +5348,7 @@
           <p:cNvPr id="9" name="Espaço Reservado para Número de Slide 8">
             <a:extLst>
               <a:ext uri="{FF2B5EF4-FFF2-40B4-BE49-F238E27FC236}">
-                <a16:creationId xmlns:a16="http://schemas.microsoft.com/office/drawing/2014/main" id="{5924FCA2-D41C-44D4-BEC7-EB8323309D56}"/>
+                <a16:creationId xmlns:a16="http://schemas.microsoft.com/office/drawing/2014/main" xmlns="" id="{5924FCA2-D41C-44D4-BEC7-EB8323309D56}"/>
               </a:ext>
             </a:extLst>
           </p:cNvPr>
@@ -5166,7 +5382,7 @@
           <p:cNvPr id="6" name="Imagem 5">
             <a:extLst>
               <a:ext uri="{FF2B5EF4-FFF2-40B4-BE49-F238E27FC236}">
-                <a16:creationId xmlns:a16="http://schemas.microsoft.com/office/drawing/2014/main" id="{3F4D1BED-089C-4685-8264-2A7D52E2D2BC}"/>
+                <a16:creationId xmlns:a16="http://schemas.microsoft.com/office/drawing/2014/main" xmlns="" id="{3F4D1BED-089C-4685-8264-2A7D52E2D2BC}"/>
               </a:ext>
             </a:extLst>
           </p:cNvPr>
@@ -5207,11 +5423,11 @@
   <p:clrMapOvr>
     <a:masterClrMapping/>
   </p:clrMapOvr>
-  <mc:AlternateContent xmlns:mc="http://schemas.openxmlformats.org/markup-compatibility/2006">
-    <mc:Choice xmlns:p14="http://schemas.microsoft.com/office/powerpoint/2010/main" Requires="p14">
+  <mc:AlternateContent xmlns:mc="http://schemas.openxmlformats.org/markup-compatibility/2006" xmlns:p14="http://schemas.microsoft.com/office/powerpoint/2010/main">
+    <mc:Choice Requires="p14">
       <p:transition spd="slow" p14:dur="2000" advTm="86964"/>
     </mc:Choice>
-    <mc:Fallback>
+    <mc:Fallback xmlns="">
       <p:transition spd="slow" advTm="86964"/>
     </mc:Fallback>
   </mc:AlternateContent>
@@ -5240,7 +5456,7 @@
           <p:cNvPr id="2" name="Título 1">
             <a:extLst>
               <a:ext uri="{FF2B5EF4-FFF2-40B4-BE49-F238E27FC236}">
-                <a16:creationId xmlns:a16="http://schemas.microsoft.com/office/drawing/2014/main" id="{CE75E23B-6218-456B-AC63-6C1B2B3E965B}"/>
+                <a16:creationId xmlns:a16="http://schemas.microsoft.com/office/drawing/2014/main" xmlns="" id="{CE75E23B-6218-456B-AC63-6C1B2B3E965B}"/>
               </a:ext>
             </a:extLst>
           </p:cNvPr>
@@ -5268,7 +5484,7 @@
           <p:cNvPr id="3" name="Espaço Reservado para Conteúdo 2">
             <a:extLst>
               <a:ext uri="{FF2B5EF4-FFF2-40B4-BE49-F238E27FC236}">
-                <a16:creationId xmlns:a16="http://schemas.microsoft.com/office/drawing/2014/main" id="{87448592-20B1-4E3E-8F41-940E9945FBFA}"/>
+                <a16:creationId xmlns:a16="http://schemas.microsoft.com/office/drawing/2014/main" xmlns="" id="{87448592-20B1-4E3E-8F41-940E9945FBFA}"/>
               </a:ext>
             </a:extLst>
           </p:cNvPr>
@@ -5316,7 +5532,7 @@
           <p:cNvPr id="5" name="Espaço Reservado para Conteúdo 4">
             <a:extLst>
               <a:ext uri="{FF2B5EF4-FFF2-40B4-BE49-F238E27FC236}">
-                <a16:creationId xmlns:a16="http://schemas.microsoft.com/office/drawing/2014/main" id="{0CD7C545-466C-4790-8C68-5F070203EDC4}"/>
+                <a16:creationId xmlns:a16="http://schemas.microsoft.com/office/drawing/2014/main" xmlns="" id="{0CD7C545-466C-4790-8C68-5F070203EDC4}"/>
               </a:ext>
             </a:extLst>
           </p:cNvPr>
@@ -5364,33 +5580,182 @@
       </p:sp>
       <p:sp>
         <p:nvSpPr>
-          <p:cNvPr id="4" name="Espaço Reservado para Número de Slide 3">
+          <p:cNvPr id="6" name="Espaço Reservado para Número de Slide 3">
             <a:extLst>
               <a:ext uri="{FF2B5EF4-FFF2-40B4-BE49-F238E27FC236}">
-                <a16:creationId xmlns:a16="http://schemas.microsoft.com/office/drawing/2014/main" id="{085DCFAF-57B8-4615-ACB7-3EB6A4811E37}"/>
+                <a16:creationId xmlns:a16="http://schemas.microsoft.com/office/drawing/2014/main" xmlns="" id="{F44F371E-1568-461E-BECB-7A54C0F45B37}"/>
               </a:ext>
             </a:extLst>
           </p:cNvPr>
-          <p:cNvSpPr>
-            <a:spLocks noGrp="1"/>
-          </p:cNvSpPr>
-          <p:nvPr>
-            <p:ph type="sldNum" sz="quarter" idx="12"/>
-          </p:nvPr>
-        </p:nvSpPr>
-        <p:spPr/>
-        <p:txBody>
-          <a:bodyPr/>
-          <a:lstStyle/>
-          <a:p>
-            <a:fld id="{0B58B777-6F14-4B33-A736-8ADE909D690F}" type="slidenum">
-              <a:rPr lang="pt-BR" smtClean="0"/>
+          <p:cNvSpPr txBox="1">
+            <a:spLocks/>
+          </p:cNvSpPr>
+          <p:nvPr/>
+        </p:nvSpPr>
+        <p:spPr>
+          <a:xfrm>
+            <a:off x="8157511" y="401783"/>
+            <a:ext cx="2743200" cy="365125"/>
+          </a:xfrm>
+          <a:prstGeom prst="rect">
+            <a:avLst/>
+          </a:prstGeom>
+        </p:spPr>
+        <p:txBody>
+          <a:bodyPr vert="horz" lIns="91440" tIns="45720" rIns="91440" bIns="45720" rtlCol="0" anchor="ctr"/>
+          <a:lstStyle>
+            <a:defPPr>
+              <a:defRPr lang="en-US"/>
+            </a:defPPr>
+            <a:lvl1pPr marL="0" algn="r" defTabSz="457200" rtl="0" eaLnBrk="1" latinLnBrk="0" hangingPunct="1">
+              <a:defRPr sz="1200" kern="1200">
+                <a:solidFill>
+                  <a:schemeClr val="tx1">
+                    <a:tint val="75000"/>
+                  </a:schemeClr>
+                </a:solidFill>
+                <a:latin typeface="+mn-lt"/>
+                <a:ea typeface="+mn-ea"/>
+                <a:cs typeface="+mn-cs"/>
+              </a:defRPr>
+            </a:lvl1pPr>
+            <a:lvl2pPr marL="457200" algn="l" defTabSz="457200" rtl="0" eaLnBrk="1" latinLnBrk="0" hangingPunct="1">
+              <a:defRPr sz="1800" kern="1200">
+                <a:solidFill>
+                  <a:schemeClr val="tx1"/>
+                </a:solidFill>
+                <a:latin typeface="+mn-lt"/>
+                <a:ea typeface="+mn-ea"/>
+                <a:cs typeface="+mn-cs"/>
+              </a:defRPr>
+            </a:lvl2pPr>
+            <a:lvl3pPr marL="914400" algn="l" defTabSz="457200" rtl="0" eaLnBrk="1" latinLnBrk="0" hangingPunct="1">
+              <a:defRPr sz="1800" kern="1200">
+                <a:solidFill>
+                  <a:schemeClr val="tx1"/>
+                </a:solidFill>
+                <a:latin typeface="+mn-lt"/>
+                <a:ea typeface="+mn-ea"/>
+                <a:cs typeface="+mn-cs"/>
+              </a:defRPr>
+            </a:lvl3pPr>
+            <a:lvl4pPr marL="1371600" algn="l" defTabSz="457200" rtl="0" eaLnBrk="1" latinLnBrk="0" hangingPunct="1">
+              <a:defRPr sz="1800" kern="1200">
+                <a:solidFill>
+                  <a:schemeClr val="tx1"/>
+                </a:solidFill>
+                <a:latin typeface="+mn-lt"/>
+                <a:ea typeface="+mn-ea"/>
+                <a:cs typeface="+mn-cs"/>
+              </a:defRPr>
+            </a:lvl4pPr>
+            <a:lvl5pPr marL="1828800" algn="l" defTabSz="457200" rtl="0" eaLnBrk="1" latinLnBrk="0" hangingPunct="1">
+              <a:defRPr sz="1800" kern="1200">
+                <a:solidFill>
+                  <a:schemeClr val="tx1"/>
+                </a:solidFill>
+                <a:latin typeface="+mn-lt"/>
+                <a:ea typeface="+mn-ea"/>
+                <a:cs typeface="+mn-cs"/>
+              </a:defRPr>
+            </a:lvl5pPr>
+            <a:lvl6pPr marL="2286000" algn="l" defTabSz="457200" rtl="0" eaLnBrk="1" latinLnBrk="0" hangingPunct="1">
+              <a:defRPr sz="1800" kern="1200">
+                <a:solidFill>
+                  <a:schemeClr val="tx1"/>
+                </a:solidFill>
+                <a:latin typeface="+mn-lt"/>
+                <a:ea typeface="+mn-ea"/>
+                <a:cs typeface="+mn-cs"/>
+              </a:defRPr>
+            </a:lvl6pPr>
+            <a:lvl7pPr marL="2743200" algn="l" defTabSz="457200" rtl="0" eaLnBrk="1" latinLnBrk="0" hangingPunct="1">
+              <a:defRPr sz="1800" kern="1200">
+                <a:solidFill>
+                  <a:schemeClr val="tx1"/>
+                </a:solidFill>
+                <a:latin typeface="+mn-lt"/>
+                <a:ea typeface="+mn-ea"/>
+                <a:cs typeface="+mn-cs"/>
+              </a:defRPr>
+            </a:lvl7pPr>
+            <a:lvl8pPr marL="3200400" algn="l" defTabSz="457200" rtl="0" eaLnBrk="1" latinLnBrk="0" hangingPunct="1">
+              <a:defRPr sz="1800" kern="1200">
+                <a:solidFill>
+                  <a:schemeClr val="tx1"/>
+                </a:solidFill>
+                <a:latin typeface="+mn-lt"/>
+                <a:ea typeface="+mn-ea"/>
+                <a:cs typeface="+mn-cs"/>
+              </a:defRPr>
+            </a:lvl8pPr>
+            <a:lvl9pPr marL="3657600" algn="l" defTabSz="457200" rtl="0" eaLnBrk="1" latinLnBrk="0" hangingPunct="1">
+              <a:defRPr sz="1800" kern="1200">
+                <a:solidFill>
+                  <a:schemeClr val="tx1"/>
+                </a:solidFill>
+                <a:latin typeface="+mn-lt"/>
+                <a:ea typeface="+mn-ea"/>
+                <a:cs typeface="+mn-cs"/>
+              </a:defRPr>
+            </a:lvl9pPr>
+          </a:lstStyle>
+          <a:p>
+            <a:r>
+              <a:rPr lang="pt-BR" sz="1600" dirty="0" smtClean="0"/>
               <a:t>7</a:t>
-            </a:fld>
+            </a:r>
             <a:endParaRPr lang="pt-BR" dirty="0"/>
           </a:p>
         </p:txBody>
       </p:sp>
+      <p:pic>
+        <p:nvPicPr>
+          <p:cNvPr id="7" name="Picture 2" descr="https://lh3.googleusercontent.com/xim3WpIXO3zj6hwsI6YPeMiAO0bN3wF07maXk0a4WuDSC9N0JW5EQrFL0LU_WWbusVFXIh7TQ0SGi7b-_Xyx20bC8kVjlnDJIU9kEFYA6sJlLsD2e06gMtZG4OsKZTlaJmW4zL7qVIz-pna1eQ">
+            <a:extLst>
+              <a:ext uri="{FF2B5EF4-FFF2-40B4-BE49-F238E27FC236}">
+                <a16:creationId xmlns:a16="http://schemas.microsoft.com/office/drawing/2014/main" xmlns="" id="{AE321AAA-40DC-43FE-8121-B2CDBFE730C5}"/>
+              </a:ext>
+            </a:extLst>
+          </p:cNvPr>
+          <p:cNvPicPr>
+            <a:picLocks noChangeAspect="1" noChangeArrowheads="1"/>
+          </p:cNvPicPr>
+          <p:nvPr/>
+        </p:nvPicPr>
+        <p:blipFill>
+          <a:blip r:embed="rId2">
+            <a:extLst>
+              <a:ext uri="{28A0092B-C50C-407E-A947-70E740481C1C}">
+                <a14:useLocalDpi xmlns:a14="http://schemas.microsoft.com/office/drawing/2010/main" val="0"/>
+              </a:ext>
+            </a:extLst>
+          </a:blip>
+          <a:srcRect/>
+          <a:stretch>
+            <a:fillRect/>
+          </a:stretch>
+        </p:blipFill>
+        <p:spPr bwMode="auto">
+          <a:xfrm>
+            <a:off x="9101503" y="3429000"/>
+            <a:ext cx="3631537" cy="3631537"/>
+          </a:xfrm>
+          <a:prstGeom prst="rect">
+            <a:avLst/>
+          </a:prstGeom>
+          <a:noFill/>
+          <a:extLst>
+            <a:ext uri="{909E8E84-426E-40DD-AFC4-6F175D3DCCD1}">
+              <a14:hiddenFill xmlns:a14="http://schemas.microsoft.com/office/drawing/2010/main">
+                <a:solidFill>
+                  <a:srgbClr val="FFFFFF"/>
+                </a:solidFill>
+              </a14:hiddenFill>
+            </a:ext>
+          </a:extLst>
+        </p:spPr>
+      </p:pic>
     </p:spTree>
     <p:extLst>
       <p:ext uri="{BB962C8B-B14F-4D97-AF65-F5344CB8AC3E}">
@@ -5401,11 +5766,11 @@
   <p:clrMapOvr>
     <a:masterClrMapping/>
   </p:clrMapOvr>
-  <mc:AlternateContent xmlns:mc="http://schemas.openxmlformats.org/markup-compatibility/2006">
-    <mc:Choice xmlns:p14="http://schemas.microsoft.com/office/powerpoint/2010/main" Requires="p14">
+  <mc:AlternateContent xmlns:mc="http://schemas.openxmlformats.org/markup-compatibility/2006" xmlns:p14="http://schemas.microsoft.com/office/powerpoint/2010/main">
+    <mc:Choice Requires="p14">
       <p:transition spd="slow" p14:dur="2000" advTm="1855"/>
     </mc:Choice>
-    <mc:Fallback>
+    <mc:Fallback xmlns="">
       <p:transition spd="slow" advTm="1855"/>
     </mc:Fallback>
   </mc:AlternateContent>
@@ -5434,7 +5799,7 @@
           <p:cNvPr id="2" name="Título 1">
             <a:extLst>
               <a:ext uri="{FF2B5EF4-FFF2-40B4-BE49-F238E27FC236}">
-                <a16:creationId xmlns:a16="http://schemas.microsoft.com/office/drawing/2014/main" id="{55DB429C-A478-4C32-B293-36E7A4AEA531}"/>
+                <a16:creationId xmlns:a16="http://schemas.microsoft.com/office/drawing/2014/main" xmlns="" id="{55DB429C-A478-4C32-B293-36E7A4AEA531}"/>
               </a:ext>
             </a:extLst>
           </p:cNvPr>
@@ -5462,7 +5827,7 @@
           <p:cNvPr id="9" name="Espaço Reservado para Número de Slide 8">
             <a:extLst>
               <a:ext uri="{FF2B5EF4-FFF2-40B4-BE49-F238E27FC236}">
-                <a16:creationId xmlns:a16="http://schemas.microsoft.com/office/drawing/2014/main" id="{8DE195B0-5CF4-4171-A1A1-27AFC5A5C677}"/>
+                <a16:creationId xmlns:a16="http://schemas.microsoft.com/office/drawing/2014/main" xmlns="" id="{8DE195B0-5CF4-4171-A1A1-27AFC5A5C677}"/>
               </a:ext>
             </a:extLst>
           </p:cNvPr>
@@ -5496,7 +5861,7 @@
           <p:cNvPr id="4" name="Imagem 3">
             <a:extLst>
               <a:ext uri="{FF2B5EF4-FFF2-40B4-BE49-F238E27FC236}">
-                <a16:creationId xmlns:a16="http://schemas.microsoft.com/office/drawing/2014/main" id="{3993F824-08D0-417B-BEA9-171E2B4A83E9}"/>
+                <a16:creationId xmlns:a16="http://schemas.microsoft.com/office/drawing/2014/main" xmlns="" id="{3993F824-08D0-417B-BEA9-171E2B4A83E9}"/>
               </a:ext>
             </a:extLst>
           </p:cNvPr>
@@ -5531,11 +5896,11 @@
   <p:clrMapOvr>
     <a:masterClrMapping/>
   </p:clrMapOvr>
-  <mc:AlternateContent xmlns:mc="http://schemas.openxmlformats.org/markup-compatibility/2006">
-    <mc:Choice xmlns:p14="http://schemas.microsoft.com/office/powerpoint/2010/main" Requires="p14">
+  <mc:AlternateContent xmlns:mc="http://schemas.openxmlformats.org/markup-compatibility/2006" xmlns:p14="http://schemas.microsoft.com/office/powerpoint/2010/main">
+    <mc:Choice Requires="p14">
       <p:transition spd="slow" p14:dur="2000" advTm="101466"/>
     </mc:Choice>
-    <mc:Fallback>
+    <mc:Fallback xmlns="">
       <p:transition spd="slow" advTm="101466"/>
     </mc:Fallback>
   </mc:AlternateContent>
@@ -5561,13 +5926,7 @@
       </p:grpSpPr>
       <p:sp>
         <p:nvSpPr>
-          <p:cNvPr id="2" name="Título 1">
-            <a:extLst>
-              <a:ext uri="{FF2B5EF4-FFF2-40B4-BE49-F238E27FC236}">
-                <a16:creationId xmlns:a16="http://schemas.microsoft.com/office/drawing/2014/main" id="{5B472222-131C-4C2E-8031-A38EB8F6527B}"/>
-              </a:ext>
-            </a:extLst>
-          </p:cNvPr>
+          <p:cNvPr id="2" name="Título 1"/>
           <p:cNvSpPr>
             <a:spLocks noGrp="1"/>
           </p:cNvSpPr>
@@ -5581,127 +5940,22 @@
           <a:lstStyle/>
           <a:p>
             <a:r>
-              <a:rPr lang="pt-BR" dirty="0"/>
-              <a:t>DESENVOVIMENTO PARA O FUTURO</a:t>
-            </a:r>
-          </a:p>
-        </p:txBody>
-      </p:sp>
-      <p:sp>
-        <p:nvSpPr>
-          <p:cNvPr id="3" name="Espaço Reservado para Conteúdo 2">
-            <a:extLst>
-              <a:ext uri="{FF2B5EF4-FFF2-40B4-BE49-F238E27FC236}">
-                <a16:creationId xmlns:a16="http://schemas.microsoft.com/office/drawing/2014/main" id="{5CC6D963-27E8-4D5B-B392-BA655C426F65}"/>
-              </a:ext>
-            </a:extLst>
-          </p:cNvPr>
-          <p:cNvSpPr>
-            <a:spLocks noGrp="1"/>
-          </p:cNvSpPr>
-          <p:nvPr>
-            <p:ph idx="1"/>
-          </p:nvPr>
-        </p:nvSpPr>
-        <p:spPr/>
-        <p:txBody>
-          <a:bodyPr/>
-          <a:lstStyle/>
-          <a:p>
-            <a:r>
-              <a:rPr lang="pt-BR" dirty="0"/>
-              <a:t>RANKING: </a:t>
-            </a:r>
-          </a:p>
-          <a:p>
-            <a:pPr marL="441325">
-              <a:buFont typeface="Wingdings" panose="05000000000000000000" pitchFamily="2" charset="2"/>
-              <a:buChar char="Ø"/>
-            </a:pPr>
-            <a:r>
-              <a:rPr lang="pt-BR" dirty="0"/>
-              <a:t>Por categorias;</a:t>
-            </a:r>
-          </a:p>
-          <a:p>
-            <a:pPr marL="441325">
-              <a:buFont typeface="Wingdings" panose="05000000000000000000" pitchFamily="2" charset="2"/>
-              <a:buChar char="Ø"/>
-            </a:pPr>
-            <a:r>
-              <a:rPr lang="pt-BR" dirty="0"/>
-              <a:t>De projetos mais votados;</a:t>
-            </a:r>
-          </a:p>
-          <a:p>
-            <a:pPr marL="441325">
-              <a:buFont typeface="Wingdings" panose="05000000000000000000" pitchFamily="2" charset="2"/>
-              <a:buChar char="Ø"/>
-            </a:pPr>
-            <a:r>
-              <a:rPr lang="pt-BR" dirty="0"/>
-              <a:t>De usuários em destaque;</a:t>
-            </a:r>
-          </a:p>
-          <a:p>
-            <a:pPr marL="441325">
-              <a:buFont typeface="Wingdings" panose="05000000000000000000" pitchFamily="2" charset="2"/>
-              <a:buChar char="Ø"/>
-            </a:pPr>
-            <a:r>
-              <a:rPr lang="pt-BR" dirty="0"/>
-              <a:t>Por estados e cidades;</a:t>
-            </a:r>
-          </a:p>
-        </p:txBody>
-      </p:sp>
-      <p:sp>
-        <p:nvSpPr>
-          <p:cNvPr id="4" name="Espaço Reservado para Número de Slide 3">
-            <a:extLst>
-              <a:ext uri="{FF2B5EF4-FFF2-40B4-BE49-F238E27FC236}">
-                <a16:creationId xmlns:a16="http://schemas.microsoft.com/office/drawing/2014/main" id="{F44F371E-1568-461E-BECB-7A54C0F45B37}"/>
-              </a:ext>
-            </a:extLst>
-          </p:cNvPr>
-          <p:cNvSpPr>
-            <a:spLocks noGrp="1"/>
-          </p:cNvSpPr>
-          <p:nvPr>
-            <p:ph type="sldNum" sz="quarter" idx="12"/>
-          </p:nvPr>
-        </p:nvSpPr>
-        <p:spPr>
-          <a:xfrm>
-            <a:off x="8157511" y="401783"/>
-            <a:ext cx="2743200" cy="365125"/>
-          </a:xfrm>
-        </p:spPr>
-        <p:txBody>
-          <a:bodyPr/>
-          <a:lstStyle/>
-          <a:p>
-            <a:fld id="{0B58B777-6F14-4B33-A736-8ADE909D690F}" type="slidenum">
-              <a:rPr lang="pt-BR" sz="1600" smtClean="0"/>
-              <a:t>9</a:t>
-            </a:fld>
+              <a:rPr lang="pt-BR" dirty="0" smtClean="0"/>
+              <a:t>DIAGRAMA DE ENTIDADE E RELACIONAMENTO</a:t>
+            </a:r>
             <a:endParaRPr lang="pt-BR" dirty="0"/>
           </a:p>
         </p:txBody>
       </p:sp>
       <p:pic>
         <p:nvPicPr>
-          <p:cNvPr id="5" name="Picture 2" descr="https://lh3.googleusercontent.com/xim3WpIXO3zj6hwsI6YPeMiAO0bN3wF07maXk0a4WuDSC9N0JW5EQrFL0LU_WWbusVFXIh7TQ0SGi7b-_Xyx20bC8kVjlnDJIU9kEFYA6sJlLsD2e06gMtZG4OsKZTlaJmW4zL7qVIz-pna1eQ">
-            <a:extLst>
-              <a:ext uri="{FF2B5EF4-FFF2-40B4-BE49-F238E27FC236}">
-                <a16:creationId xmlns:a16="http://schemas.microsoft.com/office/drawing/2014/main" id="{45704645-90A6-42BD-8DB3-2EAD6A2D042B}"/>
-              </a:ext>
-            </a:extLst>
-          </p:cNvPr>
+          <p:cNvPr id="5" name="Espaço Reservado para Conteúdo 4"/>
           <p:cNvPicPr>
-            <a:picLocks noChangeAspect="1" noChangeArrowheads="1"/>
+            <a:picLocks noGrp="1" noChangeAspect="1"/>
           </p:cNvPicPr>
-          <p:nvPr/>
+          <p:nvPr>
+            <p:ph idx="1"/>
+          </p:nvPr>
         </p:nvPicPr>
         <p:blipFill>
           <a:blip r:embed="rId2">
@@ -5711,49 +5965,158 @@
               </a:ext>
             </a:extLst>
           </a:blip>
-          <a:srcRect/>
           <a:stretch>
             <a:fillRect/>
           </a:stretch>
         </p:blipFill>
-        <p:spPr bwMode="auto">
+        <p:spPr>
           <a:xfrm>
-            <a:off x="9084943" y="3577935"/>
-            <a:ext cx="3631537" cy="3631537"/>
+            <a:off x="2142573" y="1848343"/>
+            <a:ext cx="8447053" cy="4600082"/>
+          </a:xfrm>
+        </p:spPr>
+      </p:pic>
+      <p:sp>
+        <p:nvSpPr>
+          <p:cNvPr id="6" name="Espaço Reservado para Número de Slide 3">
+            <a:extLst>
+              <a:ext uri="{FF2B5EF4-FFF2-40B4-BE49-F238E27FC236}">
+                <a16:creationId xmlns:a16="http://schemas.microsoft.com/office/drawing/2014/main" xmlns="" id="{F44F371E-1568-461E-BECB-7A54C0F45B37}"/>
+              </a:ext>
+            </a:extLst>
+          </p:cNvPr>
+          <p:cNvSpPr txBox="1">
+            <a:spLocks/>
+          </p:cNvSpPr>
+          <p:nvPr/>
+        </p:nvSpPr>
+        <p:spPr>
+          <a:xfrm>
+            <a:off x="8157511" y="401783"/>
+            <a:ext cx="2743200" cy="365125"/>
           </a:xfrm>
           <a:prstGeom prst="rect">
             <a:avLst/>
           </a:prstGeom>
-          <a:noFill/>
-          <a:extLst>
-            <a:ext uri="{909E8E84-426E-40DD-AFC4-6F175D3DCCD1}">
-              <a14:hiddenFill xmlns:a14="http://schemas.microsoft.com/office/drawing/2010/main">
+        </p:spPr>
+        <p:txBody>
+          <a:bodyPr vert="horz" lIns="91440" tIns="45720" rIns="91440" bIns="45720" rtlCol="0" anchor="ctr"/>
+          <a:lstStyle>
+            <a:defPPr>
+              <a:defRPr lang="en-US"/>
+            </a:defPPr>
+            <a:lvl1pPr marL="0" algn="r" defTabSz="457200" rtl="0" eaLnBrk="1" latinLnBrk="0" hangingPunct="1">
+              <a:defRPr sz="1200" kern="1200">
                 <a:solidFill>
-                  <a:srgbClr val="FFFFFF"/>
+                  <a:schemeClr val="tx1">
+                    <a:tint val="75000"/>
+                  </a:schemeClr>
                 </a:solidFill>
-              </a14:hiddenFill>
-            </a:ext>
-          </a:extLst>
-        </p:spPr>
-      </p:pic>
+                <a:latin typeface="+mn-lt"/>
+                <a:ea typeface="+mn-ea"/>
+                <a:cs typeface="+mn-cs"/>
+              </a:defRPr>
+            </a:lvl1pPr>
+            <a:lvl2pPr marL="457200" algn="l" defTabSz="457200" rtl="0" eaLnBrk="1" latinLnBrk="0" hangingPunct="1">
+              <a:defRPr sz="1800" kern="1200">
+                <a:solidFill>
+                  <a:schemeClr val="tx1"/>
+                </a:solidFill>
+                <a:latin typeface="+mn-lt"/>
+                <a:ea typeface="+mn-ea"/>
+                <a:cs typeface="+mn-cs"/>
+              </a:defRPr>
+            </a:lvl2pPr>
+            <a:lvl3pPr marL="914400" algn="l" defTabSz="457200" rtl="0" eaLnBrk="1" latinLnBrk="0" hangingPunct="1">
+              <a:defRPr sz="1800" kern="1200">
+                <a:solidFill>
+                  <a:schemeClr val="tx1"/>
+                </a:solidFill>
+                <a:latin typeface="+mn-lt"/>
+                <a:ea typeface="+mn-ea"/>
+                <a:cs typeface="+mn-cs"/>
+              </a:defRPr>
+            </a:lvl3pPr>
+            <a:lvl4pPr marL="1371600" algn="l" defTabSz="457200" rtl="0" eaLnBrk="1" latinLnBrk="0" hangingPunct="1">
+              <a:defRPr sz="1800" kern="1200">
+                <a:solidFill>
+                  <a:schemeClr val="tx1"/>
+                </a:solidFill>
+                <a:latin typeface="+mn-lt"/>
+                <a:ea typeface="+mn-ea"/>
+                <a:cs typeface="+mn-cs"/>
+              </a:defRPr>
+            </a:lvl4pPr>
+            <a:lvl5pPr marL="1828800" algn="l" defTabSz="457200" rtl="0" eaLnBrk="1" latinLnBrk="0" hangingPunct="1">
+              <a:defRPr sz="1800" kern="1200">
+                <a:solidFill>
+                  <a:schemeClr val="tx1"/>
+                </a:solidFill>
+                <a:latin typeface="+mn-lt"/>
+                <a:ea typeface="+mn-ea"/>
+                <a:cs typeface="+mn-cs"/>
+              </a:defRPr>
+            </a:lvl5pPr>
+            <a:lvl6pPr marL="2286000" algn="l" defTabSz="457200" rtl="0" eaLnBrk="1" latinLnBrk="0" hangingPunct="1">
+              <a:defRPr sz="1800" kern="1200">
+                <a:solidFill>
+                  <a:schemeClr val="tx1"/>
+                </a:solidFill>
+                <a:latin typeface="+mn-lt"/>
+                <a:ea typeface="+mn-ea"/>
+                <a:cs typeface="+mn-cs"/>
+              </a:defRPr>
+            </a:lvl6pPr>
+            <a:lvl7pPr marL="2743200" algn="l" defTabSz="457200" rtl="0" eaLnBrk="1" latinLnBrk="0" hangingPunct="1">
+              <a:defRPr sz="1800" kern="1200">
+                <a:solidFill>
+                  <a:schemeClr val="tx1"/>
+                </a:solidFill>
+                <a:latin typeface="+mn-lt"/>
+                <a:ea typeface="+mn-ea"/>
+                <a:cs typeface="+mn-cs"/>
+              </a:defRPr>
+            </a:lvl7pPr>
+            <a:lvl8pPr marL="3200400" algn="l" defTabSz="457200" rtl="0" eaLnBrk="1" latinLnBrk="0" hangingPunct="1">
+              <a:defRPr sz="1800" kern="1200">
+                <a:solidFill>
+                  <a:schemeClr val="tx1"/>
+                </a:solidFill>
+                <a:latin typeface="+mn-lt"/>
+                <a:ea typeface="+mn-ea"/>
+                <a:cs typeface="+mn-cs"/>
+              </a:defRPr>
+            </a:lvl8pPr>
+            <a:lvl9pPr marL="3657600" algn="l" defTabSz="457200" rtl="0" eaLnBrk="1" latinLnBrk="0" hangingPunct="1">
+              <a:defRPr sz="1800" kern="1200">
+                <a:solidFill>
+                  <a:schemeClr val="tx1"/>
+                </a:solidFill>
+                <a:latin typeface="+mn-lt"/>
+                <a:ea typeface="+mn-ea"/>
+                <a:cs typeface="+mn-cs"/>
+              </a:defRPr>
+            </a:lvl9pPr>
+          </a:lstStyle>
+          <a:p>
+            <a:r>
+              <a:rPr lang="pt-BR" sz="1600" dirty="0" smtClean="0"/>
+              <a:t>9</a:t>
+            </a:r>
+            <a:endParaRPr lang="pt-BR" dirty="0"/>
+          </a:p>
+        </p:txBody>
+      </p:sp>
     </p:spTree>
     <p:extLst>
       <p:ext uri="{BB962C8B-B14F-4D97-AF65-F5344CB8AC3E}">
-        <p14:creationId xmlns:p14="http://schemas.microsoft.com/office/powerpoint/2010/main" val="630996037"/>
+        <p14:creationId xmlns:p14="http://schemas.microsoft.com/office/powerpoint/2010/main" val="2414946710"/>
       </p:ext>
     </p:extLst>
   </p:cSld>
   <p:clrMapOvr>
     <a:masterClrMapping/>
   </p:clrMapOvr>
-  <mc:AlternateContent xmlns:mc="http://schemas.openxmlformats.org/markup-compatibility/2006">
-    <mc:Choice xmlns:p14="http://schemas.microsoft.com/office/powerpoint/2010/main" Requires="p14">
-      <p:transition spd="slow" p14:dur="2000" advTm="32294"/>
-    </mc:Choice>
-    <mc:Fallback>
-      <p:transition spd="slow" advTm="32294"/>
-    </mc:Fallback>
-  </mc:AlternateContent>
 </p:sld>
 </file>
 

--- a/Documentos/Opinem Bem TCC.pptx
+++ b/Documentos/Opinem Bem TCC.pptx
@@ -155,7 +155,7 @@
           <p:cNvPr id="2" name="Espaço Reservado para Cabeçalho 1">
             <a:extLst>
               <a:ext uri="{FF2B5EF4-FFF2-40B4-BE49-F238E27FC236}">
-                <a16:creationId xmlns:a16="http://schemas.microsoft.com/office/drawing/2014/main" xmlns="" id="{AFFD696A-6BB0-4D26-82F4-7580F8343D50}"/>
+                <a16:creationId xmlns:a16="http://schemas.microsoft.com/office/drawing/2014/main" id="{AFFD696A-6BB0-4D26-82F4-7580F8343D50}"/>
               </a:ext>
             </a:extLst>
           </p:cNvPr>
@@ -192,7 +192,7 @@
           <p:cNvPr id="3" name="Espaço Reservado para Data 2">
             <a:extLst>
               <a:ext uri="{FF2B5EF4-FFF2-40B4-BE49-F238E27FC236}">
-                <a16:creationId xmlns:a16="http://schemas.microsoft.com/office/drawing/2014/main" xmlns="" id="{50EC3BFB-04C0-4EF4-B6E6-799C21E33B07}"/>
+                <a16:creationId xmlns:a16="http://schemas.microsoft.com/office/drawing/2014/main" id="{50EC3BFB-04C0-4EF4-B6E6-799C21E33B07}"/>
               </a:ext>
             </a:extLst>
           </p:cNvPr>
@@ -222,7 +222,7 @@
           <a:p>
             <a:fld id="{6EDD680C-344D-4ACE-976B-A32D103A3C15}" type="datetimeFigureOut">
               <a:rPr lang="pt-BR" smtClean="0"/>
-              <a:t>26/06/2018</a:t>
+              <a:t>27/06/2018</a:t>
             </a:fld>
             <a:endParaRPr lang="pt-BR" dirty="0"/>
           </a:p>
@@ -233,7 +233,7 @@
           <p:cNvPr id="4" name="Espaço Reservado para Rodapé 3">
             <a:extLst>
               <a:ext uri="{FF2B5EF4-FFF2-40B4-BE49-F238E27FC236}">
-                <a16:creationId xmlns:a16="http://schemas.microsoft.com/office/drawing/2014/main" xmlns="" id="{DE1DCFAC-3F15-4B9D-AF23-436CE1ED55E0}"/>
+                <a16:creationId xmlns:a16="http://schemas.microsoft.com/office/drawing/2014/main" id="{DE1DCFAC-3F15-4B9D-AF23-436CE1ED55E0}"/>
               </a:ext>
             </a:extLst>
           </p:cNvPr>
@@ -270,7 +270,7 @@
           <p:cNvPr id="5" name="Espaço Reservado para Número de Slide 4">
             <a:extLst>
               <a:ext uri="{FF2B5EF4-FFF2-40B4-BE49-F238E27FC236}">
-                <a16:creationId xmlns:a16="http://schemas.microsoft.com/office/drawing/2014/main" xmlns="" id="{C9B9482A-AA76-4BAF-AC10-5F3475FA022A}"/>
+                <a16:creationId xmlns:a16="http://schemas.microsoft.com/office/drawing/2014/main" id="{C9B9482A-AA76-4BAF-AC10-5F3475FA022A}"/>
               </a:ext>
             </a:extLst>
           </p:cNvPr>
@@ -399,7 +399,7 @@
           <a:p>
             <a:fld id="{1A45CAAA-E651-41A8-9BEA-79F251219685}" type="datetimeFigureOut">
               <a:rPr lang="pt-BR" smtClean="0"/>
-              <a:t>26/06/2018</a:t>
+              <a:t>27/06/2018</a:t>
             </a:fld>
             <a:endParaRPr lang="pt-BR" dirty="0"/>
           </a:p>
@@ -1231,7 +1231,7 @@
           <a:p>
             <a:fld id="{1F72A0ED-271D-46D7-8045-53DB0B6BA938}" type="datetime1">
               <a:rPr lang="pt-BR" smtClean="0"/>
-              <a:t>26/06/2018</a:t>
+              <a:t>27/06/2018</a:t>
             </a:fld>
             <a:endParaRPr lang="pt-BR" dirty="0"/>
           </a:p>
@@ -1401,7 +1401,7 @@
           <a:p>
             <a:fld id="{18DF0B78-AE6A-4864-8877-DC2FC3F9A6D4}" type="datetime1">
               <a:rPr lang="pt-BR" smtClean="0"/>
-              <a:t>26/06/2018</a:t>
+              <a:t>27/06/2018</a:t>
             </a:fld>
             <a:endParaRPr lang="pt-BR" dirty="0"/>
           </a:p>
@@ -1581,7 +1581,7 @@
           <a:p>
             <a:fld id="{F598E306-F361-491B-ABB6-A4BD50A7E2A8}" type="datetime1">
               <a:rPr lang="pt-BR" smtClean="0"/>
-              <a:t>26/06/2018</a:t>
+              <a:t>27/06/2018</a:t>
             </a:fld>
             <a:endParaRPr lang="pt-BR" dirty="0"/>
           </a:p>
@@ -1751,7 +1751,7 @@
           <a:p>
             <a:fld id="{F2523CF8-F0F0-46F4-9FF8-828E21161942}" type="datetime1">
               <a:rPr lang="pt-BR" smtClean="0"/>
-              <a:t>26/06/2018</a:t>
+              <a:t>27/06/2018</a:t>
             </a:fld>
             <a:endParaRPr lang="pt-BR" dirty="0"/>
           </a:p>
@@ -1997,7 +1997,7 @@
           <a:p>
             <a:fld id="{1CABFB2A-4904-42EA-9777-C9478F6806F0}" type="datetime1">
               <a:rPr lang="pt-BR" smtClean="0"/>
-              <a:t>26/06/2018</a:t>
+              <a:t>27/06/2018</a:t>
             </a:fld>
             <a:endParaRPr lang="pt-BR" dirty="0"/>
           </a:p>
@@ -2229,7 +2229,7 @@
           <a:p>
             <a:fld id="{7BC6764F-73B5-4357-A5C0-2B4D6C0354C0}" type="datetime1">
               <a:rPr lang="pt-BR" smtClean="0"/>
-              <a:t>26/06/2018</a:t>
+              <a:t>27/06/2018</a:t>
             </a:fld>
             <a:endParaRPr lang="pt-BR" dirty="0"/>
           </a:p>
@@ -2596,7 +2596,7 @@
           <a:p>
             <a:fld id="{72FDF4BB-0F04-47C4-98FF-4A8BCD5ACAC5}" type="datetime1">
               <a:rPr lang="pt-BR" smtClean="0"/>
-              <a:t>26/06/2018</a:t>
+              <a:t>27/06/2018</a:t>
             </a:fld>
             <a:endParaRPr lang="pt-BR" dirty="0"/>
           </a:p>
@@ -2714,7 +2714,7 @@
           <a:p>
             <a:fld id="{8568F9FB-F9AE-4FFB-8A05-CD61CCACD48D}" type="datetime1">
               <a:rPr lang="pt-BR" smtClean="0"/>
-              <a:t>26/06/2018</a:t>
+              <a:t>27/06/2018</a:t>
             </a:fld>
             <a:endParaRPr lang="pt-BR" dirty="0"/>
           </a:p>
@@ -2809,7 +2809,7 @@
           <a:p>
             <a:fld id="{48F8E3E0-8D9A-452C-A901-42058BF1BD97}" type="datetime1">
               <a:rPr lang="pt-BR" smtClean="0"/>
-              <a:t>26/06/2018</a:t>
+              <a:t>27/06/2018</a:t>
             </a:fld>
             <a:endParaRPr lang="pt-BR" dirty="0"/>
           </a:p>
@@ -3086,7 +3086,7 @@
           <a:p>
             <a:fld id="{B7CE9F23-F694-47D7-81C7-2810CE105C57}" type="datetime1">
               <a:rPr lang="pt-BR" smtClean="0"/>
-              <a:t>26/06/2018</a:t>
+              <a:t>27/06/2018</a:t>
             </a:fld>
             <a:endParaRPr lang="pt-BR" dirty="0"/>
           </a:p>
@@ -3343,7 +3343,7 @@
           <a:p>
             <a:fld id="{05E1EC14-4DB9-433B-B505-B78264925062}" type="datetime1">
               <a:rPr lang="pt-BR" smtClean="0"/>
-              <a:t>26/06/2018</a:t>
+              <a:t>27/06/2018</a:t>
             </a:fld>
             <a:endParaRPr lang="pt-BR" dirty="0"/>
           </a:p>
@@ -3584,7 +3584,7 @@
           <a:p>
             <a:fld id="{751716E6-0FA6-4335-AB30-7EB049FB7D12}" type="datetime1">
               <a:rPr lang="pt-BR" smtClean="0"/>
-              <a:t>26/06/2018</a:t>
+              <a:t>27/06/2018</a:t>
             </a:fld>
             <a:endParaRPr lang="pt-BR" dirty="0"/>
           </a:p>
@@ -3995,7 +3995,7 @@
           <p:cNvPr id="2" name="Título 1">
             <a:extLst>
               <a:ext uri="{FF2B5EF4-FFF2-40B4-BE49-F238E27FC236}">
-                <a16:creationId xmlns:a16="http://schemas.microsoft.com/office/drawing/2014/main" xmlns="" id="{AA921702-D898-45E6-9A98-B315CBC8B924}"/>
+                <a16:creationId xmlns:a16="http://schemas.microsoft.com/office/drawing/2014/main" id="{AA921702-D898-45E6-9A98-B315CBC8B924}"/>
               </a:ext>
             </a:extLst>
           </p:cNvPr>
@@ -4023,7 +4023,7 @@
           <p:cNvPr id="3" name="Subtítulo 2">
             <a:extLst>
               <a:ext uri="{FF2B5EF4-FFF2-40B4-BE49-F238E27FC236}">
-                <a16:creationId xmlns:a16="http://schemas.microsoft.com/office/drawing/2014/main" xmlns="" id="{7E187759-DB1E-4596-81BB-4181F2E3AA85}"/>
+                <a16:creationId xmlns:a16="http://schemas.microsoft.com/office/drawing/2014/main" id="{7E187759-DB1E-4596-81BB-4181F2E3AA85}"/>
               </a:ext>
             </a:extLst>
           </p:cNvPr>
@@ -4056,7 +4056,7 @@
           <p:cNvPr id="7" name="Picture 2" descr="https://lh3.googleusercontent.com/xim3WpIXO3zj6hwsI6YPeMiAO0bN3wF07maXk0a4WuDSC9N0JW5EQrFL0LU_WWbusVFXIh7TQ0SGi7b-_Xyx20bC8kVjlnDJIU9kEFYA6sJlLsD2e06gMtZG4OsKZTlaJmW4zL7qVIz-pna1eQ">
             <a:extLst>
               <a:ext uri="{FF2B5EF4-FFF2-40B4-BE49-F238E27FC236}">
-                <a16:creationId xmlns:a16="http://schemas.microsoft.com/office/drawing/2014/main" xmlns="" id="{24D90287-10E9-4761-A741-2C2D08DF4E29}"/>
+                <a16:creationId xmlns:a16="http://schemas.microsoft.com/office/drawing/2014/main" id="{24D90287-10E9-4761-A741-2C2D08DF4E29}"/>
               </a:ext>
             </a:extLst>
           </p:cNvPr>
@@ -4141,7 +4141,7 @@
           <p:cNvPr id="2" name="Título 1">
             <a:extLst>
               <a:ext uri="{FF2B5EF4-FFF2-40B4-BE49-F238E27FC236}">
-                <a16:creationId xmlns:a16="http://schemas.microsoft.com/office/drawing/2014/main" xmlns="" id="{5B472222-131C-4C2E-8031-A38EB8F6527B}"/>
+                <a16:creationId xmlns:a16="http://schemas.microsoft.com/office/drawing/2014/main" id="{5B472222-131C-4C2E-8031-A38EB8F6527B}"/>
               </a:ext>
             </a:extLst>
           </p:cNvPr>
@@ -4169,7 +4169,7 @@
           <p:cNvPr id="3" name="Espaço Reservado para Conteúdo 2">
             <a:extLst>
               <a:ext uri="{FF2B5EF4-FFF2-40B4-BE49-F238E27FC236}">
-                <a16:creationId xmlns:a16="http://schemas.microsoft.com/office/drawing/2014/main" xmlns="" id="{5CC6D963-27E8-4D5B-B392-BA655C426F65}"/>
+                <a16:creationId xmlns:a16="http://schemas.microsoft.com/office/drawing/2014/main" id="{5CC6D963-27E8-4D5B-B392-BA655C426F65}"/>
               </a:ext>
             </a:extLst>
           </p:cNvPr>
@@ -4237,7 +4237,7 @@
           <p:cNvPr id="4" name="Espaço Reservado para Número de Slide 3">
             <a:extLst>
               <a:ext uri="{FF2B5EF4-FFF2-40B4-BE49-F238E27FC236}">
-                <a16:creationId xmlns:a16="http://schemas.microsoft.com/office/drawing/2014/main" xmlns="" id="{F44F371E-1568-461E-BECB-7A54C0F45B37}"/>
+                <a16:creationId xmlns:a16="http://schemas.microsoft.com/office/drawing/2014/main" id="{F44F371E-1568-461E-BECB-7A54C0F45B37}"/>
               </a:ext>
             </a:extLst>
           </p:cNvPr>
@@ -4271,7 +4271,7 @@
           <p:cNvPr id="5" name="Picture 2" descr="https://lh3.googleusercontent.com/xim3WpIXO3zj6hwsI6YPeMiAO0bN3wF07maXk0a4WuDSC9N0JW5EQrFL0LU_WWbusVFXIh7TQ0SGi7b-_Xyx20bC8kVjlnDJIU9kEFYA6sJlLsD2e06gMtZG4OsKZTlaJmW4zL7qVIz-pna1eQ">
             <a:extLst>
               <a:ext uri="{FF2B5EF4-FFF2-40B4-BE49-F238E27FC236}">
-                <a16:creationId xmlns:a16="http://schemas.microsoft.com/office/drawing/2014/main" xmlns="" id="{45704645-90A6-42BD-8DB3-2EAD6A2D042B}"/>
+                <a16:creationId xmlns:a16="http://schemas.microsoft.com/office/drawing/2014/main" id="{45704645-90A6-42BD-8DB3-2EAD6A2D042B}"/>
               </a:ext>
             </a:extLst>
           </p:cNvPr>
@@ -4356,7 +4356,7 @@
           <p:cNvPr id="2" name="Título 1">
             <a:extLst>
               <a:ext uri="{FF2B5EF4-FFF2-40B4-BE49-F238E27FC236}">
-                <a16:creationId xmlns:a16="http://schemas.microsoft.com/office/drawing/2014/main" xmlns="" id="{AA9EFC50-8EAA-4D58-A6E5-E58EA42B8145}"/>
+                <a16:creationId xmlns:a16="http://schemas.microsoft.com/office/drawing/2014/main" id="{AA9EFC50-8EAA-4D58-A6E5-E58EA42B8145}"/>
               </a:ext>
             </a:extLst>
           </p:cNvPr>
@@ -4367,7 +4367,12 @@
             <p:ph type="title"/>
           </p:nvPr>
         </p:nvSpPr>
-        <p:spPr/>
+        <p:spPr>
+          <a:xfrm>
+            <a:off x="838200" y="435492"/>
+            <a:ext cx="10515600" cy="1325563"/>
+          </a:xfrm>
+        </p:spPr>
         <p:txBody>
           <a:bodyPr/>
           <a:lstStyle/>
@@ -4384,7 +4389,7 @@
           <p:cNvPr id="3" name="Espaço Reservado para Conteúdo 2">
             <a:extLst>
               <a:ext uri="{FF2B5EF4-FFF2-40B4-BE49-F238E27FC236}">
-                <a16:creationId xmlns:a16="http://schemas.microsoft.com/office/drawing/2014/main" xmlns="" id="{D64E99A8-8A82-4C72-9501-42DF52460B64}"/>
+                <a16:creationId xmlns:a16="http://schemas.microsoft.com/office/drawing/2014/main" id="{D64E99A8-8A82-4C72-9501-42DF52460B64}"/>
               </a:ext>
             </a:extLst>
           </p:cNvPr>
@@ -4422,7 +4427,7 @@
           <p:cNvPr id="4" name="Espaço Reservado para Número de Slide 3">
             <a:extLst>
               <a:ext uri="{FF2B5EF4-FFF2-40B4-BE49-F238E27FC236}">
-                <a16:creationId xmlns:a16="http://schemas.microsoft.com/office/drawing/2014/main" xmlns="" id="{E518A7CE-96DB-467C-BA9A-CC8D77FD5A61}"/>
+                <a16:creationId xmlns:a16="http://schemas.microsoft.com/office/drawing/2014/main" id="{E518A7CE-96DB-467C-BA9A-CC8D77FD5A61}"/>
               </a:ext>
             </a:extLst>
           </p:cNvPr>
@@ -4456,7 +4461,7 @@
           <p:cNvPr id="5" name="Picture 2" descr="https://lh3.googleusercontent.com/xim3WpIXO3zj6hwsI6YPeMiAO0bN3wF07maXk0a4WuDSC9N0JW5EQrFL0LU_WWbusVFXIh7TQ0SGi7b-_Xyx20bC8kVjlnDJIU9kEFYA6sJlLsD2e06gMtZG4OsKZTlaJmW4zL7qVIz-pna1eQ">
             <a:extLst>
               <a:ext uri="{FF2B5EF4-FFF2-40B4-BE49-F238E27FC236}">
-                <a16:creationId xmlns:a16="http://schemas.microsoft.com/office/drawing/2014/main" xmlns="" id="{C9BBA8F9-3A9C-47F3-B381-4D377BED4BE9}"/>
+                <a16:creationId xmlns:a16="http://schemas.microsoft.com/office/drawing/2014/main" id="{C9BBA8F9-3A9C-47F3-B381-4D377BED4BE9}"/>
               </a:ext>
             </a:extLst>
           </p:cNvPr>
@@ -4541,7 +4546,7 @@
           <p:cNvPr id="2" name="Título 1">
             <a:extLst>
               <a:ext uri="{FF2B5EF4-FFF2-40B4-BE49-F238E27FC236}">
-                <a16:creationId xmlns:a16="http://schemas.microsoft.com/office/drawing/2014/main" xmlns="" id="{1A73252D-06B0-4504-A626-6C83A797BB6A}"/>
+                <a16:creationId xmlns:a16="http://schemas.microsoft.com/office/drawing/2014/main" id="{1A73252D-06B0-4504-A626-6C83A797BB6A}"/>
               </a:ext>
             </a:extLst>
           </p:cNvPr>
@@ -4569,7 +4574,7 @@
           <p:cNvPr id="3" name="Espaço Reservado para Conteúdo 2">
             <a:extLst>
               <a:ext uri="{FF2B5EF4-FFF2-40B4-BE49-F238E27FC236}">
-                <a16:creationId xmlns:a16="http://schemas.microsoft.com/office/drawing/2014/main" xmlns="" id="{04D26F8A-5CB7-411D-ABF0-3F4D6DE6319D}"/>
+                <a16:creationId xmlns:a16="http://schemas.microsoft.com/office/drawing/2014/main" id="{04D26F8A-5CB7-411D-ABF0-3F4D6DE6319D}"/>
               </a:ext>
             </a:extLst>
           </p:cNvPr>
@@ -4609,7 +4614,7 @@
           <p:cNvPr id="6" name="Espaço Reservado para Número de Slide 5">
             <a:extLst>
               <a:ext uri="{FF2B5EF4-FFF2-40B4-BE49-F238E27FC236}">
-                <a16:creationId xmlns:a16="http://schemas.microsoft.com/office/drawing/2014/main" xmlns="" id="{51FB4BC7-F6FA-4BE6-AD5C-05EE96E1D412}"/>
+                <a16:creationId xmlns:a16="http://schemas.microsoft.com/office/drawing/2014/main" id="{51FB4BC7-F6FA-4BE6-AD5C-05EE96E1D412}"/>
               </a:ext>
             </a:extLst>
           </p:cNvPr>
@@ -4643,7 +4648,7 @@
           <p:cNvPr id="2050" name="Picture 2" descr="https://lh3.googleusercontent.com/xim3WpIXO3zj6hwsI6YPeMiAO0bN3wF07maXk0a4WuDSC9N0JW5EQrFL0LU_WWbusVFXIh7TQ0SGi7b-_Xyx20bC8kVjlnDJIU9kEFYA6sJlLsD2e06gMtZG4OsKZTlaJmW4zL7qVIz-pna1eQ">
             <a:extLst>
               <a:ext uri="{FF2B5EF4-FFF2-40B4-BE49-F238E27FC236}">
-                <a16:creationId xmlns:a16="http://schemas.microsoft.com/office/drawing/2014/main" xmlns="" id="{F1547CCC-F185-4061-908D-F31C68A42965}"/>
+                <a16:creationId xmlns:a16="http://schemas.microsoft.com/office/drawing/2014/main" id="{F1547CCC-F185-4061-908D-F31C68A42965}"/>
               </a:ext>
             </a:extLst>
           </p:cNvPr>
@@ -4728,7 +4733,7 @@
           <p:cNvPr id="2" name="Título 1">
             <a:extLst>
               <a:ext uri="{FF2B5EF4-FFF2-40B4-BE49-F238E27FC236}">
-                <a16:creationId xmlns:a16="http://schemas.microsoft.com/office/drawing/2014/main" xmlns="" id="{0B6DBD57-F3A8-48D3-B6A1-0C895CA8FCE8}"/>
+                <a16:creationId xmlns:a16="http://schemas.microsoft.com/office/drawing/2014/main" id="{0B6DBD57-F3A8-48D3-B6A1-0C895CA8FCE8}"/>
               </a:ext>
             </a:extLst>
           </p:cNvPr>
@@ -4761,7 +4766,7 @@
           <p:cNvPr id="3" name="Espaço Reservado para Conteúdo 2">
             <a:extLst>
               <a:ext uri="{FF2B5EF4-FFF2-40B4-BE49-F238E27FC236}">
-                <a16:creationId xmlns:a16="http://schemas.microsoft.com/office/drawing/2014/main" xmlns="" id="{7F5A4494-6D17-4200-BE69-4E1FE0862C3B}"/>
+                <a16:creationId xmlns:a16="http://schemas.microsoft.com/office/drawing/2014/main" id="{7F5A4494-6D17-4200-BE69-4E1FE0862C3B}"/>
               </a:ext>
             </a:extLst>
           </p:cNvPr>
@@ -4809,7 +4814,7 @@
           <p:cNvPr id="7" name="Espaço Reservado para Número de Slide 6">
             <a:extLst>
               <a:ext uri="{FF2B5EF4-FFF2-40B4-BE49-F238E27FC236}">
-                <a16:creationId xmlns:a16="http://schemas.microsoft.com/office/drawing/2014/main" xmlns="" id="{E021C2DC-FC59-4F63-86B1-5BCEA8D03929}"/>
+                <a16:creationId xmlns:a16="http://schemas.microsoft.com/office/drawing/2014/main" id="{E021C2DC-FC59-4F63-86B1-5BCEA8D03929}"/>
               </a:ext>
             </a:extLst>
           </p:cNvPr>
@@ -4843,7 +4848,7 @@
           <p:cNvPr id="5" name="Picture 2" descr="https://lh3.googleusercontent.com/xim3WpIXO3zj6hwsI6YPeMiAO0bN3wF07maXk0a4WuDSC9N0JW5EQrFL0LU_WWbusVFXIh7TQ0SGi7b-_Xyx20bC8kVjlnDJIU9kEFYA6sJlLsD2e06gMtZG4OsKZTlaJmW4zL7qVIz-pna1eQ">
             <a:extLst>
               <a:ext uri="{FF2B5EF4-FFF2-40B4-BE49-F238E27FC236}">
-                <a16:creationId xmlns:a16="http://schemas.microsoft.com/office/drawing/2014/main" xmlns="" id="{90EE2E8C-F626-4BB4-87D7-7656FECB580E}"/>
+                <a16:creationId xmlns:a16="http://schemas.microsoft.com/office/drawing/2014/main" id="{90EE2E8C-F626-4BB4-87D7-7656FECB580E}"/>
               </a:ext>
             </a:extLst>
           </p:cNvPr>
@@ -4928,7 +4933,7 @@
           <p:cNvPr id="2" name="Título 1">
             <a:extLst>
               <a:ext uri="{FF2B5EF4-FFF2-40B4-BE49-F238E27FC236}">
-                <a16:creationId xmlns:a16="http://schemas.microsoft.com/office/drawing/2014/main" xmlns="" id="{A99F73B1-BA69-48B7-828A-6B9049E1C5D8}"/>
+                <a16:creationId xmlns:a16="http://schemas.microsoft.com/office/drawing/2014/main" id="{A99F73B1-BA69-48B7-828A-6B9049E1C5D8}"/>
               </a:ext>
             </a:extLst>
           </p:cNvPr>
@@ -4956,7 +4961,7 @@
           <p:cNvPr id="3" name="Espaço Reservado para Conteúdo 2">
             <a:extLst>
               <a:ext uri="{FF2B5EF4-FFF2-40B4-BE49-F238E27FC236}">
-                <a16:creationId xmlns:a16="http://schemas.microsoft.com/office/drawing/2014/main" xmlns="" id="{F7DB39BF-155C-4B08-BD3B-506A1B0DD214}"/>
+                <a16:creationId xmlns:a16="http://schemas.microsoft.com/office/drawing/2014/main" id="{F7DB39BF-155C-4B08-BD3B-506A1B0DD214}"/>
               </a:ext>
             </a:extLst>
           </p:cNvPr>
@@ -4990,7 +4995,7 @@
           <p:cNvPr id="6" name="Espaço Reservado para Número de Slide 5">
             <a:extLst>
               <a:ext uri="{FF2B5EF4-FFF2-40B4-BE49-F238E27FC236}">
-                <a16:creationId xmlns:a16="http://schemas.microsoft.com/office/drawing/2014/main" xmlns="" id="{CE0027F8-CCEB-4555-9774-DE8AD9940CEB}"/>
+                <a16:creationId xmlns:a16="http://schemas.microsoft.com/office/drawing/2014/main" id="{CE0027F8-CCEB-4555-9774-DE8AD9940CEB}"/>
               </a:ext>
             </a:extLst>
           </p:cNvPr>
@@ -5024,7 +5029,7 @@
           <p:cNvPr id="5" name="Picture 2" descr="https://lh3.googleusercontent.com/xim3WpIXO3zj6hwsI6YPeMiAO0bN3wF07maXk0a4WuDSC9N0JW5EQrFL0LU_WWbusVFXIh7TQ0SGi7b-_Xyx20bC8kVjlnDJIU9kEFYA6sJlLsD2e06gMtZG4OsKZTlaJmW4zL7qVIz-pna1eQ">
             <a:extLst>
               <a:ext uri="{FF2B5EF4-FFF2-40B4-BE49-F238E27FC236}">
-                <a16:creationId xmlns:a16="http://schemas.microsoft.com/office/drawing/2014/main" xmlns="" id="{4091EFBE-5633-43AB-8BF9-BE6E2987BF64}"/>
+                <a16:creationId xmlns:a16="http://schemas.microsoft.com/office/drawing/2014/main" id="{4091EFBE-5633-43AB-8BF9-BE6E2987BF64}"/>
               </a:ext>
             </a:extLst>
           </p:cNvPr>
@@ -5109,7 +5114,7 @@
           <p:cNvPr id="2" name="Título 1">
             <a:extLst>
               <a:ext uri="{FF2B5EF4-FFF2-40B4-BE49-F238E27FC236}">
-                <a16:creationId xmlns:a16="http://schemas.microsoft.com/office/drawing/2014/main" xmlns="" id="{F57EE9A9-7A7A-4B1E-AD46-B5B0F994BA14}"/>
+                <a16:creationId xmlns:a16="http://schemas.microsoft.com/office/drawing/2014/main" id="{F57EE9A9-7A7A-4B1E-AD46-B5B0F994BA14}"/>
               </a:ext>
             </a:extLst>
           </p:cNvPr>
@@ -5137,7 +5142,7 @@
           <p:cNvPr id="3" name="Espaço Reservado para Conteúdo 2">
             <a:extLst>
               <a:ext uri="{FF2B5EF4-FFF2-40B4-BE49-F238E27FC236}">
-                <a16:creationId xmlns:a16="http://schemas.microsoft.com/office/drawing/2014/main" xmlns="" id="{C55C1C3F-DA8A-46EA-AC64-D47AF9051CF2}"/>
+                <a16:creationId xmlns:a16="http://schemas.microsoft.com/office/drawing/2014/main" id="{C55C1C3F-DA8A-46EA-AC64-D47AF9051CF2}"/>
               </a:ext>
             </a:extLst>
           </p:cNvPr>
@@ -5201,7 +5206,7 @@
           <p:cNvPr id="6" name="Espaço Reservado para Número de Slide 5">
             <a:extLst>
               <a:ext uri="{FF2B5EF4-FFF2-40B4-BE49-F238E27FC236}">
-                <a16:creationId xmlns:a16="http://schemas.microsoft.com/office/drawing/2014/main" xmlns="" id="{AEB45325-9B13-41E5-B3EE-FF105E36B55A}"/>
+                <a16:creationId xmlns:a16="http://schemas.microsoft.com/office/drawing/2014/main" id="{AEB45325-9B13-41E5-B3EE-FF105E36B55A}"/>
               </a:ext>
             </a:extLst>
           </p:cNvPr>
@@ -5235,7 +5240,7 @@
           <p:cNvPr id="5" name="Picture 2" descr="https://lh3.googleusercontent.com/xim3WpIXO3zj6hwsI6YPeMiAO0bN3wF07maXk0a4WuDSC9N0JW5EQrFL0LU_WWbusVFXIh7TQ0SGi7b-_Xyx20bC8kVjlnDJIU9kEFYA6sJlLsD2e06gMtZG4OsKZTlaJmW4zL7qVIz-pna1eQ">
             <a:extLst>
               <a:ext uri="{FF2B5EF4-FFF2-40B4-BE49-F238E27FC236}">
-                <a16:creationId xmlns:a16="http://schemas.microsoft.com/office/drawing/2014/main" xmlns="" id="{AE321AAA-40DC-43FE-8121-B2CDBFE730C5}"/>
+                <a16:creationId xmlns:a16="http://schemas.microsoft.com/office/drawing/2014/main" id="{AE321AAA-40DC-43FE-8121-B2CDBFE730C5}"/>
               </a:ext>
             </a:extLst>
           </p:cNvPr>
@@ -5320,7 +5325,7 @@
           <p:cNvPr id="2" name="Título 1">
             <a:extLst>
               <a:ext uri="{FF2B5EF4-FFF2-40B4-BE49-F238E27FC236}">
-                <a16:creationId xmlns:a16="http://schemas.microsoft.com/office/drawing/2014/main" xmlns="" id="{4558DD99-84E7-434E-A208-F74E29DBC747}"/>
+                <a16:creationId xmlns:a16="http://schemas.microsoft.com/office/drawing/2014/main" id="{4558DD99-84E7-434E-A208-F74E29DBC747}"/>
               </a:ext>
             </a:extLst>
           </p:cNvPr>
@@ -5348,7 +5353,7 @@
           <p:cNvPr id="9" name="Espaço Reservado para Número de Slide 8">
             <a:extLst>
               <a:ext uri="{FF2B5EF4-FFF2-40B4-BE49-F238E27FC236}">
-                <a16:creationId xmlns:a16="http://schemas.microsoft.com/office/drawing/2014/main" xmlns="" id="{5924FCA2-D41C-44D4-BEC7-EB8323309D56}"/>
+                <a16:creationId xmlns:a16="http://schemas.microsoft.com/office/drawing/2014/main" id="{5924FCA2-D41C-44D4-BEC7-EB8323309D56}"/>
               </a:ext>
             </a:extLst>
           </p:cNvPr>
@@ -5382,7 +5387,7 @@
           <p:cNvPr id="6" name="Imagem 5">
             <a:extLst>
               <a:ext uri="{FF2B5EF4-FFF2-40B4-BE49-F238E27FC236}">
-                <a16:creationId xmlns:a16="http://schemas.microsoft.com/office/drawing/2014/main" xmlns="" id="{3F4D1BED-089C-4685-8264-2A7D52E2D2BC}"/>
+                <a16:creationId xmlns:a16="http://schemas.microsoft.com/office/drawing/2014/main" id="{3F4D1BED-089C-4685-8264-2A7D52E2D2BC}"/>
               </a:ext>
             </a:extLst>
           </p:cNvPr>
@@ -5456,7 +5461,7 @@
           <p:cNvPr id="2" name="Título 1">
             <a:extLst>
               <a:ext uri="{FF2B5EF4-FFF2-40B4-BE49-F238E27FC236}">
-                <a16:creationId xmlns:a16="http://schemas.microsoft.com/office/drawing/2014/main" xmlns="" id="{CE75E23B-6218-456B-AC63-6C1B2B3E965B}"/>
+                <a16:creationId xmlns:a16="http://schemas.microsoft.com/office/drawing/2014/main" id="{CE75E23B-6218-456B-AC63-6C1B2B3E965B}"/>
               </a:ext>
             </a:extLst>
           </p:cNvPr>
@@ -5484,7 +5489,7 @@
           <p:cNvPr id="3" name="Espaço Reservado para Conteúdo 2">
             <a:extLst>
               <a:ext uri="{FF2B5EF4-FFF2-40B4-BE49-F238E27FC236}">
-                <a16:creationId xmlns:a16="http://schemas.microsoft.com/office/drawing/2014/main" xmlns="" id="{87448592-20B1-4E3E-8F41-940E9945FBFA}"/>
+                <a16:creationId xmlns:a16="http://schemas.microsoft.com/office/drawing/2014/main" id="{87448592-20B1-4E3E-8F41-940E9945FBFA}"/>
               </a:ext>
             </a:extLst>
           </p:cNvPr>
@@ -5532,7 +5537,7 @@
           <p:cNvPr id="5" name="Espaço Reservado para Conteúdo 4">
             <a:extLst>
               <a:ext uri="{FF2B5EF4-FFF2-40B4-BE49-F238E27FC236}">
-                <a16:creationId xmlns:a16="http://schemas.microsoft.com/office/drawing/2014/main" xmlns="" id="{0CD7C545-466C-4790-8C68-5F070203EDC4}"/>
+                <a16:creationId xmlns:a16="http://schemas.microsoft.com/office/drawing/2014/main" id="{0CD7C545-466C-4790-8C68-5F070203EDC4}"/>
               </a:ext>
             </a:extLst>
           </p:cNvPr>
@@ -5583,7 +5588,7 @@
           <p:cNvPr id="6" name="Espaço Reservado para Número de Slide 3">
             <a:extLst>
               <a:ext uri="{FF2B5EF4-FFF2-40B4-BE49-F238E27FC236}">
-                <a16:creationId xmlns:a16="http://schemas.microsoft.com/office/drawing/2014/main" xmlns="" id="{F44F371E-1568-461E-BECB-7A54C0F45B37}"/>
+                <a16:creationId xmlns:a16="http://schemas.microsoft.com/office/drawing/2014/main" id="{F44F371E-1568-461E-BECB-7A54C0F45B37}"/>
               </a:ext>
             </a:extLst>
           </p:cNvPr>
@@ -5702,7 +5707,7 @@
           </a:lstStyle>
           <a:p>
             <a:r>
-              <a:rPr lang="pt-BR" sz="1600" dirty="0" smtClean="0"/>
+              <a:rPr lang="pt-BR" sz="1600" dirty="0"/>
               <a:t>7</a:t>
             </a:r>
             <a:endParaRPr lang="pt-BR" dirty="0"/>
@@ -5714,7 +5719,7 @@
           <p:cNvPr id="7" name="Picture 2" descr="https://lh3.googleusercontent.com/xim3WpIXO3zj6hwsI6YPeMiAO0bN3wF07maXk0a4WuDSC9N0JW5EQrFL0LU_WWbusVFXIh7TQ0SGi7b-_Xyx20bC8kVjlnDJIU9kEFYA6sJlLsD2e06gMtZG4OsKZTlaJmW4zL7qVIz-pna1eQ">
             <a:extLst>
               <a:ext uri="{FF2B5EF4-FFF2-40B4-BE49-F238E27FC236}">
-                <a16:creationId xmlns:a16="http://schemas.microsoft.com/office/drawing/2014/main" xmlns="" id="{AE321AAA-40DC-43FE-8121-B2CDBFE730C5}"/>
+                <a16:creationId xmlns:a16="http://schemas.microsoft.com/office/drawing/2014/main" id="{AE321AAA-40DC-43FE-8121-B2CDBFE730C5}"/>
               </a:ext>
             </a:extLst>
           </p:cNvPr>
@@ -5799,7 +5804,7 @@
           <p:cNvPr id="2" name="Título 1">
             <a:extLst>
               <a:ext uri="{FF2B5EF4-FFF2-40B4-BE49-F238E27FC236}">
-                <a16:creationId xmlns:a16="http://schemas.microsoft.com/office/drawing/2014/main" xmlns="" id="{55DB429C-A478-4C32-B293-36E7A4AEA531}"/>
+                <a16:creationId xmlns:a16="http://schemas.microsoft.com/office/drawing/2014/main" id="{55DB429C-A478-4C32-B293-36E7A4AEA531}"/>
               </a:ext>
             </a:extLst>
           </p:cNvPr>
@@ -5827,7 +5832,7 @@
           <p:cNvPr id="9" name="Espaço Reservado para Número de Slide 8">
             <a:extLst>
               <a:ext uri="{FF2B5EF4-FFF2-40B4-BE49-F238E27FC236}">
-                <a16:creationId xmlns:a16="http://schemas.microsoft.com/office/drawing/2014/main" xmlns="" id="{8DE195B0-5CF4-4171-A1A1-27AFC5A5C677}"/>
+                <a16:creationId xmlns:a16="http://schemas.microsoft.com/office/drawing/2014/main" id="{8DE195B0-5CF4-4171-A1A1-27AFC5A5C677}"/>
               </a:ext>
             </a:extLst>
           </p:cNvPr>
@@ -5861,7 +5866,7 @@
           <p:cNvPr id="4" name="Imagem 3">
             <a:extLst>
               <a:ext uri="{FF2B5EF4-FFF2-40B4-BE49-F238E27FC236}">
-                <a16:creationId xmlns:a16="http://schemas.microsoft.com/office/drawing/2014/main" xmlns="" id="{3993F824-08D0-417B-BEA9-171E2B4A83E9}"/>
+                <a16:creationId xmlns:a16="http://schemas.microsoft.com/office/drawing/2014/main" id="{3993F824-08D0-417B-BEA9-171E2B4A83E9}"/>
               </a:ext>
             </a:extLst>
           </p:cNvPr>
@@ -5940,10 +5945,9 @@
           <a:lstStyle/>
           <a:p>
             <a:r>
-              <a:rPr lang="pt-BR" dirty="0" smtClean="0"/>
+              <a:rPr lang="pt-BR" dirty="0"/>
               <a:t>DIAGRAMA DE ENTIDADE E RELACIONAMENTO</a:t>
             </a:r>
-            <a:endParaRPr lang="pt-BR" dirty="0"/>
           </a:p>
         </p:txBody>
       </p:sp>
@@ -5981,7 +5985,7 @@
           <p:cNvPr id="6" name="Espaço Reservado para Número de Slide 3">
             <a:extLst>
               <a:ext uri="{FF2B5EF4-FFF2-40B4-BE49-F238E27FC236}">
-                <a16:creationId xmlns:a16="http://schemas.microsoft.com/office/drawing/2014/main" xmlns="" id="{F44F371E-1568-461E-BECB-7A54C0F45B37}"/>
+                <a16:creationId xmlns:a16="http://schemas.microsoft.com/office/drawing/2014/main" id="{F44F371E-1568-461E-BECB-7A54C0F45B37}"/>
               </a:ext>
             </a:extLst>
           </p:cNvPr>
@@ -6100,7 +6104,7 @@
           </a:lstStyle>
           <a:p>
             <a:r>
-              <a:rPr lang="pt-BR" sz="1600" dirty="0" smtClean="0"/>
+              <a:rPr lang="pt-BR" sz="1600" dirty="0"/>
               <a:t>9</a:t>
             </a:r>
             <a:endParaRPr lang="pt-BR" dirty="0"/>
